--- a/Topic 4 - AE1.pptx
+++ b/Topic 4 - AE1.pptx
@@ -4,11 +4,16 @@
   <p:sldMasterIdLst>
     <p:sldMasterId id="2147483678" r:id="rId1"/>
   </p:sldMasterIdLst>
+  <p:notesMasterIdLst>
+    <p:notesMasterId r:id="rId8"/>
+  </p:notesMasterIdLst>
   <p:sldIdLst>
     <p:sldId id="256" r:id="rId2"/>
     <p:sldId id="257" r:id="rId3"/>
     <p:sldId id="258" r:id="rId4"/>
     <p:sldId id="259" r:id="rId5"/>
+    <p:sldId id="261" r:id="rId6"/>
+    <p:sldId id="260" r:id="rId7"/>
   </p:sldIdLst>
   <p:sldSz cx="12192000" cy="6858000"/>
   <p:notesSz cx="6858000" cy="9144000"/>
@@ -107,7 +112,469 @@
       </a:defRPr>
     </a:lvl9pPr>
   </p:defaultTextStyle>
+  <p:extLst>
+    <p:ext uri="{EFAFB233-063F-42B5-8137-9DF3F51BA10A}">
+      <p15:sldGuideLst xmlns:p15="http://schemas.microsoft.com/office/powerpoint/2012/main"/>
+    </p:ext>
+  </p:extLst>
 </p:presentation>
+</file>
+
+<file path=ppt/notesMasters/notesMaster1.xml><?xml version="1.0" encoding="utf-8"?>
+<p:notesMaster xmlns:a="http://schemas.openxmlformats.org/drawingml/2006/main" xmlns:r="http://schemas.openxmlformats.org/officeDocument/2006/relationships" xmlns:p="http://schemas.openxmlformats.org/presentationml/2006/main">
+  <p:cSld>
+    <p:bg>
+      <p:bgRef idx="1001">
+        <a:schemeClr val="bg1"/>
+      </p:bgRef>
+    </p:bg>
+    <p:spTree>
+      <p:nvGrpSpPr>
+        <p:cNvPr id="1" name=""/>
+        <p:cNvGrpSpPr/>
+        <p:nvPr/>
+      </p:nvGrpSpPr>
+      <p:grpSpPr>
+        <a:xfrm>
+          <a:off x="0" y="0"/>
+          <a:ext cx="0" cy="0"/>
+          <a:chOff x="0" y="0"/>
+          <a:chExt cx="0" cy="0"/>
+        </a:xfrm>
+      </p:grpSpPr>
+      <p:sp>
+        <p:nvSpPr>
+          <p:cNvPr id="2" name="Header Placeholder 1"/>
+          <p:cNvSpPr>
+            <a:spLocks noGrp="1"/>
+          </p:cNvSpPr>
+          <p:nvPr>
+            <p:ph type="hdr" sz="quarter"/>
+          </p:nvPr>
+        </p:nvSpPr>
+        <p:spPr>
+          <a:xfrm>
+            <a:off x="0" y="0"/>
+            <a:ext cx="2971800" cy="458788"/>
+          </a:xfrm>
+          <a:prstGeom prst="rect">
+            <a:avLst/>
+          </a:prstGeom>
+        </p:spPr>
+        <p:txBody>
+          <a:bodyPr vert="horz" lIns="91440" tIns="45720" rIns="91440" bIns="45720" rtlCol="0"/>
+          <a:lstStyle>
+            <a:lvl1pPr algn="l">
+              <a:defRPr sz="1200"/>
+            </a:lvl1pPr>
+          </a:lstStyle>
+          <a:p>
+            <a:endParaRPr lang="en-GB"/>
+          </a:p>
+        </p:txBody>
+      </p:sp>
+      <p:sp>
+        <p:nvSpPr>
+          <p:cNvPr id="3" name="Date Placeholder 2"/>
+          <p:cNvSpPr>
+            <a:spLocks noGrp="1"/>
+          </p:cNvSpPr>
+          <p:nvPr>
+            <p:ph type="dt" idx="1"/>
+          </p:nvPr>
+        </p:nvSpPr>
+        <p:spPr>
+          <a:xfrm>
+            <a:off x="3884613" y="0"/>
+            <a:ext cx="2971800" cy="458788"/>
+          </a:xfrm>
+          <a:prstGeom prst="rect">
+            <a:avLst/>
+          </a:prstGeom>
+        </p:spPr>
+        <p:txBody>
+          <a:bodyPr vert="horz" lIns="91440" tIns="45720" rIns="91440" bIns="45720" rtlCol="0"/>
+          <a:lstStyle>
+            <a:lvl1pPr algn="r">
+              <a:defRPr sz="1200"/>
+            </a:lvl1pPr>
+          </a:lstStyle>
+          <a:p>
+            <a:fld id="{B90DA824-3E73-4680-A4FF-AE99833251FC}" type="datetimeFigureOut">
+              <a:rPr lang="en-GB" smtClean="0"/>
+              <a:t>02/04/2018</a:t>
+            </a:fld>
+            <a:endParaRPr lang="en-GB"/>
+          </a:p>
+        </p:txBody>
+      </p:sp>
+      <p:sp>
+        <p:nvSpPr>
+          <p:cNvPr id="4" name="Slide Image Placeholder 3"/>
+          <p:cNvSpPr>
+            <a:spLocks noGrp="1" noRot="1" noChangeAspect="1"/>
+          </p:cNvSpPr>
+          <p:nvPr>
+            <p:ph type="sldImg" idx="2"/>
+          </p:nvPr>
+        </p:nvSpPr>
+        <p:spPr>
+          <a:xfrm>
+            <a:off x="685800" y="1143000"/>
+            <a:ext cx="5486400" cy="3086100"/>
+          </a:xfrm>
+          <a:prstGeom prst="rect">
+            <a:avLst/>
+          </a:prstGeom>
+          <a:noFill/>
+          <a:ln w="12700">
+            <a:solidFill>
+              <a:prstClr val="black"/>
+            </a:solidFill>
+          </a:ln>
+        </p:spPr>
+        <p:txBody>
+          <a:bodyPr vert="horz" lIns="91440" tIns="45720" rIns="91440" bIns="45720" rtlCol="0" anchor="ctr"/>
+          <a:lstStyle/>
+          <a:p>
+            <a:endParaRPr lang="en-GB"/>
+          </a:p>
+        </p:txBody>
+      </p:sp>
+      <p:sp>
+        <p:nvSpPr>
+          <p:cNvPr id="5" name="Notes Placeholder 4"/>
+          <p:cNvSpPr>
+            <a:spLocks noGrp="1"/>
+          </p:cNvSpPr>
+          <p:nvPr>
+            <p:ph type="body" sz="quarter" idx="3"/>
+          </p:nvPr>
+        </p:nvSpPr>
+        <p:spPr>
+          <a:xfrm>
+            <a:off x="685800" y="4400550"/>
+            <a:ext cx="5486400" cy="3600450"/>
+          </a:xfrm>
+          <a:prstGeom prst="rect">
+            <a:avLst/>
+          </a:prstGeom>
+        </p:spPr>
+        <p:txBody>
+          <a:bodyPr vert="horz" lIns="91440" tIns="45720" rIns="91440" bIns="45720" rtlCol="0"/>
+          <a:lstStyle/>
+          <a:p>
+            <a:pPr lvl="0"/>
+            <a:r>
+              <a:rPr lang="en-US"/>
+              <a:t>Edit Master text styles</a:t>
+            </a:r>
+          </a:p>
+          <a:p>
+            <a:pPr lvl="1"/>
+            <a:r>
+              <a:rPr lang="en-US"/>
+              <a:t>Second level</a:t>
+            </a:r>
+          </a:p>
+          <a:p>
+            <a:pPr lvl="2"/>
+            <a:r>
+              <a:rPr lang="en-US"/>
+              <a:t>Third level</a:t>
+            </a:r>
+          </a:p>
+          <a:p>
+            <a:pPr lvl="3"/>
+            <a:r>
+              <a:rPr lang="en-US"/>
+              <a:t>Fourth level</a:t>
+            </a:r>
+          </a:p>
+          <a:p>
+            <a:pPr lvl="4"/>
+            <a:r>
+              <a:rPr lang="en-US"/>
+              <a:t>Fifth level</a:t>
+            </a:r>
+            <a:endParaRPr lang="en-GB"/>
+          </a:p>
+        </p:txBody>
+      </p:sp>
+      <p:sp>
+        <p:nvSpPr>
+          <p:cNvPr id="6" name="Footer Placeholder 5"/>
+          <p:cNvSpPr>
+            <a:spLocks noGrp="1"/>
+          </p:cNvSpPr>
+          <p:nvPr>
+            <p:ph type="ftr" sz="quarter" idx="4"/>
+          </p:nvPr>
+        </p:nvSpPr>
+        <p:spPr>
+          <a:xfrm>
+            <a:off x="0" y="8685213"/>
+            <a:ext cx="2971800" cy="458787"/>
+          </a:xfrm>
+          <a:prstGeom prst="rect">
+            <a:avLst/>
+          </a:prstGeom>
+        </p:spPr>
+        <p:txBody>
+          <a:bodyPr vert="horz" lIns="91440" tIns="45720" rIns="91440" bIns="45720" rtlCol="0" anchor="b"/>
+          <a:lstStyle>
+            <a:lvl1pPr algn="l">
+              <a:defRPr sz="1200"/>
+            </a:lvl1pPr>
+          </a:lstStyle>
+          <a:p>
+            <a:endParaRPr lang="en-GB"/>
+          </a:p>
+        </p:txBody>
+      </p:sp>
+      <p:sp>
+        <p:nvSpPr>
+          <p:cNvPr id="7" name="Slide Number Placeholder 6"/>
+          <p:cNvSpPr>
+            <a:spLocks noGrp="1"/>
+          </p:cNvSpPr>
+          <p:nvPr>
+            <p:ph type="sldNum" sz="quarter" idx="5"/>
+          </p:nvPr>
+        </p:nvSpPr>
+        <p:spPr>
+          <a:xfrm>
+            <a:off x="3884613" y="8685213"/>
+            <a:ext cx="2971800" cy="458787"/>
+          </a:xfrm>
+          <a:prstGeom prst="rect">
+            <a:avLst/>
+          </a:prstGeom>
+        </p:spPr>
+        <p:txBody>
+          <a:bodyPr vert="horz" lIns="91440" tIns="45720" rIns="91440" bIns="45720" rtlCol="0" anchor="b"/>
+          <a:lstStyle>
+            <a:lvl1pPr algn="r">
+              <a:defRPr sz="1200"/>
+            </a:lvl1pPr>
+          </a:lstStyle>
+          <a:p>
+            <a:fld id="{9DE53F71-E433-4925-876B-53F1FB7344E4}" type="slidenum">
+              <a:rPr lang="en-GB" smtClean="0"/>
+              <a:t>‹#›</a:t>
+            </a:fld>
+            <a:endParaRPr lang="en-GB"/>
+          </a:p>
+        </p:txBody>
+      </p:sp>
+    </p:spTree>
+    <p:extLst>
+      <p:ext uri="{BB962C8B-B14F-4D97-AF65-F5344CB8AC3E}">
+        <p14:creationId xmlns:p14="http://schemas.microsoft.com/office/powerpoint/2010/main" val="3886514529"/>
+      </p:ext>
+    </p:extLst>
+  </p:cSld>
+  <p:clrMap bg1="lt1" tx1="dk1" bg2="lt2" tx2="dk2" accent1="accent1" accent2="accent2" accent3="accent3" accent4="accent4" accent5="accent5" accent6="accent6" hlink="hlink" folHlink="folHlink"/>
+  <p:notesStyle>
+    <a:lvl1pPr marL="0" algn="l" defTabSz="914400" rtl="0" eaLnBrk="1" latinLnBrk="0" hangingPunct="1">
+      <a:defRPr sz="1200" kern="1200">
+        <a:solidFill>
+          <a:schemeClr val="tx1"/>
+        </a:solidFill>
+        <a:latin typeface="+mn-lt"/>
+        <a:ea typeface="+mn-ea"/>
+        <a:cs typeface="+mn-cs"/>
+      </a:defRPr>
+    </a:lvl1pPr>
+    <a:lvl2pPr marL="457200" algn="l" defTabSz="914400" rtl="0" eaLnBrk="1" latinLnBrk="0" hangingPunct="1">
+      <a:defRPr sz="1200" kern="1200">
+        <a:solidFill>
+          <a:schemeClr val="tx1"/>
+        </a:solidFill>
+        <a:latin typeface="+mn-lt"/>
+        <a:ea typeface="+mn-ea"/>
+        <a:cs typeface="+mn-cs"/>
+      </a:defRPr>
+    </a:lvl2pPr>
+    <a:lvl3pPr marL="914400" algn="l" defTabSz="914400" rtl="0" eaLnBrk="1" latinLnBrk="0" hangingPunct="1">
+      <a:defRPr sz="1200" kern="1200">
+        <a:solidFill>
+          <a:schemeClr val="tx1"/>
+        </a:solidFill>
+        <a:latin typeface="+mn-lt"/>
+        <a:ea typeface="+mn-ea"/>
+        <a:cs typeface="+mn-cs"/>
+      </a:defRPr>
+    </a:lvl3pPr>
+    <a:lvl4pPr marL="1371600" algn="l" defTabSz="914400" rtl="0" eaLnBrk="1" latinLnBrk="0" hangingPunct="1">
+      <a:defRPr sz="1200" kern="1200">
+        <a:solidFill>
+          <a:schemeClr val="tx1"/>
+        </a:solidFill>
+        <a:latin typeface="+mn-lt"/>
+        <a:ea typeface="+mn-ea"/>
+        <a:cs typeface="+mn-cs"/>
+      </a:defRPr>
+    </a:lvl4pPr>
+    <a:lvl5pPr marL="1828800" algn="l" defTabSz="914400" rtl="0" eaLnBrk="1" latinLnBrk="0" hangingPunct="1">
+      <a:defRPr sz="1200" kern="1200">
+        <a:solidFill>
+          <a:schemeClr val="tx1"/>
+        </a:solidFill>
+        <a:latin typeface="+mn-lt"/>
+        <a:ea typeface="+mn-ea"/>
+        <a:cs typeface="+mn-cs"/>
+      </a:defRPr>
+    </a:lvl5pPr>
+    <a:lvl6pPr marL="2286000" algn="l" defTabSz="914400" rtl="0" eaLnBrk="1" latinLnBrk="0" hangingPunct="1">
+      <a:defRPr sz="1200" kern="1200">
+        <a:solidFill>
+          <a:schemeClr val="tx1"/>
+        </a:solidFill>
+        <a:latin typeface="+mn-lt"/>
+        <a:ea typeface="+mn-ea"/>
+        <a:cs typeface="+mn-cs"/>
+      </a:defRPr>
+    </a:lvl6pPr>
+    <a:lvl7pPr marL="2743200" algn="l" defTabSz="914400" rtl="0" eaLnBrk="1" latinLnBrk="0" hangingPunct="1">
+      <a:defRPr sz="1200" kern="1200">
+        <a:solidFill>
+          <a:schemeClr val="tx1"/>
+        </a:solidFill>
+        <a:latin typeface="+mn-lt"/>
+        <a:ea typeface="+mn-ea"/>
+        <a:cs typeface="+mn-cs"/>
+      </a:defRPr>
+    </a:lvl7pPr>
+    <a:lvl8pPr marL="3200400" algn="l" defTabSz="914400" rtl="0" eaLnBrk="1" latinLnBrk="0" hangingPunct="1">
+      <a:defRPr sz="1200" kern="1200">
+        <a:solidFill>
+          <a:schemeClr val="tx1"/>
+        </a:solidFill>
+        <a:latin typeface="+mn-lt"/>
+        <a:ea typeface="+mn-ea"/>
+        <a:cs typeface="+mn-cs"/>
+      </a:defRPr>
+    </a:lvl8pPr>
+    <a:lvl9pPr marL="3657600" algn="l" defTabSz="914400" rtl="0" eaLnBrk="1" latinLnBrk="0" hangingPunct="1">
+      <a:defRPr sz="1200" kern="1200">
+        <a:solidFill>
+          <a:schemeClr val="tx1"/>
+        </a:solidFill>
+        <a:latin typeface="+mn-lt"/>
+        <a:ea typeface="+mn-ea"/>
+        <a:cs typeface="+mn-cs"/>
+      </a:defRPr>
+    </a:lvl9pPr>
+  </p:notesStyle>
+</p:notesMaster>
+</file>
+
+<file path=ppt/notesSlides/notesSlide1.xml><?xml version="1.0" encoding="utf-8"?>
+<p:notes xmlns:a="http://schemas.openxmlformats.org/drawingml/2006/main" xmlns:r="http://schemas.openxmlformats.org/officeDocument/2006/relationships" xmlns:p="http://schemas.openxmlformats.org/presentationml/2006/main">
+  <p:cSld>
+    <p:spTree>
+      <p:nvGrpSpPr>
+        <p:cNvPr id="1" name=""/>
+        <p:cNvGrpSpPr/>
+        <p:nvPr/>
+      </p:nvGrpSpPr>
+      <p:grpSpPr>
+        <a:xfrm>
+          <a:off x="0" y="0"/>
+          <a:ext cx="0" cy="0"/>
+          <a:chOff x="0" y="0"/>
+          <a:chExt cx="0" cy="0"/>
+        </a:xfrm>
+      </p:grpSpPr>
+      <p:sp>
+        <p:nvSpPr>
+          <p:cNvPr id="2" name="Slide Image Placeholder 1"/>
+          <p:cNvSpPr>
+            <a:spLocks noGrp="1" noRot="1" noChangeAspect="1"/>
+          </p:cNvSpPr>
+          <p:nvPr>
+            <p:ph type="sldImg"/>
+          </p:nvPr>
+        </p:nvSpPr>
+        <p:spPr/>
+      </p:sp>
+      <p:sp>
+        <p:nvSpPr>
+          <p:cNvPr id="3" name="Notes Placeholder 2"/>
+          <p:cNvSpPr>
+            <a:spLocks noGrp="1"/>
+          </p:cNvSpPr>
+          <p:nvPr>
+            <p:ph type="body" idx="1"/>
+          </p:nvPr>
+        </p:nvSpPr>
+        <p:spPr/>
+        <p:txBody>
+          <a:bodyPr/>
+          <a:lstStyle/>
+          <a:p>
+            <a:r>
+              <a:rPr lang="en-GB" dirty="0"/>
+              <a:t>3</a:t>
+            </a:r>
+            <a:r>
+              <a:rPr lang="en-GB" baseline="30000" dirty="0"/>
+              <a:t>rd</a:t>
+            </a:r>
+            <a:r>
+              <a:rPr lang="en-GB" dirty="0"/>
+              <a:t> point – It will also be responsible for switching between pages. </a:t>
+            </a:r>
+          </a:p>
+          <a:p>
+            <a:r>
+              <a:rPr lang="en-GB" dirty="0"/>
+              <a:t>4rd point – and making game bookings for customers/members and book events for only members</a:t>
+            </a:r>
+          </a:p>
+          <a:p>
+            <a:r>
+              <a:rPr lang="en-GB" dirty="0"/>
+              <a:t>The other 3 classes hold respective information that will be needed to view whenever the user decides to do so. </a:t>
+            </a:r>
+          </a:p>
+        </p:txBody>
+      </p:sp>
+      <p:sp>
+        <p:nvSpPr>
+          <p:cNvPr id="4" name="Slide Number Placeholder 3"/>
+          <p:cNvSpPr>
+            <a:spLocks noGrp="1"/>
+          </p:cNvSpPr>
+          <p:nvPr>
+            <p:ph type="sldNum" sz="quarter" idx="10"/>
+          </p:nvPr>
+        </p:nvSpPr>
+        <p:spPr/>
+        <p:txBody>
+          <a:bodyPr/>
+          <a:lstStyle/>
+          <a:p>
+            <a:fld id="{9DE53F71-E433-4925-876B-53F1FB7344E4}" type="slidenum">
+              <a:rPr lang="en-GB" smtClean="0"/>
+              <a:t>4</a:t>
+            </a:fld>
+            <a:endParaRPr lang="en-GB"/>
+          </a:p>
+        </p:txBody>
+      </p:sp>
+    </p:spTree>
+    <p:extLst>
+      <p:ext uri="{BB962C8B-B14F-4D97-AF65-F5344CB8AC3E}">
+        <p14:creationId xmlns:p14="http://schemas.microsoft.com/office/powerpoint/2010/main" val="2572368582"/>
+      </p:ext>
+    </p:extLst>
+  </p:cSld>
+  <p:clrMapOvr>
+    <a:masterClrMapping/>
+  </p:clrMapOvr>
+</p:notes>
 </file>
 
 <file path=ppt/slideLayouts/slideLayout1.xml><?xml version="1.0" encoding="utf-8"?>
@@ -167,7 +634,7 @@
           <a:noFill/>
           <a:extLst>
             <a:ext uri="{909E8E84-426E-40dd-AFC4-6F175D3DCCD1}">
-              <a14:hiddenFill xmlns:a14="http://schemas.microsoft.com/office/drawing/2010/main" xmlns="">
+              <a14:hiddenFill xmlns="" xmlns:a14="http://schemas.microsoft.com/office/drawing/2010/main">
                 <a:solidFill>
                   <a:srgbClr val="FFFFFF"/>
                 </a:solidFill>
@@ -226,7 +693,7 @@
             </a:ln>
             <a:extLst>
               <a:ext uri="{91240B29-F687-4f45-9708-019B960494DF}">
-                <a14:hiddenLine xmlns:a14="http://schemas.microsoft.com/office/drawing/2010/main" xmlns="" w="9525">
+                <a14:hiddenLine xmlns="" xmlns:a14="http://schemas.microsoft.com/office/drawing/2010/main" w="9525">
                   <a:solidFill>
                     <a:srgbClr val="000000"/>
                   </a:solidFill>
@@ -316,7 +783,7 @@
             </a:ln>
             <a:extLst>
               <a:ext uri="{91240B29-F687-4f45-9708-019B960494DF}">
-                <a14:hiddenLine xmlns:a14="http://schemas.microsoft.com/office/drawing/2010/main" xmlns="" w="9525">
+                <a14:hiddenLine xmlns="" xmlns:a14="http://schemas.microsoft.com/office/drawing/2010/main" w="9525">
                   <a:solidFill>
                     <a:srgbClr val="000000"/>
                   </a:solidFill>
@@ -406,7 +873,7 @@
             </a:ln>
             <a:extLst>
               <a:ext uri="{91240B29-F687-4f45-9708-019B960494DF}">
-                <a14:hiddenLine xmlns:a14="http://schemas.microsoft.com/office/drawing/2010/main" xmlns="" w="9525">
+                <a14:hiddenLine xmlns="" xmlns:a14="http://schemas.microsoft.com/office/drawing/2010/main" w="9525">
                   <a:solidFill>
                     <a:srgbClr val="000000"/>
                   </a:solidFill>
@@ -440,7 +907,7 @@
             </a:ln>
             <a:extLst>
               <a:ext uri="{91240B29-F687-4f45-9708-019B960494DF}">
-                <a14:hiddenLine xmlns:a14="http://schemas.microsoft.com/office/drawing/2010/main" xmlns="" w="9525">
+                <a14:hiddenLine xmlns="" xmlns:a14="http://schemas.microsoft.com/office/drawing/2010/main" w="9525">
                   <a:solidFill>
                     <a:srgbClr val="000000"/>
                   </a:solidFill>
@@ -530,7 +997,7 @@
             </a:ln>
             <a:extLst>
               <a:ext uri="{91240B29-F687-4f45-9708-019B960494DF}">
-                <a14:hiddenLine xmlns:a14="http://schemas.microsoft.com/office/drawing/2010/main" xmlns="" w="9525">
+                <a14:hiddenLine xmlns="" xmlns:a14="http://schemas.microsoft.com/office/drawing/2010/main" w="9525">
                   <a:solidFill>
                     <a:srgbClr val="000000"/>
                   </a:solidFill>
@@ -592,7 +1059,7 @@
             </a:ln>
             <a:extLst>
               <a:ext uri="{91240B29-F687-4f45-9708-019B960494DF}">
-                <a14:hiddenLine xmlns:a14="http://schemas.microsoft.com/office/drawing/2010/main" xmlns="" w="9525">
+                <a14:hiddenLine xmlns="" xmlns:a14="http://schemas.microsoft.com/office/drawing/2010/main" w="9525">
                   <a:solidFill>
                     <a:srgbClr val="000000"/>
                   </a:solidFill>
@@ -654,7 +1121,7 @@
             </a:ln>
             <a:extLst>
               <a:ext uri="{91240B29-F687-4f45-9708-019B960494DF}">
-                <a14:hiddenLine xmlns:a14="http://schemas.microsoft.com/office/drawing/2010/main" xmlns="" w="9525">
+                <a14:hiddenLine xmlns="" xmlns:a14="http://schemas.microsoft.com/office/drawing/2010/main" w="9525">
                   <a:solidFill>
                     <a:srgbClr val="000000"/>
                   </a:solidFill>
@@ -744,7 +1211,7 @@
             </a:ln>
             <a:extLst>
               <a:ext uri="{91240B29-F687-4f45-9708-019B960494DF}">
-                <a14:hiddenLine xmlns:a14="http://schemas.microsoft.com/office/drawing/2010/main" xmlns="" w="9525">
+                <a14:hiddenLine xmlns="" xmlns:a14="http://schemas.microsoft.com/office/drawing/2010/main" w="9525">
                   <a:solidFill>
                     <a:srgbClr val="000000"/>
                   </a:solidFill>
@@ -806,7 +1273,7 @@
             </a:ln>
             <a:extLst>
               <a:ext uri="{91240B29-F687-4f45-9708-019B960494DF}">
-                <a14:hiddenLine xmlns:a14="http://schemas.microsoft.com/office/drawing/2010/main" xmlns="" w="9525">
+                <a14:hiddenLine xmlns="" xmlns:a14="http://schemas.microsoft.com/office/drawing/2010/main" w="9525">
                   <a:solidFill>
                     <a:srgbClr val="000000"/>
                   </a:solidFill>
@@ -868,7 +1335,7 @@
             </a:ln>
             <a:extLst>
               <a:ext uri="{91240B29-F687-4f45-9708-019B960494DF}">
-                <a14:hiddenLine xmlns:a14="http://schemas.microsoft.com/office/drawing/2010/main" xmlns="" w="9525">
+                <a14:hiddenLine xmlns="" xmlns:a14="http://schemas.microsoft.com/office/drawing/2010/main" w="9525">
                   <a:solidFill>
                     <a:srgbClr val="000000"/>
                   </a:solidFill>
@@ -958,7 +1425,7 @@
             </a:ln>
             <a:extLst>
               <a:ext uri="{91240B29-F687-4f45-9708-019B960494DF}">
-                <a14:hiddenLine xmlns:a14="http://schemas.microsoft.com/office/drawing/2010/main" xmlns="" w="9525">
+                <a14:hiddenLine xmlns="" xmlns:a14="http://schemas.microsoft.com/office/drawing/2010/main" w="9525">
                   <a:solidFill>
                     <a:srgbClr val="000000"/>
                   </a:solidFill>
@@ -1048,7 +1515,7 @@
             </a:ln>
             <a:extLst>
               <a:ext uri="{91240B29-F687-4f45-9708-019B960494DF}">
-                <a14:hiddenLine xmlns:a14="http://schemas.microsoft.com/office/drawing/2010/main" xmlns="" w="9525">
+                <a14:hiddenLine xmlns="" xmlns:a14="http://schemas.microsoft.com/office/drawing/2010/main" w="9525">
                   <a:solidFill>
                     <a:srgbClr val="000000"/>
                   </a:solidFill>
@@ -1110,7 +1577,7 @@
             </a:ln>
             <a:extLst>
               <a:ext uri="{91240B29-F687-4f45-9708-019B960494DF}">
-                <a14:hiddenLine xmlns:a14="http://schemas.microsoft.com/office/drawing/2010/main" xmlns="" w="9525">
+                <a14:hiddenLine xmlns="" xmlns:a14="http://schemas.microsoft.com/office/drawing/2010/main" w="9525">
                   <a:solidFill>
                     <a:srgbClr val="000000"/>
                   </a:solidFill>
@@ -1220,7 +1687,7 @@
             </a:ln>
             <a:extLst>
               <a:ext uri="{91240B29-F687-4f45-9708-019B960494DF}">
-                <a14:hiddenLine xmlns:a14="http://schemas.microsoft.com/office/drawing/2010/main" xmlns="" w="9525">
+                <a14:hiddenLine xmlns="" xmlns:a14="http://schemas.microsoft.com/office/drawing/2010/main" w="9525">
                   <a:solidFill>
                     <a:srgbClr val="000000"/>
                   </a:solidFill>
@@ -1282,7 +1749,7 @@
             </a:ln>
             <a:extLst>
               <a:ext uri="{91240B29-F687-4f45-9708-019B960494DF}">
-                <a14:hiddenLine xmlns:a14="http://schemas.microsoft.com/office/drawing/2010/main" xmlns="" w="9525">
+                <a14:hiddenLine xmlns="" xmlns:a14="http://schemas.microsoft.com/office/drawing/2010/main" w="9525">
                   <a:solidFill>
                     <a:srgbClr val="000000"/>
                   </a:solidFill>
@@ -1372,7 +1839,7 @@
             </a:ln>
             <a:extLst>
               <a:ext uri="{91240B29-F687-4f45-9708-019B960494DF}">
-                <a14:hiddenLine xmlns:a14="http://schemas.microsoft.com/office/drawing/2010/main" xmlns="" w="9525">
+                <a14:hiddenLine xmlns="" xmlns:a14="http://schemas.microsoft.com/office/drawing/2010/main" w="9525">
                   <a:solidFill>
                     <a:srgbClr val="000000"/>
                   </a:solidFill>
@@ -1462,7 +1929,7 @@
             </a:ln>
             <a:extLst>
               <a:ext uri="{91240B29-F687-4f45-9708-019B960494DF}">
-                <a14:hiddenLine xmlns:a14="http://schemas.microsoft.com/office/drawing/2010/main" xmlns="" w="9525">
+                <a14:hiddenLine xmlns="" xmlns:a14="http://schemas.microsoft.com/office/drawing/2010/main" w="9525">
                   <a:solidFill>
                     <a:srgbClr val="000000"/>
                   </a:solidFill>
@@ -1524,7 +1991,7 @@
             </a:ln>
             <a:extLst>
               <a:ext uri="{91240B29-F687-4f45-9708-019B960494DF}">
-                <a14:hiddenLine xmlns:a14="http://schemas.microsoft.com/office/drawing/2010/main" xmlns="" w="9525">
+                <a14:hiddenLine xmlns="" xmlns:a14="http://schemas.microsoft.com/office/drawing/2010/main" w="9525">
                   <a:solidFill>
                     <a:srgbClr val="000000"/>
                   </a:solidFill>
@@ -1614,7 +2081,7 @@
             </a:ln>
             <a:extLst>
               <a:ext uri="{91240B29-F687-4f45-9708-019B960494DF}">
-                <a14:hiddenLine xmlns:a14="http://schemas.microsoft.com/office/drawing/2010/main" xmlns="" w="9525">
+                <a14:hiddenLine xmlns="" xmlns:a14="http://schemas.microsoft.com/office/drawing/2010/main" w="9525">
                   <a:solidFill>
                     <a:srgbClr val="000000"/>
                   </a:solidFill>
@@ -1704,7 +2171,7 @@
             </a:ln>
             <a:extLst>
               <a:ext uri="{91240B29-F687-4f45-9708-019B960494DF}">
-                <a14:hiddenLine xmlns:a14="http://schemas.microsoft.com/office/drawing/2010/main" xmlns="" w="9525">
+                <a14:hiddenLine xmlns="" xmlns:a14="http://schemas.microsoft.com/office/drawing/2010/main" w="9525">
                   <a:solidFill>
                     <a:srgbClr val="000000"/>
                   </a:solidFill>
@@ -1760,7 +2227,7 @@
             </a:ln>
             <a:extLst>
               <a:ext uri="{91240B29-F687-4f45-9708-019B960494DF}">
-                <a14:hiddenLine xmlns:a14="http://schemas.microsoft.com/office/drawing/2010/main" xmlns="" w="9525">
+                <a14:hiddenLine xmlns="" xmlns:a14="http://schemas.microsoft.com/office/drawing/2010/main" w="9525">
                   <a:solidFill>
                     <a:srgbClr val="000000"/>
                   </a:solidFill>
@@ -1850,7 +2317,7 @@
             </a:ln>
             <a:extLst>
               <a:ext uri="{91240B29-F687-4f45-9708-019B960494DF}">
-                <a14:hiddenLine xmlns:a14="http://schemas.microsoft.com/office/drawing/2010/main" xmlns="" w="9525">
+                <a14:hiddenLine xmlns="" xmlns:a14="http://schemas.microsoft.com/office/drawing/2010/main" w="9525">
                   <a:solidFill>
                     <a:srgbClr val="000000"/>
                   </a:solidFill>
@@ -1906,7 +2373,7 @@
             </a:ln>
             <a:extLst>
               <a:ext uri="{91240B29-F687-4f45-9708-019B960494DF}">
-                <a14:hiddenLine xmlns:a14="http://schemas.microsoft.com/office/drawing/2010/main" xmlns="" w="9525">
+                <a14:hiddenLine xmlns="" xmlns:a14="http://schemas.microsoft.com/office/drawing/2010/main" w="9525">
                   <a:solidFill>
                     <a:srgbClr val="000000"/>
                   </a:solidFill>
@@ -1996,7 +2463,7 @@
             </a:ln>
             <a:extLst>
               <a:ext uri="{91240B29-F687-4f45-9708-019B960494DF}">
-                <a14:hiddenLine xmlns:a14="http://schemas.microsoft.com/office/drawing/2010/main" xmlns="" w="9525">
+                <a14:hiddenLine xmlns="" xmlns:a14="http://schemas.microsoft.com/office/drawing/2010/main" w="9525">
                   <a:solidFill>
                     <a:srgbClr val="000000"/>
                   </a:solidFill>
@@ -2064,7 +2531,7 @@
             </a:ln>
             <a:extLst>
               <a:ext uri="{91240B29-F687-4f45-9708-019B960494DF}">
-                <a14:hiddenLine xmlns:a14="http://schemas.microsoft.com/office/drawing/2010/main" xmlns="" w="9525">
+                <a14:hiddenLine xmlns="" xmlns:a14="http://schemas.microsoft.com/office/drawing/2010/main" w="9525">
                   <a:solidFill>
                     <a:srgbClr val="000000"/>
                   </a:solidFill>
@@ -2154,7 +2621,7 @@
             </a:ln>
             <a:extLst>
               <a:ext uri="{91240B29-F687-4f45-9708-019B960494DF}">
-                <a14:hiddenLine xmlns:a14="http://schemas.microsoft.com/office/drawing/2010/main" xmlns="" w="9525">
+                <a14:hiddenLine xmlns="" xmlns:a14="http://schemas.microsoft.com/office/drawing/2010/main" w="9525">
                   <a:solidFill>
                     <a:srgbClr val="000000"/>
                   </a:solidFill>
@@ -2222,7 +2689,7 @@
             </a:ln>
             <a:extLst>
               <a:ext uri="{91240B29-F687-4f45-9708-019B960494DF}">
-                <a14:hiddenLine xmlns:a14="http://schemas.microsoft.com/office/drawing/2010/main" xmlns="" w="9525">
+                <a14:hiddenLine xmlns="" xmlns:a14="http://schemas.microsoft.com/office/drawing/2010/main" w="9525">
                   <a:solidFill>
                     <a:srgbClr val="000000"/>
                   </a:solidFill>
@@ -2312,7 +2779,7 @@
             </a:ln>
             <a:extLst>
               <a:ext uri="{91240B29-F687-4f45-9708-019B960494DF}">
-                <a14:hiddenLine xmlns:a14="http://schemas.microsoft.com/office/drawing/2010/main" xmlns="" w="9525">
+                <a14:hiddenLine xmlns="" xmlns:a14="http://schemas.microsoft.com/office/drawing/2010/main" w="9525">
                   <a:solidFill>
                     <a:srgbClr val="000000"/>
                   </a:solidFill>
@@ -2346,7 +2813,7 @@
             </a:ln>
             <a:extLst>
               <a:ext uri="{91240B29-F687-4f45-9708-019B960494DF}">
-                <a14:hiddenLine xmlns:a14="http://schemas.microsoft.com/office/drawing/2010/main" xmlns="" w="9525">
+                <a14:hiddenLine xmlns="" xmlns:a14="http://schemas.microsoft.com/office/drawing/2010/main" w="9525">
                   <a:solidFill>
                     <a:srgbClr val="000000"/>
                   </a:solidFill>
@@ -2436,7 +2903,7 @@
             </a:ln>
             <a:extLst>
               <a:ext uri="{91240B29-F687-4f45-9708-019B960494DF}">
-                <a14:hiddenLine xmlns:a14="http://schemas.microsoft.com/office/drawing/2010/main" xmlns="" w="9525">
+                <a14:hiddenLine xmlns="" xmlns:a14="http://schemas.microsoft.com/office/drawing/2010/main" w="9525">
                   <a:solidFill>
                     <a:srgbClr val="000000"/>
                   </a:solidFill>
@@ -2498,7 +2965,7 @@
             </a:ln>
             <a:extLst>
               <a:ext uri="{91240B29-F687-4f45-9708-019B960494DF}">
-                <a14:hiddenLine xmlns:a14="http://schemas.microsoft.com/office/drawing/2010/main" xmlns="" w="9525">
+                <a14:hiddenLine xmlns="" xmlns:a14="http://schemas.microsoft.com/office/drawing/2010/main" w="9525">
                   <a:solidFill>
                     <a:srgbClr val="000000"/>
                   </a:solidFill>
@@ -2560,7 +3027,7 @@
             </a:ln>
             <a:extLst>
               <a:ext uri="{91240B29-F687-4f45-9708-019B960494DF}">
-                <a14:hiddenLine xmlns:a14="http://schemas.microsoft.com/office/drawing/2010/main" xmlns="" w="9525">
+                <a14:hiddenLine xmlns="" xmlns:a14="http://schemas.microsoft.com/office/drawing/2010/main" w="9525">
                   <a:solidFill>
                     <a:srgbClr val="000000"/>
                   </a:solidFill>
@@ -2650,7 +3117,7 @@
             </a:ln>
             <a:extLst>
               <a:ext uri="{91240B29-F687-4f45-9708-019B960494DF}">
-                <a14:hiddenLine xmlns:a14="http://schemas.microsoft.com/office/drawing/2010/main" xmlns="" w="9525">
+                <a14:hiddenLine xmlns="" xmlns:a14="http://schemas.microsoft.com/office/drawing/2010/main" w="9525">
                   <a:solidFill>
                     <a:srgbClr val="000000"/>
                   </a:solidFill>
@@ -2718,7 +3185,7 @@
             </a:ln>
             <a:extLst>
               <a:ext uri="{91240B29-F687-4f45-9708-019B960494DF}">
-                <a14:hiddenLine xmlns:a14="http://schemas.microsoft.com/office/drawing/2010/main" xmlns="" w="9525">
+                <a14:hiddenLine xmlns="" xmlns:a14="http://schemas.microsoft.com/office/drawing/2010/main" w="9525">
                   <a:solidFill>
                     <a:srgbClr val="000000"/>
                   </a:solidFill>
@@ -2780,7 +3247,7 @@
             </a:ln>
             <a:extLst>
               <a:ext uri="{91240B29-F687-4f45-9708-019B960494DF}">
-                <a14:hiddenLine xmlns:a14="http://schemas.microsoft.com/office/drawing/2010/main" xmlns="" w="9525">
+                <a14:hiddenLine xmlns="" xmlns:a14="http://schemas.microsoft.com/office/drawing/2010/main" w="9525">
                   <a:solidFill>
                     <a:srgbClr val="000000"/>
                   </a:solidFill>
@@ -2870,7 +3337,7 @@
             </a:ln>
             <a:extLst>
               <a:ext uri="{91240B29-F687-4f45-9708-019B960494DF}">
-                <a14:hiddenLine xmlns:a14="http://schemas.microsoft.com/office/drawing/2010/main" xmlns="" w="9525">
+                <a14:hiddenLine xmlns="" xmlns:a14="http://schemas.microsoft.com/office/drawing/2010/main" w="9525">
                   <a:solidFill>
                     <a:srgbClr val="000000"/>
                   </a:solidFill>
@@ -2932,7 +3399,7 @@
             </a:ln>
             <a:extLst>
               <a:ext uri="{91240B29-F687-4f45-9708-019B960494DF}">
-                <a14:hiddenLine xmlns:a14="http://schemas.microsoft.com/office/drawing/2010/main" xmlns="" w="9525">
+                <a14:hiddenLine xmlns="" xmlns:a14="http://schemas.microsoft.com/office/drawing/2010/main" w="9525">
                   <a:solidFill>
                     <a:srgbClr val="000000"/>
                   </a:solidFill>
@@ -3022,7 +3489,7 @@
             </a:ln>
             <a:extLst>
               <a:ext uri="{91240B29-F687-4f45-9708-019B960494DF}">
-                <a14:hiddenLine xmlns:a14="http://schemas.microsoft.com/office/drawing/2010/main" xmlns="" w="9525">
+                <a14:hiddenLine xmlns="" xmlns:a14="http://schemas.microsoft.com/office/drawing/2010/main" w="9525">
                   <a:solidFill>
                     <a:srgbClr val="000000"/>
                   </a:solidFill>
@@ -3084,7 +3551,7 @@
             </a:ln>
             <a:extLst>
               <a:ext uri="{91240B29-F687-4f45-9708-019B960494DF}">
-                <a14:hiddenLine xmlns:a14="http://schemas.microsoft.com/office/drawing/2010/main" xmlns="" w="9525">
+                <a14:hiddenLine xmlns="" xmlns:a14="http://schemas.microsoft.com/office/drawing/2010/main" w="9525">
                   <a:solidFill>
                     <a:srgbClr val="000000"/>
                   </a:solidFill>
@@ -3174,7 +3641,7 @@
             </a:ln>
             <a:extLst>
               <a:ext uri="{91240B29-F687-4f45-9708-019B960494DF}">
-                <a14:hiddenLine xmlns:a14="http://schemas.microsoft.com/office/drawing/2010/main" xmlns="" w="9525">
+                <a14:hiddenLine xmlns="" xmlns:a14="http://schemas.microsoft.com/office/drawing/2010/main" w="9525">
                   <a:solidFill>
                     <a:srgbClr val="000000"/>
                   </a:solidFill>
@@ -3208,7 +3675,7 @@
             </a:ln>
             <a:extLst>
               <a:ext uri="{91240B29-F687-4f45-9708-019B960494DF}">
-                <a14:hiddenLine xmlns:a14="http://schemas.microsoft.com/office/drawing/2010/main" xmlns="" w="9525">
+                <a14:hiddenLine xmlns="" xmlns:a14="http://schemas.microsoft.com/office/drawing/2010/main" w="9525">
                   <a:solidFill>
                     <a:srgbClr val="000000"/>
                   </a:solidFill>
@@ -3273,7 +3740,7 @@
             </a:ln>
             <a:extLst>
               <a:ext uri="{91240B29-F687-4f45-9708-019B960494DF}">
-                <a14:hiddenLine xmlns:a14="http://schemas.microsoft.com/office/drawing/2010/main" xmlns="" w="9525">
+                <a14:hiddenLine xmlns="" xmlns:a14="http://schemas.microsoft.com/office/drawing/2010/main" w="9525">
                   <a:solidFill>
                     <a:srgbClr val="000000"/>
                   </a:solidFill>
@@ -3363,7 +3830,7 @@
             </a:ln>
             <a:extLst>
               <a:ext uri="{91240B29-F687-4f45-9708-019B960494DF}">
-                <a14:hiddenLine xmlns:a14="http://schemas.microsoft.com/office/drawing/2010/main" xmlns="" w="9525">
+                <a14:hiddenLine xmlns="" xmlns:a14="http://schemas.microsoft.com/office/drawing/2010/main" w="9525">
                   <a:solidFill>
                     <a:srgbClr val="000000"/>
                   </a:solidFill>
@@ -3425,7 +3892,7 @@
             </a:ln>
             <a:extLst>
               <a:ext uri="{91240B29-F687-4f45-9708-019B960494DF}">
-                <a14:hiddenLine xmlns:a14="http://schemas.microsoft.com/office/drawing/2010/main" xmlns="" w="9525">
+                <a14:hiddenLine xmlns="" xmlns:a14="http://schemas.microsoft.com/office/drawing/2010/main" w="9525">
                   <a:solidFill>
                     <a:srgbClr val="000000"/>
                   </a:solidFill>
@@ -3515,7 +3982,7 @@
             </a:ln>
             <a:extLst>
               <a:ext uri="{91240B29-F687-4f45-9708-019B960494DF}">
-                <a14:hiddenLine xmlns:a14="http://schemas.microsoft.com/office/drawing/2010/main" xmlns="" w="9525">
+                <a14:hiddenLine xmlns="" xmlns:a14="http://schemas.microsoft.com/office/drawing/2010/main" w="9525">
                   <a:solidFill>
                     <a:srgbClr val="000000"/>
                   </a:solidFill>
@@ -3605,7 +4072,7 @@
             </a:ln>
             <a:extLst>
               <a:ext uri="{91240B29-F687-4f45-9708-019B960494DF}">
-                <a14:hiddenLine xmlns:a14="http://schemas.microsoft.com/office/drawing/2010/main" xmlns="" w="9525">
+                <a14:hiddenLine xmlns="" xmlns:a14="http://schemas.microsoft.com/office/drawing/2010/main" w="9525">
                   <a:solidFill>
                     <a:srgbClr val="000000"/>
                   </a:solidFill>
@@ -3670,7 +4137,7 @@
             </a:ln>
             <a:extLst>
               <a:ext uri="{91240B29-F687-4f45-9708-019B960494DF}">
-                <a14:hiddenLine xmlns:a14="http://schemas.microsoft.com/office/drawing/2010/main" xmlns="" w="9525">
+                <a14:hiddenLine xmlns="" xmlns:a14="http://schemas.microsoft.com/office/drawing/2010/main" w="9525">
                   <a:solidFill>
                     <a:srgbClr val="000000"/>
                   </a:solidFill>
@@ -3732,7 +4199,7 @@
             </a:ln>
             <a:extLst>
               <a:ext uri="{91240B29-F687-4f45-9708-019B960494DF}">
-                <a14:hiddenLine xmlns:a14="http://schemas.microsoft.com/office/drawing/2010/main" xmlns="" w="9525">
+                <a14:hiddenLine xmlns="" xmlns:a14="http://schemas.microsoft.com/office/drawing/2010/main" w="9525">
                   <a:solidFill>
                     <a:srgbClr val="000000"/>
                   </a:solidFill>
@@ -3822,7 +4289,7 @@
             </a:ln>
             <a:extLst>
               <a:ext uri="{91240B29-F687-4f45-9708-019B960494DF}">
-                <a14:hiddenLine xmlns:a14="http://schemas.microsoft.com/office/drawing/2010/main" xmlns="" w="9525">
+                <a14:hiddenLine xmlns="" xmlns:a14="http://schemas.microsoft.com/office/drawing/2010/main" w="9525">
                   <a:solidFill>
                     <a:srgbClr val="000000"/>
                   </a:solidFill>
@@ -3912,7 +4379,7 @@
             </a:ln>
             <a:extLst>
               <a:ext uri="{91240B29-F687-4f45-9708-019B960494DF}">
-                <a14:hiddenLine xmlns:a14="http://schemas.microsoft.com/office/drawing/2010/main" xmlns="" w="9525">
+                <a14:hiddenLine xmlns="" xmlns:a14="http://schemas.microsoft.com/office/drawing/2010/main" w="9525">
                   <a:solidFill>
                     <a:srgbClr val="000000"/>
                   </a:solidFill>
@@ -3974,7 +4441,7 @@
             </a:ln>
             <a:extLst>
               <a:ext uri="{91240B29-F687-4f45-9708-019B960494DF}">
-                <a14:hiddenLine xmlns:a14="http://schemas.microsoft.com/office/drawing/2010/main" xmlns="" w="9525">
+                <a14:hiddenLine xmlns="" xmlns:a14="http://schemas.microsoft.com/office/drawing/2010/main" w="9525">
                   <a:solidFill>
                     <a:srgbClr val="000000"/>
                   </a:solidFill>
@@ -4094,7 +4561,7 @@
             </a:ln>
             <a:extLst>
               <a:ext uri="{91240B29-F687-4f45-9708-019B960494DF}">
-                <a14:hiddenLine xmlns:a14="http://schemas.microsoft.com/office/drawing/2010/main" xmlns="" w="9525">
+                <a14:hiddenLine xmlns="" xmlns:a14="http://schemas.microsoft.com/office/drawing/2010/main" w="9525">
                   <a:solidFill>
                     <a:srgbClr val="000000"/>
                   </a:solidFill>
@@ -4162,7 +4629,7 @@
             </a:ln>
             <a:extLst>
               <a:ext uri="{91240B29-F687-4f45-9708-019B960494DF}">
-                <a14:hiddenLine xmlns:a14="http://schemas.microsoft.com/office/drawing/2010/main" xmlns="" w="9525">
+                <a14:hiddenLine xmlns="" xmlns:a14="http://schemas.microsoft.com/office/drawing/2010/main" w="9525">
                   <a:solidFill>
                     <a:srgbClr val="000000"/>
                   </a:solidFill>
@@ -4252,7 +4719,7 @@
             </a:ln>
             <a:extLst>
               <a:ext uri="{91240B29-F687-4f45-9708-019B960494DF}">
-                <a14:hiddenLine xmlns:a14="http://schemas.microsoft.com/office/drawing/2010/main" xmlns="" w="9525">
+                <a14:hiddenLine xmlns="" xmlns:a14="http://schemas.microsoft.com/office/drawing/2010/main" w="9525">
                   <a:solidFill>
                     <a:srgbClr val="000000"/>
                   </a:solidFill>
@@ -4460,6 +4927,18 @@
   <p:clrMapOvr>
     <a:masterClrMapping/>
   </p:clrMapOvr>
+  <mc:AlternateContent xmlns:mc="http://schemas.openxmlformats.org/markup-compatibility/2006">
+    <mc:Choice xmlns:p14="http://schemas.microsoft.com/office/powerpoint/2010/main" Requires="p14">
+      <p:transition spd="slow">
+        <p14:flip dir="r"/>
+      </p:transition>
+    </mc:Choice>
+    <mc:Fallback>
+      <p:transition spd="slow">
+        <p:fade/>
+      </p:transition>
+    </mc:Fallback>
+  </mc:AlternateContent>
 </p:sldLayout>
 </file>
 
@@ -4717,6 +5196,18 @@
   <p:clrMapOvr>
     <a:masterClrMapping/>
   </p:clrMapOvr>
+  <mc:AlternateContent xmlns:mc="http://schemas.openxmlformats.org/markup-compatibility/2006">
+    <mc:Choice xmlns:p14="http://schemas.microsoft.com/office/powerpoint/2010/main" Requires="p14">
+      <p:transition spd="slow">
+        <p14:flip dir="r"/>
+      </p:transition>
+    </mc:Choice>
+    <mc:Fallback>
+      <p:transition spd="slow">
+        <p:fade/>
+      </p:transition>
+    </mc:Fallback>
+  </mc:AlternateContent>
 </p:sldLayout>
 </file>
 
@@ -4913,6 +5404,18 @@
   <p:clrMapOvr>
     <a:masterClrMapping/>
   </p:clrMapOvr>
+  <mc:AlternateContent xmlns:mc="http://schemas.openxmlformats.org/markup-compatibility/2006">
+    <mc:Choice xmlns:p14="http://schemas.microsoft.com/office/powerpoint/2010/main" Requires="p14">
+      <p:transition spd="slow">
+        <p14:flip dir="r"/>
+      </p:transition>
+    </mc:Choice>
+    <mc:Fallback>
+      <p:transition spd="slow">
+        <p:fade/>
+      </p:transition>
+    </mc:Fallback>
+  </mc:AlternateContent>
 </p:sldLayout>
 </file>
 
@@ -5414,6 +5917,18 @@
   <p:clrMapOvr>
     <a:masterClrMapping/>
   </p:clrMapOvr>
+  <mc:AlternateContent xmlns:mc="http://schemas.openxmlformats.org/markup-compatibility/2006">
+    <mc:Choice xmlns:p14="http://schemas.microsoft.com/office/powerpoint/2010/main" Requires="p14">
+      <p:transition spd="slow">
+        <p14:flip dir="r"/>
+      </p:transition>
+    </mc:Choice>
+    <mc:Fallback>
+      <p:transition spd="slow">
+        <p:fade/>
+      </p:transition>
+    </mc:Fallback>
+  </mc:AlternateContent>
 </p:sldLayout>
 </file>
 
@@ -5610,6 +6125,18 @@
   <p:clrMapOvr>
     <a:masterClrMapping/>
   </p:clrMapOvr>
+  <mc:AlternateContent xmlns:mc="http://schemas.openxmlformats.org/markup-compatibility/2006">
+    <mc:Choice xmlns:p14="http://schemas.microsoft.com/office/powerpoint/2010/main" Requires="p14">
+      <p:transition spd="slow">
+        <p14:flip dir="r"/>
+      </p:transition>
+    </mc:Choice>
+    <mc:Fallback>
+      <p:transition spd="slow">
+        <p:fade/>
+      </p:transition>
+    </mc:Fallback>
+  </mc:AlternateContent>
 </p:sldLayout>
 </file>
 
@@ -6156,6 +6683,18 @@
   <p:clrMapOvr>
     <a:masterClrMapping/>
   </p:clrMapOvr>
+  <mc:AlternateContent xmlns:mc="http://schemas.openxmlformats.org/markup-compatibility/2006">
+    <mc:Choice xmlns:p14="http://schemas.microsoft.com/office/powerpoint/2010/main" Requires="p14">
+      <p:transition spd="slow">
+        <p14:flip dir="r"/>
+      </p:transition>
+    </mc:Choice>
+    <mc:Fallback>
+      <p:transition spd="slow">
+        <p:fade/>
+      </p:transition>
+    </mc:Fallback>
+  </mc:AlternateContent>
 </p:sldLayout>
 </file>
 
@@ -6876,6 +7415,18 @@
   <p:clrMapOvr>
     <a:masterClrMapping/>
   </p:clrMapOvr>
+  <mc:AlternateContent xmlns:mc="http://schemas.openxmlformats.org/markup-compatibility/2006">
+    <mc:Choice xmlns:p14="http://schemas.microsoft.com/office/powerpoint/2010/main" Requires="p14">
+      <p:transition spd="slow">
+        <p14:flip dir="r"/>
+      </p:transition>
+    </mc:Choice>
+    <mc:Fallback>
+      <p:transition spd="slow">
+        <p:fade/>
+      </p:transition>
+    </mc:Fallback>
+  </mc:AlternateContent>
 </p:sldLayout>
 </file>
 
@@ -7046,6 +7597,18 @@
   <p:clrMapOvr>
     <a:masterClrMapping/>
   </p:clrMapOvr>
+  <mc:AlternateContent xmlns:mc="http://schemas.openxmlformats.org/markup-compatibility/2006">
+    <mc:Choice xmlns:p14="http://schemas.microsoft.com/office/powerpoint/2010/main" Requires="p14">
+      <p:transition spd="slow">
+        <p14:flip dir="r"/>
+      </p:transition>
+    </mc:Choice>
+    <mc:Fallback>
+      <p:transition spd="slow">
+        <p:fade/>
+      </p:transition>
+    </mc:Fallback>
+  </mc:AlternateContent>
 </p:sldLayout>
 </file>
 
@@ -7226,6 +7789,18 @@
   <p:clrMapOvr>
     <a:masterClrMapping/>
   </p:clrMapOvr>
+  <mc:AlternateContent xmlns:mc="http://schemas.openxmlformats.org/markup-compatibility/2006">
+    <mc:Choice xmlns:p14="http://schemas.microsoft.com/office/powerpoint/2010/main" Requires="p14">
+      <p:transition spd="slow">
+        <p14:flip dir="r"/>
+      </p:transition>
+    </mc:Choice>
+    <mc:Fallback>
+      <p:transition spd="slow">
+        <p:fade/>
+      </p:transition>
+    </mc:Fallback>
+  </mc:AlternateContent>
 </p:sldLayout>
 </file>
 
@@ -7396,6 +7971,18 @@
   <p:clrMapOvr>
     <a:masterClrMapping/>
   </p:clrMapOvr>
+  <mc:AlternateContent xmlns:mc="http://schemas.openxmlformats.org/markup-compatibility/2006">
+    <mc:Choice xmlns:p14="http://schemas.microsoft.com/office/powerpoint/2010/main" Requires="p14">
+      <p:transition spd="slow">
+        <p14:flip dir="r"/>
+      </p:transition>
+    </mc:Choice>
+    <mc:Fallback>
+      <p:transition spd="slow">
+        <p:fade/>
+      </p:transition>
+    </mc:Fallback>
+  </mc:AlternateContent>
 </p:sldLayout>
 </file>
 
@@ -7646,6 +8233,18 @@
   <p:clrMapOvr>
     <a:masterClrMapping/>
   </p:clrMapOvr>
+  <mc:AlternateContent xmlns:mc="http://schemas.openxmlformats.org/markup-compatibility/2006">
+    <mc:Choice xmlns:p14="http://schemas.microsoft.com/office/powerpoint/2010/main" Requires="p14">
+      <p:transition spd="slow">
+        <p14:flip dir="r"/>
+      </p:transition>
+    </mc:Choice>
+    <mc:Fallback>
+      <p:transition spd="slow">
+        <p:fade/>
+      </p:transition>
+    </mc:Fallback>
+  </mc:AlternateContent>
 </p:sldLayout>
 </file>
 
@@ -7878,6 +8477,18 @@
   <p:clrMapOvr>
     <a:masterClrMapping/>
   </p:clrMapOvr>
+  <mc:AlternateContent xmlns:mc="http://schemas.openxmlformats.org/markup-compatibility/2006">
+    <mc:Choice xmlns:p14="http://schemas.microsoft.com/office/powerpoint/2010/main" Requires="p14">
+      <p:transition spd="slow">
+        <p14:flip dir="r"/>
+      </p:transition>
+    </mc:Choice>
+    <mc:Fallback>
+      <p:transition spd="slow">
+        <p:fade/>
+      </p:transition>
+    </mc:Fallback>
+  </mc:AlternateContent>
 </p:sldLayout>
 </file>
 
@@ -8259,6 +8870,18 @@
   <p:clrMapOvr>
     <a:masterClrMapping/>
   </p:clrMapOvr>
+  <mc:AlternateContent xmlns:mc="http://schemas.openxmlformats.org/markup-compatibility/2006">
+    <mc:Choice xmlns:p14="http://schemas.microsoft.com/office/powerpoint/2010/main" Requires="p14">
+      <p:transition spd="slow">
+        <p14:flip dir="r"/>
+      </p:transition>
+    </mc:Choice>
+    <mc:Fallback>
+      <p:transition spd="slow">
+        <p:fade/>
+      </p:transition>
+    </mc:Fallback>
+  </mc:AlternateContent>
 </p:sldLayout>
 </file>
 
@@ -8377,6 +9000,18 @@
   <p:clrMapOvr>
     <a:masterClrMapping/>
   </p:clrMapOvr>
+  <mc:AlternateContent xmlns:mc="http://schemas.openxmlformats.org/markup-compatibility/2006">
+    <mc:Choice xmlns:p14="http://schemas.microsoft.com/office/powerpoint/2010/main" Requires="p14">
+      <p:transition spd="slow">
+        <p14:flip dir="r"/>
+      </p:transition>
+    </mc:Choice>
+    <mc:Fallback>
+      <p:transition spd="slow">
+        <p:fade/>
+      </p:transition>
+    </mc:Fallback>
+  </mc:AlternateContent>
 </p:sldLayout>
 </file>
 
@@ -8472,6 +9107,18 @@
   <p:clrMapOvr>
     <a:masterClrMapping/>
   </p:clrMapOvr>
+  <mc:AlternateContent xmlns:mc="http://schemas.openxmlformats.org/markup-compatibility/2006">
+    <mc:Choice xmlns:p14="http://schemas.microsoft.com/office/powerpoint/2010/main" Requires="p14">
+      <p:transition spd="slow">
+        <p14:flip dir="r"/>
+      </p:transition>
+    </mc:Choice>
+    <mc:Fallback>
+      <p:transition spd="slow">
+        <p:fade/>
+      </p:transition>
+    </mc:Fallback>
+  </mc:AlternateContent>
 </p:sldLayout>
 </file>
 
@@ -8721,6 +9368,18 @@
   <p:clrMapOvr>
     <a:masterClrMapping/>
   </p:clrMapOvr>
+  <mc:AlternateContent xmlns:mc="http://schemas.openxmlformats.org/markup-compatibility/2006">
+    <mc:Choice xmlns:p14="http://schemas.microsoft.com/office/powerpoint/2010/main" Requires="p14">
+      <p:transition spd="slow">
+        <p14:flip dir="r"/>
+      </p:transition>
+    </mc:Choice>
+    <mc:Fallback>
+      <p:transition spd="slow">
+        <p:fade/>
+      </p:transition>
+    </mc:Fallback>
+  </mc:AlternateContent>
 </p:sldLayout>
 </file>
 
@@ -9001,6 +9660,18 @@
   <p:clrMapOvr>
     <a:masterClrMapping/>
   </p:clrMapOvr>
+  <mc:AlternateContent xmlns:mc="http://schemas.openxmlformats.org/markup-compatibility/2006">
+    <mc:Choice xmlns:p14="http://schemas.microsoft.com/office/powerpoint/2010/main" Requires="p14">
+      <p:transition spd="slow">
+        <p14:flip dir="r"/>
+      </p:transition>
+    </mc:Choice>
+    <mc:Fallback>
+      <p:transition spd="slow">
+        <p:fade/>
+      </p:transition>
+    </mc:Fallback>
+  </mc:AlternateContent>
 </p:sldLayout>
 </file>
 
@@ -9066,7 +9737,7 @@
           <a:noFill/>
           <a:extLst>
             <a:ext uri="{909E8E84-426E-40dd-AFC4-6F175D3DCCD1}">
-              <a14:hiddenFill xmlns:a14="http://schemas.microsoft.com/office/drawing/2010/main" xmlns="">
+              <a14:hiddenFill xmlns="" xmlns:a14="http://schemas.microsoft.com/office/drawing/2010/main">
                 <a:solidFill>
                   <a:srgbClr val="FFFFFF"/>
                 </a:solidFill>
@@ -9140,7 +9811,7 @@
               </a:ln>
               <a:extLst>
                 <a:ext uri="{91240B29-F687-4f45-9708-019B960494DF}">
-                  <a14:hiddenLine xmlns:a14="http://schemas.microsoft.com/office/drawing/2010/main" xmlns="" w="9525">
+                  <a14:hiddenLine xmlns="" xmlns:a14="http://schemas.microsoft.com/office/drawing/2010/main" w="9525">
                     <a:solidFill>
                       <a:srgbClr val="000000"/>
                     </a:solidFill>
@@ -9230,7 +9901,7 @@
               </a:ln>
               <a:extLst>
                 <a:ext uri="{91240B29-F687-4f45-9708-019B960494DF}">
-                  <a14:hiddenLine xmlns:a14="http://schemas.microsoft.com/office/drawing/2010/main" xmlns="" w="9525">
+                  <a14:hiddenLine xmlns="" xmlns:a14="http://schemas.microsoft.com/office/drawing/2010/main" w="9525">
                     <a:solidFill>
                       <a:srgbClr val="000000"/>
                     </a:solidFill>
@@ -9320,7 +9991,7 @@
               </a:ln>
               <a:extLst>
                 <a:ext uri="{91240B29-F687-4f45-9708-019B960494DF}">
-                  <a14:hiddenLine xmlns:a14="http://schemas.microsoft.com/office/drawing/2010/main" xmlns="" w="9525">
+                  <a14:hiddenLine xmlns="" xmlns:a14="http://schemas.microsoft.com/office/drawing/2010/main" w="9525">
                     <a:solidFill>
                       <a:srgbClr val="000000"/>
                     </a:solidFill>
@@ -9382,7 +10053,7 @@
               </a:ln>
               <a:extLst>
                 <a:ext uri="{91240B29-F687-4f45-9708-019B960494DF}">
-                  <a14:hiddenLine xmlns:a14="http://schemas.microsoft.com/office/drawing/2010/main" xmlns="" w="9525">
+                  <a14:hiddenLine xmlns="" xmlns:a14="http://schemas.microsoft.com/office/drawing/2010/main" w="9525">
                     <a:solidFill>
                       <a:srgbClr val="000000"/>
                     </a:solidFill>
@@ -9472,7 +10143,7 @@
               </a:ln>
               <a:extLst>
                 <a:ext uri="{91240B29-F687-4f45-9708-019B960494DF}">
-                  <a14:hiddenLine xmlns:a14="http://schemas.microsoft.com/office/drawing/2010/main" xmlns="" w="9525">
+                  <a14:hiddenLine xmlns="" xmlns:a14="http://schemas.microsoft.com/office/drawing/2010/main" w="9525">
                     <a:solidFill>
                       <a:srgbClr val="000000"/>
                     </a:solidFill>
@@ -9534,7 +10205,7 @@
               </a:ln>
               <a:extLst>
                 <a:ext uri="{91240B29-F687-4f45-9708-019B960494DF}">
-                  <a14:hiddenLine xmlns:a14="http://schemas.microsoft.com/office/drawing/2010/main" xmlns="" w="9525">
+                  <a14:hiddenLine xmlns="" xmlns:a14="http://schemas.microsoft.com/office/drawing/2010/main" w="9525">
                     <a:solidFill>
                       <a:srgbClr val="000000"/>
                     </a:solidFill>
@@ -9596,7 +10267,7 @@
               </a:ln>
               <a:extLst>
                 <a:ext uri="{91240B29-F687-4f45-9708-019B960494DF}">
-                  <a14:hiddenLine xmlns:a14="http://schemas.microsoft.com/office/drawing/2010/main" xmlns="" w="9525">
+                  <a14:hiddenLine xmlns="" xmlns:a14="http://schemas.microsoft.com/office/drawing/2010/main" w="9525">
                     <a:solidFill>
                       <a:srgbClr val="000000"/>
                     </a:solidFill>
@@ -9686,7 +10357,7 @@
               </a:ln>
               <a:extLst>
                 <a:ext uri="{91240B29-F687-4f45-9708-019B960494DF}">
-                  <a14:hiddenLine xmlns:a14="http://schemas.microsoft.com/office/drawing/2010/main" xmlns="" w="9525">
+                  <a14:hiddenLine xmlns="" xmlns:a14="http://schemas.microsoft.com/office/drawing/2010/main" w="9525">
                     <a:solidFill>
                       <a:srgbClr val="000000"/>
                     </a:solidFill>
@@ -9776,7 +10447,7 @@
               </a:ln>
               <a:extLst>
                 <a:ext uri="{91240B29-F687-4f45-9708-019B960494DF}">
-                  <a14:hiddenLine xmlns:a14="http://schemas.microsoft.com/office/drawing/2010/main" xmlns="" w="9525">
+                  <a14:hiddenLine xmlns="" xmlns:a14="http://schemas.microsoft.com/office/drawing/2010/main" w="9525">
                     <a:solidFill>
                       <a:srgbClr val="000000"/>
                     </a:solidFill>
@@ -9838,7 +10509,7 @@
               </a:ln>
               <a:extLst>
                 <a:ext uri="{91240B29-F687-4f45-9708-019B960494DF}">
-                  <a14:hiddenLine xmlns:a14="http://schemas.microsoft.com/office/drawing/2010/main" xmlns="" w="9525">
+                  <a14:hiddenLine xmlns="" xmlns:a14="http://schemas.microsoft.com/office/drawing/2010/main" w="9525">
                     <a:solidFill>
                       <a:srgbClr val="000000"/>
                     </a:solidFill>
@@ -9948,7 +10619,7 @@
               </a:ln>
               <a:extLst>
                 <a:ext uri="{91240B29-F687-4f45-9708-019B960494DF}">
-                  <a14:hiddenLine xmlns:a14="http://schemas.microsoft.com/office/drawing/2010/main" xmlns="" w="9525">
+                  <a14:hiddenLine xmlns="" xmlns:a14="http://schemas.microsoft.com/office/drawing/2010/main" w="9525">
                     <a:solidFill>
                       <a:srgbClr val="000000"/>
                     </a:solidFill>
@@ -10032,7 +10703,7 @@
               </a:ln>
               <a:extLst>
                 <a:ext uri="{91240B29-F687-4f45-9708-019B960494DF}">
-                  <a14:hiddenLine xmlns:a14="http://schemas.microsoft.com/office/drawing/2010/main" xmlns="" w="9525">
+                  <a14:hiddenLine xmlns="" xmlns:a14="http://schemas.microsoft.com/office/drawing/2010/main" w="9525">
                     <a:solidFill>
                       <a:srgbClr val="000000"/>
                     </a:solidFill>
@@ -10094,7 +10765,7 @@
               </a:ln>
               <a:extLst>
                 <a:ext uri="{91240B29-F687-4f45-9708-019B960494DF}">
-                  <a14:hiddenLine xmlns:a14="http://schemas.microsoft.com/office/drawing/2010/main" xmlns="" w="9525">
+                  <a14:hiddenLine xmlns="" xmlns:a14="http://schemas.microsoft.com/office/drawing/2010/main" w="9525">
                     <a:solidFill>
                       <a:srgbClr val="000000"/>
                     </a:solidFill>
@@ -10156,7 +10827,7 @@
               </a:ln>
               <a:extLst>
                 <a:ext uri="{91240B29-F687-4f45-9708-019B960494DF}">
-                  <a14:hiddenLine xmlns:a14="http://schemas.microsoft.com/office/drawing/2010/main" xmlns="" w="9525">
+                  <a14:hiddenLine xmlns="" xmlns:a14="http://schemas.microsoft.com/office/drawing/2010/main" w="9525">
                     <a:solidFill>
                       <a:srgbClr val="000000"/>
                     </a:solidFill>
@@ -10246,7 +10917,7 @@
               </a:ln>
               <a:extLst>
                 <a:ext uri="{91240B29-F687-4f45-9708-019B960494DF}">
-                  <a14:hiddenLine xmlns:a14="http://schemas.microsoft.com/office/drawing/2010/main" xmlns="" w="9525">
+                  <a14:hiddenLine xmlns="" xmlns:a14="http://schemas.microsoft.com/office/drawing/2010/main" w="9525">
                     <a:solidFill>
                       <a:srgbClr val="000000"/>
                     </a:solidFill>
@@ -10280,7 +10951,7 @@
               </a:ln>
               <a:extLst>
                 <a:ext uri="{91240B29-F687-4f45-9708-019B960494DF}">
-                  <a14:hiddenLine xmlns:a14="http://schemas.microsoft.com/office/drawing/2010/main" xmlns="" w="9525">
+                  <a14:hiddenLine xmlns="" xmlns:a14="http://schemas.microsoft.com/office/drawing/2010/main" w="9525">
                     <a:solidFill>
                       <a:srgbClr val="000000"/>
                     </a:solidFill>
@@ -10345,7 +11016,7 @@
               </a:ln>
               <a:extLst>
                 <a:ext uri="{91240B29-F687-4f45-9708-019B960494DF}">
-                  <a14:hiddenLine xmlns:a14="http://schemas.microsoft.com/office/drawing/2010/main" xmlns="" w="9525">
+                  <a14:hiddenLine xmlns="" xmlns:a14="http://schemas.microsoft.com/office/drawing/2010/main" w="9525">
                     <a:solidFill>
                       <a:srgbClr val="000000"/>
                     </a:solidFill>
@@ -10435,7 +11106,7 @@
               </a:ln>
               <a:extLst>
                 <a:ext uri="{91240B29-F687-4f45-9708-019B960494DF}">
-                  <a14:hiddenLine xmlns:a14="http://schemas.microsoft.com/office/drawing/2010/main" xmlns="" w="9525">
+                  <a14:hiddenLine xmlns="" xmlns:a14="http://schemas.microsoft.com/office/drawing/2010/main" w="9525">
                     <a:solidFill>
                       <a:srgbClr val="000000"/>
                     </a:solidFill>
@@ -10497,7 +11168,7 @@
               </a:ln>
               <a:extLst>
                 <a:ext uri="{91240B29-F687-4f45-9708-019B960494DF}">
-                  <a14:hiddenLine xmlns:a14="http://schemas.microsoft.com/office/drawing/2010/main" xmlns="" w="9525">
+                  <a14:hiddenLine xmlns="" xmlns:a14="http://schemas.microsoft.com/office/drawing/2010/main" w="9525">
                     <a:solidFill>
                       <a:srgbClr val="000000"/>
                     </a:solidFill>
@@ -10587,7 +11258,7 @@
               </a:ln>
               <a:extLst>
                 <a:ext uri="{91240B29-F687-4f45-9708-019B960494DF}">
-                  <a14:hiddenLine xmlns:a14="http://schemas.microsoft.com/office/drawing/2010/main" xmlns="" w="9525">
+                  <a14:hiddenLine xmlns="" xmlns:a14="http://schemas.microsoft.com/office/drawing/2010/main" w="9525">
                     <a:solidFill>
                       <a:srgbClr val="000000"/>
                     </a:solidFill>
@@ -10652,7 +11323,7 @@
               </a:ln>
               <a:extLst>
                 <a:ext uri="{91240B29-F687-4f45-9708-019B960494DF}">
-                  <a14:hiddenLine xmlns:a14="http://schemas.microsoft.com/office/drawing/2010/main" xmlns="" w="9525">
+                  <a14:hiddenLine xmlns="" xmlns:a14="http://schemas.microsoft.com/office/drawing/2010/main" w="9525">
                     <a:solidFill>
                       <a:srgbClr val="000000"/>
                     </a:solidFill>
@@ -10714,7 +11385,7 @@
               </a:ln>
               <a:extLst>
                 <a:ext uri="{91240B29-F687-4f45-9708-019B960494DF}">
-                  <a14:hiddenLine xmlns:a14="http://schemas.microsoft.com/office/drawing/2010/main" xmlns="" w="9525">
+                  <a14:hiddenLine xmlns="" xmlns:a14="http://schemas.microsoft.com/office/drawing/2010/main" w="9525">
                     <a:solidFill>
                       <a:srgbClr val="000000"/>
                     </a:solidFill>
@@ -10804,7 +11475,7 @@
               </a:ln>
               <a:extLst>
                 <a:ext uri="{91240B29-F687-4f45-9708-019B960494DF}">
-                  <a14:hiddenLine xmlns:a14="http://schemas.microsoft.com/office/drawing/2010/main" xmlns="" w="9525">
+                  <a14:hiddenLine xmlns="" xmlns:a14="http://schemas.microsoft.com/office/drawing/2010/main" w="9525">
                     <a:solidFill>
                       <a:srgbClr val="000000"/>
                     </a:solidFill>
@@ -10894,7 +11565,7 @@
               </a:ln>
               <a:extLst>
                 <a:ext uri="{91240B29-F687-4f45-9708-019B960494DF}">
-                  <a14:hiddenLine xmlns:a14="http://schemas.microsoft.com/office/drawing/2010/main" xmlns="" w="9525">
+                  <a14:hiddenLine xmlns="" xmlns:a14="http://schemas.microsoft.com/office/drawing/2010/main" w="9525">
                     <a:solidFill>
                       <a:srgbClr val="000000"/>
                     </a:solidFill>
@@ -10959,7 +11630,7 @@
               </a:ln>
               <a:extLst>
                 <a:ext uri="{91240B29-F687-4f45-9708-019B960494DF}">
-                  <a14:hiddenLine xmlns:a14="http://schemas.microsoft.com/office/drawing/2010/main" xmlns="" w="9525">
+                  <a14:hiddenLine xmlns="" xmlns:a14="http://schemas.microsoft.com/office/drawing/2010/main" w="9525">
                     <a:solidFill>
                       <a:srgbClr val="000000"/>
                     </a:solidFill>
@@ -11079,7 +11750,7 @@
               </a:ln>
               <a:extLst>
                 <a:ext uri="{91240B29-F687-4f45-9708-019B960494DF}">
-                  <a14:hiddenLine xmlns:a14="http://schemas.microsoft.com/office/drawing/2010/main" xmlns="" w="9525">
+                  <a14:hiddenLine xmlns="" xmlns:a14="http://schemas.microsoft.com/office/drawing/2010/main" w="9525">
                     <a:solidFill>
                       <a:srgbClr val="000000"/>
                     </a:solidFill>
@@ -11160,7 +11831,7 @@
               </a:ln>
               <a:extLst>
                 <a:ext uri="{91240B29-F687-4f45-9708-019B960494DF}">
-                  <a14:hiddenLine xmlns:a14="http://schemas.microsoft.com/office/drawing/2010/main" xmlns="" w="9525">
+                  <a14:hiddenLine xmlns="" xmlns:a14="http://schemas.microsoft.com/office/drawing/2010/main" w="9525">
                     <a:solidFill>
                       <a:srgbClr val="000000"/>
                     </a:solidFill>
@@ -11275,7 +11946,7 @@
               </a:ln>
               <a:extLst>
                 <a:ext uri="{91240B29-F687-4f45-9708-019B960494DF}">
-                  <a14:hiddenLine xmlns:a14="http://schemas.microsoft.com/office/drawing/2010/main" xmlns="" w="9525">
+                  <a14:hiddenLine xmlns="" xmlns:a14="http://schemas.microsoft.com/office/drawing/2010/main" w="9525">
                     <a:solidFill>
                       <a:srgbClr val="000000"/>
                     </a:solidFill>
@@ -11365,7 +12036,7 @@
               </a:ln>
               <a:extLst>
                 <a:ext uri="{91240B29-F687-4f45-9708-019B960494DF}">
-                  <a14:hiddenLine xmlns:a14="http://schemas.microsoft.com/office/drawing/2010/main" xmlns="" w="9525">
+                  <a14:hiddenLine xmlns="" xmlns:a14="http://schemas.microsoft.com/office/drawing/2010/main" w="9525">
                     <a:solidFill>
                       <a:srgbClr val="000000"/>
                     </a:solidFill>
@@ -11430,7 +12101,7 @@
               </a:ln>
               <a:extLst>
                 <a:ext uri="{91240B29-F687-4f45-9708-019B960494DF}">
-                  <a14:hiddenLine xmlns:a14="http://schemas.microsoft.com/office/drawing/2010/main" xmlns="" w="9525">
+                  <a14:hiddenLine xmlns="" xmlns:a14="http://schemas.microsoft.com/office/drawing/2010/main" w="9525">
                     <a:solidFill>
                       <a:srgbClr val="000000"/>
                     </a:solidFill>
@@ -11520,7 +12191,7 @@
               </a:ln>
               <a:extLst>
                 <a:ext uri="{91240B29-F687-4f45-9708-019B960494DF}">
-                  <a14:hiddenLine xmlns:a14="http://schemas.microsoft.com/office/drawing/2010/main" xmlns="" w="9525">
+                  <a14:hiddenLine xmlns="" xmlns:a14="http://schemas.microsoft.com/office/drawing/2010/main" w="9525">
                     <a:solidFill>
                       <a:srgbClr val="000000"/>
                     </a:solidFill>
@@ -11588,7 +12259,7 @@
               </a:ln>
               <a:extLst>
                 <a:ext uri="{91240B29-F687-4f45-9708-019B960494DF}">
-                  <a14:hiddenLine xmlns:a14="http://schemas.microsoft.com/office/drawing/2010/main" xmlns="" w="9525">
+                  <a14:hiddenLine xmlns="" xmlns:a14="http://schemas.microsoft.com/office/drawing/2010/main" w="9525">
                     <a:solidFill>
                       <a:srgbClr val="000000"/>
                     </a:solidFill>
@@ -11678,7 +12349,7 @@
               </a:ln>
               <a:extLst>
                 <a:ext uri="{91240B29-F687-4f45-9708-019B960494DF}">
-                  <a14:hiddenLine xmlns:a14="http://schemas.microsoft.com/office/drawing/2010/main" xmlns="" w="9525">
+                  <a14:hiddenLine xmlns="" xmlns:a14="http://schemas.microsoft.com/office/drawing/2010/main" w="9525">
                     <a:solidFill>
                       <a:srgbClr val="000000"/>
                     </a:solidFill>
@@ -11746,7 +12417,7 @@
               </a:ln>
               <a:extLst>
                 <a:ext uri="{91240B29-F687-4f45-9708-019B960494DF}">
-                  <a14:hiddenLine xmlns:a14="http://schemas.microsoft.com/office/drawing/2010/main" xmlns="" w="9525">
+                  <a14:hiddenLine xmlns="" xmlns:a14="http://schemas.microsoft.com/office/drawing/2010/main" w="9525">
                     <a:solidFill>
                       <a:srgbClr val="000000"/>
                     </a:solidFill>
@@ -11836,7 +12507,7 @@
               </a:ln>
               <a:extLst>
                 <a:ext uri="{91240B29-F687-4f45-9708-019B960494DF}">
-                  <a14:hiddenLine xmlns:a14="http://schemas.microsoft.com/office/drawing/2010/main" xmlns="" w="9525">
+                  <a14:hiddenLine xmlns="" xmlns:a14="http://schemas.microsoft.com/office/drawing/2010/main" w="9525">
                     <a:solidFill>
                       <a:srgbClr val="000000"/>
                     </a:solidFill>
@@ -11870,7 +12541,7 @@
               </a:ln>
               <a:extLst>
                 <a:ext uri="{91240B29-F687-4f45-9708-019B960494DF}">
-                  <a14:hiddenLine xmlns:a14="http://schemas.microsoft.com/office/drawing/2010/main" xmlns="" w="9525">
+                  <a14:hiddenLine xmlns="" xmlns:a14="http://schemas.microsoft.com/office/drawing/2010/main" w="9525">
                     <a:solidFill>
                       <a:srgbClr val="000000"/>
                     </a:solidFill>
@@ -12121,6 +12792,18 @@
     <p:sldLayoutId id="2147483694" r:id="rId16"/>
     <p:sldLayoutId id="2147483695" r:id="rId17"/>
   </p:sldLayoutIdLst>
+  <mc:AlternateContent xmlns:mc="http://schemas.openxmlformats.org/markup-compatibility/2006">
+    <mc:Choice xmlns:p14="http://schemas.microsoft.com/office/powerpoint/2010/main" Requires="p14">
+      <p:transition spd="slow">
+        <p14:flip dir="r"/>
+      </p:transition>
+    </mc:Choice>
+    <mc:Fallback>
+      <p:transition spd="slow">
+        <p:fade/>
+      </p:transition>
+    </mc:Fallback>
+  </mc:AlternateContent>
   <p:txStyles>
     <p:titleStyle>
       <a:lvl1pPr algn="l" defTabSz="914400" rtl="0" eaLnBrk="1" latinLnBrk="0" hangingPunct="1">
@@ -12535,7 +13218,7 @@
   </p:clrMapOvr>
   <mc:AlternateContent xmlns:mc="http://schemas.openxmlformats.org/markup-compatibility/2006">
     <mc:Choice xmlns:p14="http://schemas.microsoft.com/office/powerpoint/2010/main" Requires="p14">
-      <p:transition spd="slow" p14:dur="1250">
+      <p:transition spd="slow">
         <p14:flip dir="r"/>
       </p:transition>
     </mc:Choice>
@@ -12684,7 +13367,7 @@
   <mc:AlternateContent xmlns:mc="http://schemas.openxmlformats.org/markup-compatibility/2006">
     <mc:Choice xmlns:p14="http://schemas.microsoft.com/office/powerpoint/2010/main" Requires="p14">
       <p:transition spd="slow" p14:dur="1250">
-        <p14:flip dir="r"/>
+        <p14:flip dir="l"/>
       </p:transition>
     </mc:Choice>
     <mc:Fallback>
@@ -12968,6 +13651,31 @@
 <file path=ppt/slides/slide3.xml><?xml version="1.0" encoding="utf-8"?>
 <p:sld xmlns:a="http://schemas.openxmlformats.org/drawingml/2006/main" xmlns:r="http://schemas.openxmlformats.org/officeDocument/2006/relationships" xmlns:p="http://schemas.openxmlformats.org/presentationml/2006/main">
   <p:cSld>
+    <p:bg>
+      <p:bgPr>
+        <a:blipFill>
+          <a:blip r:embed="rId2">
+            <a:duotone>
+              <a:schemeClr val="bg2">
+                <a:shade val="48000"/>
+                <a:hueMod val="106000"/>
+                <a:satMod val="140000"/>
+                <a:lumMod val="42000"/>
+              </a:schemeClr>
+              <a:schemeClr val="bg2">
+                <a:tint val="98000"/>
+                <a:hueMod val="92000"/>
+                <a:satMod val="220000"/>
+                <a:lumMod val="90000"/>
+              </a:schemeClr>
+            </a:duotone>
+            <a:extLst/>
+          </a:blip>
+          <a:stretch/>
+        </a:blipFill>
+        <a:effectLst/>
+      </p:bgPr>
+    </p:bg>
     <p:spTree>
       <p:nvGrpSpPr>
         <p:cNvPr id="1" name=""/>
@@ -12982,6 +13690,61 @@
           <a:chExt cx="0" cy="0"/>
         </a:xfrm>
       </p:grpSpPr>
+      <p:pic>
+        <p:nvPicPr>
+          <p:cNvPr id="5" name="Picture 4" descr="A screenshot of a cell phone&#10;&#10;Description generated with very high confidence">
+            <a:extLst>
+              <a:ext uri="{FF2B5EF4-FFF2-40B4-BE49-F238E27FC236}">
+                <a16:creationId xmlns:a16="http://schemas.microsoft.com/office/drawing/2014/main" id="{6D1CAD82-373A-45CD-9A07-D10FA0957D04}"/>
+              </a:ext>
+            </a:extLst>
+          </p:cNvPr>
+          <p:cNvPicPr>
+            <a:picLocks noChangeAspect="1"/>
+          </p:cNvPicPr>
+          <p:nvPr/>
+        </p:nvPicPr>
+        <p:blipFill rotWithShape="1">
+          <a:blip r:embed="rId3">
+            <a:extLst>
+              <a:ext uri="{28A0092B-C50C-407E-A947-70E740481C1C}">
+                <a14:useLocalDpi xmlns:a14="http://schemas.microsoft.com/office/drawing/2010/main" val="0"/>
+              </a:ext>
+            </a:extLst>
+          </a:blip>
+          <a:srcRect b="2862"/>
+          <a:stretch/>
+        </p:blipFill>
+        <p:spPr>
+          <a:xfrm>
+            <a:off x="1141411" y="2249487"/>
+            <a:ext cx="3494597" cy="3549650"/>
+          </a:xfrm>
+          <a:prstGeom prst="round2DiagRect">
+            <a:avLst>
+              <a:gd name="adj1" fmla="val 0"/>
+              <a:gd name="adj2" fmla="val 0"/>
+            </a:avLst>
+          </a:prstGeom>
+          <a:ln w="19050" cap="sq">
+            <a:solidFill>
+              <a:schemeClr val="tx2">
+                <a:lumMod val="60000"/>
+                <a:lumOff val="40000"/>
+                <a:alpha val="60000"/>
+              </a:schemeClr>
+            </a:solidFill>
+            <a:miter lim="800000"/>
+          </a:ln>
+          <a:effectLst>
+            <a:outerShdw blurRad="88900" dist="38100" dir="5400000" algn="t" rotWithShape="0">
+              <a:prstClr val="black">
+                <a:alpha val="40000"/>
+              </a:prstClr>
+            </a:outerShdw>
+          </a:effectLst>
+        </p:spPr>
+      </p:pic>
       <p:sp>
         <p:nvSpPr>
           <p:cNvPr id="2" name="Title 1">
@@ -13000,12 +13763,14 @@
         </p:nvSpPr>
         <p:spPr>
           <a:xfrm>
-            <a:off x="1141413" y="327514"/>
+            <a:off x="1143001" y="441237"/>
             <a:ext cx="9905998" cy="1478570"/>
           </a:xfrm>
         </p:spPr>
         <p:txBody>
-          <a:bodyPr/>
+          <a:bodyPr>
+            <a:normAutofit/>
+          </a:bodyPr>
           <a:lstStyle/>
           <a:p>
             <a:r>
@@ -13033,48 +13798,95 @@
         </p:nvSpPr>
         <p:spPr>
           <a:xfrm>
-            <a:off x="1141412" y="1806084"/>
-            <a:ext cx="9905999" cy="4724402"/>
+            <a:off x="4833256" y="2249487"/>
+            <a:ext cx="6811347" cy="4384578"/>
           </a:xfrm>
         </p:spPr>
         <p:txBody>
-          <a:bodyPr/>
+          <a:bodyPr>
+            <a:normAutofit/>
+          </a:bodyPr>
           <a:lstStyle/>
           <a:p>
+            <a:pPr>
+              <a:lnSpc>
+                <a:spcPct val="110000"/>
+              </a:lnSpc>
+            </a:pPr>
             <a:r>
-              <a:rPr lang="en-GB" dirty="0"/>
+              <a:rPr lang="en-GB" sz="2200" dirty="0"/>
               <a:t>The team studied the requirements of this project from the user stories.</a:t>
             </a:r>
           </a:p>
           <a:p>
-            <a:endParaRPr lang="en-GB" dirty="0"/>
-          </a:p>
-          <a:p>
+            <a:pPr>
+              <a:lnSpc>
+                <a:spcPct val="110000"/>
+              </a:lnSpc>
+            </a:pPr>
+            <a:endParaRPr lang="en-GB" sz="2200" dirty="0"/>
+          </a:p>
+          <a:p>
+            <a:pPr>
+              <a:lnSpc>
+                <a:spcPct val="110000"/>
+              </a:lnSpc>
+            </a:pPr>
             <a:r>
-              <a:rPr lang="en-GB" dirty="0"/>
+              <a:rPr lang="en-GB" sz="2200" dirty="0"/>
               <a:t>A basic outline of the classes and its functions was drawn on each team members’ minds.</a:t>
             </a:r>
           </a:p>
           <a:p>
-            <a:endParaRPr lang="en-GB" dirty="0"/>
-          </a:p>
-          <a:p>
+            <a:pPr>
+              <a:lnSpc>
+                <a:spcPct val="110000"/>
+              </a:lnSpc>
+            </a:pPr>
+            <a:endParaRPr lang="en-GB" sz="2200" dirty="0"/>
+          </a:p>
+          <a:p>
+            <a:pPr>
+              <a:lnSpc>
+                <a:spcPct val="110000"/>
+              </a:lnSpc>
+            </a:pPr>
             <a:r>
-              <a:rPr lang="en-GB" dirty="0"/>
+              <a:rPr lang="en-GB" sz="2200" dirty="0"/>
               <a:t>All that was left was to materialise it.</a:t>
             </a:r>
           </a:p>
           <a:p>
-            <a:endParaRPr lang="en-GB" dirty="0"/>
-          </a:p>
-          <a:p>
-            <a:endParaRPr lang="en-GB" dirty="0"/>
-          </a:p>
-          <a:p>
-            <a:endParaRPr lang="en-GB" dirty="0"/>
-          </a:p>
-          <a:p>
-            <a:endParaRPr lang="en-GB" dirty="0"/>
+            <a:pPr>
+              <a:lnSpc>
+                <a:spcPct val="110000"/>
+              </a:lnSpc>
+            </a:pPr>
+            <a:endParaRPr lang="en-GB" sz="2000" dirty="0"/>
+          </a:p>
+          <a:p>
+            <a:pPr>
+              <a:lnSpc>
+                <a:spcPct val="110000"/>
+              </a:lnSpc>
+            </a:pPr>
+            <a:endParaRPr lang="en-GB" sz="2000" dirty="0"/>
+          </a:p>
+          <a:p>
+            <a:pPr>
+              <a:lnSpc>
+                <a:spcPct val="110000"/>
+              </a:lnSpc>
+            </a:pPr>
+            <a:endParaRPr lang="en-GB" sz="2000" dirty="0"/>
+          </a:p>
+          <a:p>
+            <a:pPr>
+              <a:lnSpc>
+                <a:spcPct val="110000"/>
+              </a:lnSpc>
+            </a:pPr>
+            <a:endParaRPr lang="en-GB" sz="2000" dirty="0"/>
           </a:p>
         </p:txBody>
       </p:sp>
@@ -13090,7 +13902,7 @@
   </p:clrMapOvr>
   <mc:AlternateContent xmlns:mc="http://schemas.openxmlformats.org/markup-compatibility/2006">
     <mc:Choice xmlns:p14="http://schemas.microsoft.com/office/powerpoint/2010/main" Requires="p14">
-      <p:transition spd="slow" p14:dur="1250">
+      <p:transition spd="slow">
         <p14:flip dir="r"/>
       </p:transition>
     </mc:Choice>
@@ -13216,6 +14028,41 @@
                                   </p:childTnLst>
                                 </p:cTn>
                               </p:par>
+                              <p:par>
+                                <p:cTn id="13" presetID="14" presetClass="entr" presetSubtype="10" fill="hold" nodeType="withEffect">
+                                  <p:stCondLst>
+                                    <p:cond delay="0"/>
+                                  </p:stCondLst>
+                                  <p:childTnLst>
+                                    <p:set>
+                                      <p:cBhvr>
+                                        <p:cTn id="14" dur="1" fill="hold">
+                                          <p:stCondLst>
+                                            <p:cond delay="0"/>
+                                          </p:stCondLst>
+                                        </p:cTn>
+                                        <p:tgtEl>
+                                          <p:spTgt spid="5"/>
+                                        </p:tgtEl>
+                                        <p:attrNameLst>
+                                          <p:attrName>style.visibility</p:attrName>
+                                        </p:attrNameLst>
+                                      </p:cBhvr>
+                                      <p:to>
+                                        <p:strVal val="visible"/>
+                                      </p:to>
+                                    </p:set>
+                                    <p:animEffect transition="in" filter="randombar(horizontal)">
+                                      <p:cBhvr>
+                                        <p:cTn id="15" dur="500"/>
+                                        <p:tgtEl>
+                                          <p:spTgt spid="5"/>
+                                        </p:tgtEl>
+                                      </p:cBhvr>
+                                    </p:animEffect>
+                                  </p:childTnLst>
+                                </p:cTn>
+                              </p:par>
                             </p:childTnLst>
                           </p:cTn>
                         </p:par>
@@ -13223,26 +14070,26 @@
                     </p:cTn>
                   </p:par>
                   <p:par>
-                    <p:cTn id="13" fill="hold">
+                    <p:cTn id="16" fill="hold">
                       <p:stCondLst>
                         <p:cond delay="indefinite"/>
                       </p:stCondLst>
                       <p:childTnLst>
                         <p:par>
-                          <p:cTn id="14" fill="hold">
+                          <p:cTn id="17" fill="hold">
                             <p:stCondLst>
                               <p:cond delay="0"/>
                             </p:stCondLst>
                             <p:childTnLst>
                               <p:par>
-                                <p:cTn id="15" presetID="14" presetClass="entr" presetSubtype="10" fill="hold" nodeType="clickEffect">
+                                <p:cTn id="18" presetID="14" presetClass="entr" presetSubtype="10" fill="hold" nodeType="clickEffect">
                                   <p:stCondLst>
                                     <p:cond delay="0"/>
                                   </p:stCondLst>
                                   <p:childTnLst>
                                     <p:set>
                                       <p:cBhvr>
-                                        <p:cTn id="16" dur="1" fill="hold">
+                                        <p:cTn id="19" dur="1" fill="hold">
                                           <p:stCondLst>
                                             <p:cond delay="0"/>
                                           </p:stCondLst>
@@ -13264,7 +14111,7 @@
                                     </p:set>
                                     <p:animEffect transition="in" filter="randombar(horizontal)">
                                       <p:cBhvr>
-                                        <p:cTn id="17" dur="500"/>
+                                        <p:cTn id="20" dur="500"/>
                                         <p:tgtEl>
                                           <p:spTgt spid="3">
                                             <p:txEl>
@@ -13284,26 +14131,26 @@
                     </p:cTn>
                   </p:par>
                   <p:par>
-                    <p:cTn id="18" fill="hold">
+                    <p:cTn id="21" fill="hold">
                       <p:stCondLst>
                         <p:cond delay="indefinite"/>
                       </p:stCondLst>
                       <p:childTnLst>
                         <p:par>
-                          <p:cTn id="19" fill="hold">
+                          <p:cTn id="22" fill="hold">
                             <p:stCondLst>
                               <p:cond delay="0"/>
                             </p:stCondLst>
                             <p:childTnLst>
                               <p:par>
-                                <p:cTn id="20" presetID="14" presetClass="entr" presetSubtype="10" fill="hold" nodeType="clickEffect">
+                                <p:cTn id="23" presetID="14" presetClass="entr" presetSubtype="10" fill="hold" nodeType="clickEffect">
                                   <p:stCondLst>
                                     <p:cond delay="0"/>
                                   </p:stCondLst>
                                   <p:childTnLst>
                                     <p:set>
                                       <p:cBhvr>
-                                        <p:cTn id="21" dur="1" fill="hold">
+                                        <p:cTn id="24" dur="1" fill="hold">
                                           <p:stCondLst>
                                             <p:cond delay="0"/>
                                           </p:stCondLst>
@@ -13325,7 +14172,7 @@
                                     </p:set>
                                     <p:animEffect transition="in" filter="randombar(horizontal)">
                                       <p:cBhvr>
-                                        <p:cTn id="22" dur="500"/>
+                                        <p:cTn id="25" dur="500"/>
                                         <p:tgtEl>
                                           <p:spTgt spid="3">
                                             <p:txEl>
@@ -13378,7 +14225,7 @@
     <p:bg>
       <p:bgPr>
         <a:blipFill>
-          <a:blip r:embed="rId2">
+          <a:blip r:embed="rId3">
             <a:duotone>
               <a:schemeClr val="bg2">
                 <a:shade val="48000"/>
@@ -13429,7 +14276,7 @@
           <p:nvPr/>
         </p:nvPicPr>
         <p:blipFill>
-          <a:blip r:embed="rId3">
+          <a:blip r:embed="rId4">
             <a:extLst>
               <a:ext uri="{28A0092B-C50C-407E-A947-70E740481C1C}">
                 <a14:useLocalDpi xmlns:a14="http://schemas.microsoft.com/office/drawing/2010/main" val="0"/>
@@ -13442,7 +14289,7 @@
         </p:blipFill>
         <p:spPr>
           <a:xfrm>
-            <a:off x="1166040" y="2418874"/>
+            <a:off x="1166040" y="2073641"/>
             <a:ext cx="4689234" cy="1090246"/>
           </a:xfrm>
           <a:prstGeom prst="round2DiagRect">
@@ -13489,7 +14336,7 @@
         <p:spPr>
           <a:xfrm>
             <a:off x="1141412" y="369162"/>
-            <a:ext cx="9905998" cy="1333178"/>
+            <a:ext cx="9905998" cy="1119387"/>
           </a:xfrm>
         </p:spPr>
         <p:txBody>
@@ -13523,19 +14370,19 @@
         </p:nvSpPr>
         <p:spPr>
           <a:xfrm>
-            <a:off x="6096000" y="1702340"/>
-            <a:ext cx="5304817" cy="4786498"/>
+            <a:off x="6096000" y="1488549"/>
+            <a:ext cx="5557935" cy="5164178"/>
           </a:xfrm>
         </p:spPr>
         <p:txBody>
           <a:bodyPr>
-            <a:normAutofit fontScale="92500" lnSpcReduction="10000"/>
+            <a:normAutofit fontScale="92500" lnSpcReduction="20000"/>
           </a:bodyPr>
           <a:lstStyle/>
           <a:p>
             <a:r>
               <a:rPr lang="en-US" dirty="0"/>
-              <a:t>The only classes needed for this project were the form and the database.</a:t>
+              <a:t>A couple of classes were formed based on the basic outline.</a:t>
             </a:r>
           </a:p>
           <a:p>
@@ -13544,7 +14391,7 @@
           <a:p>
             <a:r>
               <a:rPr lang="en-US" dirty="0"/>
-              <a:t>Form being responsible for processing user commands and inform the user when necessary.</a:t>
+              <a:t>Responsibilities were assigned based on the functions they were planned to do.</a:t>
             </a:r>
           </a:p>
           <a:p>
@@ -13553,17 +14400,26 @@
           <a:p>
             <a:r>
               <a:rPr lang="en-US" dirty="0"/>
-              <a:t>Database being responsible for storing member information, book sessions or events. </a:t>
+              <a:t>Form Class is responsible for processing user commands and pop up messages.</a:t>
+            </a:r>
+          </a:p>
+          <a:p>
+            <a:endParaRPr lang="en-US" dirty="0"/>
+          </a:p>
+          <a:p>
+            <a:r>
+              <a:rPr lang="en-US" dirty="0"/>
+              <a:t>Database Class is responsible for managing member details and making bookings.</a:t>
             </a:r>
           </a:p>
         </p:txBody>
       </p:sp>
       <p:pic>
         <p:nvPicPr>
-          <p:cNvPr id="20" name="Picture 19" descr="A screenshot of a cell phone&#10;&#10;Description generated with very high confidence">
+          <p:cNvPr id="4" name="Picture 3" descr="A screenshot of a cell phone&#10;&#10;Description generated with very high confidence">
             <a:extLst>
               <a:ext uri="{FF2B5EF4-FFF2-40B4-BE49-F238E27FC236}">
-                <a16:creationId xmlns:a16="http://schemas.microsoft.com/office/drawing/2014/main" id="{8858663F-2A0F-436D-A0AE-6A7B6AF0CE2A}"/>
+                <a16:creationId xmlns:a16="http://schemas.microsoft.com/office/drawing/2014/main" id="{BD128F2E-4C40-4B85-B2FD-7709E69E4800}"/>
               </a:ext>
             </a:extLst>
           </p:cNvPr>
@@ -13573,7 +14429,7 @@
           <p:nvPr/>
         </p:nvPicPr>
         <p:blipFill>
-          <a:blip r:embed="rId4">
+          <a:blip r:embed="rId5">
             <a:extLst>
               <a:ext uri="{28A0092B-C50C-407E-A947-70E740481C1C}">
                 <a14:useLocalDpi xmlns:a14="http://schemas.microsoft.com/office/drawing/2010/main" val="0"/>
@@ -13586,8 +14442,44 @@
         </p:blipFill>
         <p:spPr>
           <a:xfrm>
-            <a:off x="1141412" y="4456819"/>
-            <a:ext cx="4713862" cy="1352073"/>
+            <a:off x="1141412" y="3535188"/>
+            <a:ext cx="4713862" cy="1357395"/>
+          </a:xfrm>
+          <a:prstGeom prst="rect">
+            <a:avLst/>
+          </a:prstGeom>
+        </p:spPr>
+      </p:pic>
+      <p:pic>
+        <p:nvPicPr>
+          <p:cNvPr id="6" name="Picture 5" descr="A screenshot of a cell phone&#10;&#10;Description generated with very high confidence">
+            <a:extLst>
+              <a:ext uri="{FF2B5EF4-FFF2-40B4-BE49-F238E27FC236}">
+                <a16:creationId xmlns:a16="http://schemas.microsoft.com/office/drawing/2014/main" id="{1F294CB6-9D22-45A1-B2EE-246BAA4C8A04}"/>
+              </a:ext>
+            </a:extLst>
+          </p:cNvPr>
+          <p:cNvPicPr>
+            <a:picLocks noChangeAspect="1"/>
+          </p:cNvPicPr>
+          <p:nvPr/>
+        </p:nvPicPr>
+        <p:blipFill>
+          <a:blip r:embed="rId6">
+            <a:extLst>
+              <a:ext uri="{28A0092B-C50C-407E-A947-70E740481C1C}">
+                <a14:useLocalDpi xmlns:a14="http://schemas.microsoft.com/office/drawing/2010/main" val="0"/>
+              </a:ext>
+            </a:extLst>
+          </a:blip>
+          <a:stretch>
+            <a:fillRect/>
+          </a:stretch>
+        </p:blipFill>
+        <p:spPr>
+          <a:xfrm>
+            <a:off x="1141412" y="5263884"/>
+            <a:ext cx="4713862" cy="1119387"/>
           </a:xfrm>
           <a:prstGeom prst="rect">
             <a:avLst/>
@@ -13607,7 +14499,7 @@
   <mc:AlternateContent xmlns:mc="http://schemas.openxmlformats.org/markup-compatibility/2006">
     <mc:Choice xmlns:p14="http://schemas.microsoft.com/office/powerpoint/2010/main" Requires="p14">
       <p:transition spd="slow" p14:dur="1250">
-        <p14:flip dir="r"/>
+        <p14:flip dir="l"/>
       </p:transition>
     </mc:Choice>
     <mc:Fallback>
@@ -13637,7 +14529,7 @@
                             </p:stCondLst>
                             <p:childTnLst>
                               <p:par>
-                                <p:cTn id="5" presetID="10" presetClass="entr" presetSubtype="0" fill="hold" grpId="0" nodeType="clickEffect">
+                                <p:cTn id="5" presetID="14" presetClass="entr" presetSubtype="10" fill="hold" grpId="0" nodeType="clickEffect">
                                   <p:stCondLst>
                                     <p:cond delay="0"/>
                                   </p:stCondLst>
@@ -13660,7 +14552,7 @@
                                         <p:strVal val="visible"/>
                                       </p:to>
                                     </p:set>
-                                    <p:animEffect transition="in" filter="fade">
+                                    <p:animEffect transition="in" filter="randombar(horizontal)">
                                       <p:cBhvr>
                                         <p:cTn id="7" dur="500"/>
                                         <p:tgtEl>
@@ -13744,7 +14636,7 @@
                               <p:par>
                                 <p:cTn id="14" presetID="14" presetClass="entr" presetSubtype="10" fill="hold" nodeType="afterEffect">
                                   <p:stCondLst>
-                                    <p:cond delay="250"/>
+                                    <p:cond delay="0"/>
                                   </p:stCondLst>
                                   <p:childTnLst>
                                     <p:set>
@@ -13782,13 +14674,13 @@
                         <p:par>
                           <p:cTn id="17" fill="hold">
                             <p:stCondLst>
-                              <p:cond delay="1250"/>
+                              <p:cond delay="1000"/>
                             </p:stCondLst>
                             <p:childTnLst>
                               <p:par>
                                 <p:cTn id="18" presetID="14" presetClass="entr" presetSubtype="10" fill="hold" nodeType="afterEffect">
                                   <p:stCondLst>
-                                    <p:cond delay="250"/>
+                                    <p:cond delay="0"/>
                                   </p:stCondLst>
                                   <p:childTnLst>
                                     <p:set>
@@ -13799,7 +14691,7 @@
                                           </p:stCondLst>
                                         </p:cTn>
                                         <p:tgtEl>
-                                          <p:spTgt spid="20"/>
+                                          <p:spTgt spid="4"/>
                                         </p:tgtEl>
                                         <p:attrNameLst>
                                           <p:attrName>style.visibility</p:attrName>
@@ -13813,7 +14705,688 @@
                                       <p:cBhvr>
                                         <p:cTn id="20" dur="500"/>
                                         <p:tgtEl>
-                                          <p:spTgt spid="20"/>
+                                          <p:spTgt spid="4"/>
+                                        </p:tgtEl>
+                                      </p:cBhvr>
+                                    </p:animEffect>
+                                  </p:childTnLst>
+                                </p:cTn>
+                              </p:par>
+                            </p:childTnLst>
+                          </p:cTn>
+                        </p:par>
+                        <p:par>
+                          <p:cTn id="21" fill="hold">
+                            <p:stCondLst>
+                              <p:cond delay="1500"/>
+                            </p:stCondLst>
+                            <p:childTnLst>
+                              <p:par>
+                                <p:cTn id="22" presetID="14" presetClass="entr" presetSubtype="10" fill="hold" nodeType="afterEffect">
+                                  <p:stCondLst>
+                                    <p:cond delay="0"/>
+                                  </p:stCondLst>
+                                  <p:childTnLst>
+                                    <p:set>
+                                      <p:cBhvr>
+                                        <p:cTn id="23" dur="1" fill="hold">
+                                          <p:stCondLst>
+                                            <p:cond delay="0"/>
+                                          </p:stCondLst>
+                                        </p:cTn>
+                                        <p:tgtEl>
+                                          <p:spTgt spid="6"/>
+                                        </p:tgtEl>
+                                        <p:attrNameLst>
+                                          <p:attrName>style.visibility</p:attrName>
+                                        </p:attrNameLst>
+                                      </p:cBhvr>
+                                      <p:to>
+                                        <p:strVal val="visible"/>
+                                      </p:to>
+                                    </p:set>
+                                    <p:animEffect transition="in" filter="randombar(horizontal)">
+                                      <p:cBhvr>
+                                        <p:cTn id="24" dur="500"/>
+                                        <p:tgtEl>
+                                          <p:spTgt spid="6"/>
+                                        </p:tgtEl>
+                                      </p:cBhvr>
+                                    </p:animEffect>
+                                  </p:childTnLst>
+                                </p:cTn>
+                              </p:par>
+                            </p:childTnLst>
+                          </p:cTn>
+                        </p:par>
+                      </p:childTnLst>
+                    </p:cTn>
+                  </p:par>
+                  <p:par>
+                    <p:cTn id="25" fill="hold">
+                      <p:stCondLst>
+                        <p:cond delay="indefinite"/>
+                      </p:stCondLst>
+                      <p:childTnLst>
+                        <p:par>
+                          <p:cTn id="26" fill="hold">
+                            <p:stCondLst>
+                              <p:cond delay="0"/>
+                            </p:stCondLst>
+                            <p:childTnLst>
+                              <p:par>
+                                <p:cTn id="27" presetID="14" presetClass="entr" presetSubtype="10" fill="hold" nodeType="clickEffect">
+                                  <p:stCondLst>
+                                    <p:cond delay="0"/>
+                                  </p:stCondLst>
+                                  <p:childTnLst>
+                                    <p:set>
+                                      <p:cBhvr>
+                                        <p:cTn id="28" dur="1" fill="hold">
+                                          <p:stCondLst>
+                                            <p:cond delay="0"/>
+                                          </p:stCondLst>
+                                        </p:cTn>
+                                        <p:tgtEl>
+                                          <p:spTgt spid="19">
+                                            <p:txEl>
+                                              <p:pRg st="2" end="2"/>
+                                            </p:txEl>
+                                          </p:spTgt>
+                                        </p:tgtEl>
+                                        <p:attrNameLst>
+                                          <p:attrName>style.visibility</p:attrName>
+                                        </p:attrNameLst>
+                                      </p:cBhvr>
+                                      <p:to>
+                                        <p:strVal val="visible"/>
+                                      </p:to>
+                                    </p:set>
+                                    <p:animEffect transition="in" filter="randombar(horizontal)">
+                                      <p:cBhvr>
+                                        <p:cTn id="29" dur="500"/>
+                                        <p:tgtEl>
+                                          <p:spTgt spid="19">
+                                            <p:txEl>
+                                              <p:pRg st="2" end="2"/>
+                                            </p:txEl>
+                                          </p:spTgt>
+                                        </p:tgtEl>
+                                      </p:cBhvr>
+                                    </p:animEffect>
+                                  </p:childTnLst>
+                                </p:cTn>
+                              </p:par>
+                            </p:childTnLst>
+                          </p:cTn>
+                        </p:par>
+                      </p:childTnLst>
+                    </p:cTn>
+                  </p:par>
+                  <p:par>
+                    <p:cTn id="30" fill="hold">
+                      <p:stCondLst>
+                        <p:cond delay="indefinite"/>
+                      </p:stCondLst>
+                      <p:childTnLst>
+                        <p:par>
+                          <p:cTn id="31" fill="hold">
+                            <p:stCondLst>
+                              <p:cond delay="0"/>
+                            </p:stCondLst>
+                            <p:childTnLst>
+                              <p:par>
+                                <p:cTn id="32" presetID="14" presetClass="entr" presetSubtype="10" fill="hold" nodeType="clickEffect">
+                                  <p:stCondLst>
+                                    <p:cond delay="0"/>
+                                  </p:stCondLst>
+                                  <p:childTnLst>
+                                    <p:set>
+                                      <p:cBhvr>
+                                        <p:cTn id="33" dur="1" fill="hold">
+                                          <p:stCondLst>
+                                            <p:cond delay="0"/>
+                                          </p:stCondLst>
+                                        </p:cTn>
+                                        <p:tgtEl>
+                                          <p:spTgt spid="19">
+                                            <p:txEl>
+                                              <p:pRg st="4" end="4"/>
+                                            </p:txEl>
+                                          </p:spTgt>
+                                        </p:tgtEl>
+                                        <p:attrNameLst>
+                                          <p:attrName>style.visibility</p:attrName>
+                                        </p:attrNameLst>
+                                      </p:cBhvr>
+                                      <p:to>
+                                        <p:strVal val="visible"/>
+                                      </p:to>
+                                    </p:set>
+                                    <p:animEffect transition="in" filter="randombar(horizontal)">
+                                      <p:cBhvr>
+                                        <p:cTn id="34" dur="500"/>
+                                        <p:tgtEl>
+                                          <p:spTgt spid="19">
+                                            <p:txEl>
+                                              <p:pRg st="4" end="4"/>
+                                            </p:txEl>
+                                          </p:spTgt>
+                                        </p:tgtEl>
+                                      </p:cBhvr>
+                                    </p:animEffect>
+                                  </p:childTnLst>
+                                </p:cTn>
+                              </p:par>
+                            </p:childTnLst>
+                          </p:cTn>
+                        </p:par>
+                      </p:childTnLst>
+                    </p:cTn>
+                  </p:par>
+                  <p:par>
+                    <p:cTn id="35" fill="hold">
+                      <p:stCondLst>
+                        <p:cond delay="indefinite"/>
+                      </p:stCondLst>
+                      <p:childTnLst>
+                        <p:par>
+                          <p:cTn id="36" fill="hold">
+                            <p:stCondLst>
+                              <p:cond delay="0"/>
+                            </p:stCondLst>
+                            <p:childTnLst>
+                              <p:par>
+                                <p:cTn id="37" presetID="14" presetClass="entr" presetSubtype="10" fill="hold" nodeType="clickEffect">
+                                  <p:stCondLst>
+                                    <p:cond delay="0"/>
+                                  </p:stCondLst>
+                                  <p:childTnLst>
+                                    <p:set>
+                                      <p:cBhvr>
+                                        <p:cTn id="38" dur="1" fill="hold">
+                                          <p:stCondLst>
+                                            <p:cond delay="0"/>
+                                          </p:stCondLst>
+                                        </p:cTn>
+                                        <p:tgtEl>
+                                          <p:spTgt spid="19">
+                                            <p:txEl>
+                                              <p:pRg st="6" end="6"/>
+                                            </p:txEl>
+                                          </p:spTgt>
+                                        </p:tgtEl>
+                                        <p:attrNameLst>
+                                          <p:attrName>style.visibility</p:attrName>
+                                        </p:attrNameLst>
+                                      </p:cBhvr>
+                                      <p:to>
+                                        <p:strVal val="visible"/>
+                                      </p:to>
+                                    </p:set>
+                                    <p:animEffect transition="in" filter="randombar(horizontal)">
+                                      <p:cBhvr>
+                                        <p:cTn id="39" dur="500"/>
+                                        <p:tgtEl>
+                                          <p:spTgt spid="19">
+                                            <p:txEl>
+                                              <p:pRg st="6" end="6"/>
+                                            </p:txEl>
+                                          </p:spTgt>
+                                        </p:tgtEl>
+                                      </p:cBhvr>
+                                    </p:animEffect>
+                                  </p:childTnLst>
+                                </p:cTn>
+                              </p:par>
+                            </p:childTnLst>
+                          </p:cTn>
+                        </p:par>
+                      </p:childTnLst>
+                    </p:cTn>
+                  </p:par>
+                </p:childTnLst>
+              </p:cTn>
+              <p:prevCondLst>
+                <p:cond evt="onPrev" delay="0">
+                  <p:tgtEl>
+                    <p:sldTgt/>
+                  </p:tgtEl>
+                </p:cond>
+              </p:prevCondLst>
+              <p:nextCondLst>
+                <p:cond evt="onNext" delay="0">
+                  <p:tgtEl>
+                    <p:sldTgt/>
+                  </p:tgtEl>
+                </p:cond>
+              </p:nextCondLst>
+            </p:seq>
+          </p:childTnLst>
+        </p:cTn>
+      </p:par>
+    </p:tnLst>
+    <p:bldLst>
+      <p:bldP spid="2" grpId="0"/>
+    </p:bldLst>
+  </p:timing>
+</p:sld>
+</file>
+
+<file path=ppt/slides/slide5.xml><?xml version="1.0" encoding="utf-8"?>
+<p:sld xmlns:a="http://schemas.openxmlformats.org/drawingml/2006/main" xmlns:r="http://schemas.openxmlformats.org/officeDocument/2006/relationships" xmlns:p="http://schemas.openxmlformats.org/presentationml/2006/main">
+  <p:cSld>
+    <p:bg>
+      <p:bgPr>
+        <a:blipFill>
+          <a:blip r:embed="rId2">
+            <a:duotone>
+              <a:schemeClr val="bg2">
+                <a:shade val="48000"/>
+                <a:hueMod val="106000"/>
+                <a:satMod val="140000"/>
+                <a:lumMod val="42000"/>
+              </a:schemeClr>
+              <a:schemeClr val="bg2">
+                <a:tint val="98000"/>
+                <a:hueMod val="92000"/>
+                <a:satMod val="220000"/>
+                <a:lumMod val="90000"/>
+              </a:schemeClr>
+            </a:duotone>
+            <a:extLst/>
+          </a:blip>
+          <a:stretch/>
+        </a:blipFill>
+        <a:effectLst/>
+      </p:bgPr>
+    </p:bg>
+    <p:spTree>
+      <p:nvGrpSpPr>
+        <p:cNvPr id="1" name=""/>
+        <p:cNvGrpSpPr/>
+        <p:nvPr/>
+      </p:nvGrpSpPr>
+      <p:grpSpPr>
+        <a:xfrm>
+          <a:off x="0" y="0"/>
+          <a:ext cx="0" cy="0"/>
+          <a:chOff x="0" y="0"/>
+          <a:chExt cx="0" cy="0"/>
+        </a:xfrm>
+      </p:grpSpPr>
+      <p:pic>
+        <p:nvPicPr>
+          <p:cNvPr id="7" name="Content Placeholder 4" descr="A screenshot of a cell phone&#10;&#10;Description generated with very high confidence">
+            <a:extLst>
+              <a:ext uri="{FF2B5EF4-FFF2-40B4-BE49-F238E27FC236}">
+                <a16:creationId xmlns:a16="http://schemas.microsoft.com/office/drawing/2014/main" id="{30898D4B-F2A1-4130-B1F6-2F8CEB70E55E}"/>
+              </a:ext>
+            </a:extLst>
+          </p:cNvPr>
+          <p:cNvPicPr>
+            <a:picLocks noChangeAspect="1"/>
+          </p:cNvPicPr>
+          <p:nvPr/>
+        </p:nvPicPr>
+        <p:blipFill>
+          <a:blip r:embed="rId3">
+            <a:extLst>
+              <a:ext uri="{28A0092B-C50C-407E-A947-70E740481C1C}">
+                <a14:useLocalDpi xmlns:a14="http://schemas.microsoft.com/office/drawing/2010/main" val="0"/>
+              </a:ext>
+            </a:extLst>
+          </a:blip>
+          <a:stretch>
+            <a:fillRect/>
+          </a:stretch>
+        </p:blipFill>
+        <p:spPr>
+          <a:xfrm>
+            <a:off x="6346172" y="2509935"/>
+            <a:ext cx="5008196" cy="2668555"/>
+          </a:xfrm>
+          <a:prstGeom prst="round2DiagRect">
+            <a:avLst>
+              <a:gd name="adj1" fmla="val 0"/>
+              <a:gd name="adj2" fmla="val 0"/>
+            </a:avLst>
+          </a:prstGeom>
+          <a:ln w="19050" cap="sq">
+            <a:solidFill>
+              <a:schemeClr val="tx2">
+                <a:lumMod val="60000"/>
+                <a:lumOff val="40000"/>
+                <a:alpha val="60000"/>
+              </a:schemeClr>
+            </a:solidFill>
+            <a:miter lim="800000"/>
+          </a:ln>
+          <a:effectLst>
+            <a:outerShdw blurRad="88900" dist="38100" dir="5400000" algn="t" rotWithShape="0">
+              <a:prstClr val="black">
+                <a:alpha val="40000"/>
+              </a:prstClr>
+            </a:outerShdw>
+          </a:effectLst>
+        </p:spPr>
+      </p:pic>
+      <p:sp>
+        <p:nvSpPr>
+          <p:cNvPr id="2" name="Title 1">
+            <a:extLst>
+              <a:ext uri="{FF2B5EF4-FFF2-40B4-BE49-F238E27FC236}">
+                <a16:creationId xmlns:a16="http://schemas.microsoft.com/office/drawing/2014/main" id="{D052A923-967A-4BCB-99DA-6A76280621B0}"/>
+              </a:ext>
+            </a:extLst>
+          </p:cNvPr>
+          <p:cNvSpPr>
+            <a:spLocks noGrp="1"/>
+          </p:cNvSpPr>
+          <p:nvPr>
+            <p:ph type="title"/>
+          </p:nvPr>
+        </p:nvSpPr>
+        <p:spPr>
+          <a:xfrm>
+            <a:off x="1141413" y="457200"/>
+            <a:ext cx="9905998" cy="1222310"/>
+          </a:xfrm>
+        </p:spPr>
+        <p:txBody>
+          <a:bodyPr>
+            <a:normAutofit/>
+          </a:bodyPr>
+          <a:lstStyle/>
+          <a:p>
+            <a:r>
+              <a:rPr lang="en-GB" dirty="0"/>
+              <a:t>How did it aid development?</a:t>
+            </a:r>
+          </a:p>
+        </p:txBody>
+      </p:sp>
+      <p:sp>
+        <p:nvSpPr>
+          <p:cNvPr id="10" name="Content Placeholder 9">
+            <a:extLst>
+              <a:ext uri="{FF2B5EF4-FFF2-40B4-BE49-F238E27FC236}">
+                <a16:creationId xmlns:a16="http://schemas.microsoft.com/office/drawing/2014/main" id="{324254C1-5924-4E5D-B5C9-DCA692A2FDF2}"/>
+              </a:ext>
+            </a:extLst>
+          </p:cNvPr>
+          <p:cNvSpPr>
+            <a:spLocks noGrp="1"/>
+          </p:cNvSpPr>
+          <p:nvPr>
+            <p:ph idx="1"/>
+          </p:nvPr>
+        </p:nvSpPr>
+        <p:spPr>
+          <a:xfrm>
+            <a:off x="837632" y="1679510"/>
+            <a:ext cx="5258368" cy="4721290"/>
+          </a:xfrm>
+        </p:spPr>
+        <p:txBody>
+          <a:bodyPr>
+            <a:normAutofit fontScale="92500" lnSpcReduction="10000"/>
+          </a:bodyPr>
+          <a:lstStyle/>
+          <a:p>
+            <a:r>
+              <a:rPr lang="en-US" dirty="0"/>
+              <a:t>With the help of the CRC Cards, the team was able to create the class diagram.</a:t>
+            </a:r>
+          </a:p>
+          <a:p>
+            <a:endParaRPr lang="en-US" dirty="0"/>
+          </a:p>
+          <a:p>
+            <a:r>
+              <a:rPr lang="en-US" dirty="0"/>
+              <a:t>The assigned responsibilities helped the team to understand each class better and it eased the workload.</a:t>
+            </a:r>
+          </a:p>
+          <a:p>
+            <a:endParaRPr lang="en-US" dirty="0"/>
+          </a:p>
+          <a:p>
+            <a:r>
+              <a:rPr lang="en-US" dirty="0"/>
+              <a:t>The collaborations also helped the team to understand how each class is going to interact with another.</a:t>
+            </a:r>
+          </a:p>
+        </p:txBody>
+      </p:sp>
+    </p:spTree>
+    <p:extLst>
+      <p:ext uri="{BB962C8B-B14F-4D97-AF65-F5344CB8AC3E}">
+        <p14:creationId xmlns:p14="http://schemas.microsoft.com/office/powerpoint/2010/main" val="572418693"/>
+      </p:ext>
+    </p:extLst>
+  </p:cSld>
+  <p:clrMapOvr>
+    <a:masterClrMapping/>
+  </p:clrMapOvr>
+  <mc:AlternateContent xmlns:mc="http://schemas.openxmlformats.org/markup-compatibility/2006">
+    <mc:Choice xmlns:p14="http://schemas.microsoft.com/office/powerpoint/2010/main" Requires="p14">
+      <p:transition spd="slow">
+        <p14:flip dir="r"/>
+      </p:transition>
+    </mc:Choice>
+    <mc:Fallback>
+      <p:transition spd="slow">
+        <p:fade/>
+      </p:transition>
+    </mc:Fallback>
+  </mc:AlternateContent>
+  <p:timing>
+    <p:tnLst>
+      <p:par>
+        <p:cTn id="1" dur="indefinite" restart="never" nodeType="tmRoot">
+          <p:childTnLst>
+            <p:seq concurrent="1" nextAc="seek">
+              <p:cTn id="2" dur="indefinite" nodeType="mainSeq">
+                <p:childTnLst>
+                  <p:par>
+                    <p:cTn id="3" fill="hold">
+                      <p:stCondLst>
+                        <p:cond delay="indefinite"/>
+                      </p:stCondLst>
+                      <p:childTnLst>
+                        <p:par>
+                          <p:cTn id="4" fill="hold">
+                            <p:stCondLst>
+                              <p:cond delay="0"/>
+                            </p:stCondLst>
+                            <p:childTnLst>
+                              <p:par>
+                                <p:cTn id="5" presetID="14" presetClass="entr" presetSubtype="10" fill="hold" grpId="0" nodeType="clickEffect">
+                                  <p:stCondLst>
+                                    <p:cond delay="0"/>
+                                  </p:stCondLst>
+                                  <p:childTnLst>
+                                    <p:set>
+                                      <p:cBhvr>
+                                        <p:cTn id="6" dur="1" fill="hold">
+                                          <p:stCondLst>
+                                            <p:cond delay="0"/>
+                                          </p:stCondLst>
+                                        </p:cTn>
+                                        <p:tgtEl>
+                                          <p:spTgt spid="2"/>
+                                        </p:tgtEl>
+                                        <p:attrNameLst>
+                                          <p:attrName>style.visibility</p:attrName>
+                                        </p:attrNameLst>
+                                      </p:cBhvr>
+                                      <p:to>
+                                        <p:strVal val="visible"/>
+                                      </p:to>
+                                    </p:set>
+                                    <p:animEffect transition="in" filter="randombar(horizontal)">
+                                      <p:cBhvr>
+                                        <p:cTn id="7" dur="500"/>
+                                        <p:tgtEl>
+                                          <p:spTgt spid="2"/>
+                                        </p:tgtEl>
+                                      </p:cBhvr>
+                                    </p:animEffect>
+                                  </p:childTnLst>
+                                </p:cTn>
+                              </p:par>
+                            </p:childTnLst>
+                          </p:cTn>
+                        </p:par>
+                      </p:childTnLst>
+                    </p:cTn>
+                  </p:par>
+                  <p:par>
+                    <p:cTn id="8" fill="hold">
+                      <p:stCondLst>
+                        <p:cond delay="indefinite"/>
+                      </p:stCondLst>
+                      <p:childTnLst>
+                        <p:par>
+                          <p:cTn id="9" fill="hold">
+                            <p:stCondLst>
+                              <p:cond delay="0"/>
+                            </p:stCondLst>
+                            <p:childTnLst>
+                              <p:par>
+                                <p:cTn id="10" presetID="14" presetClass="entr" presetSubtype="10" fill="hold" grpId="0" nodeType="clickEffect">
+                                  <p:stCondLst>
+                                    <p:cond delay="0"/>
+                                  </p:stCondLst>
+                                  <p:childTnLst>
+                                    <p:set>
+                                      <p:cBhvr>
+                                        <p:cTn id="11" dur="1" fill="hold">
+                                          <p:stCondLst>
+                                            <p:cond delay="0"/>
+                                          </p:stCondLst>
+                                        </p:cTn>
+                                        <p:tgtEl>
+                                          <p:spTgt spid="10">
+                                            <p:txEl>
+                                              <p:pRg st="0" end="0"/>
+                                            </p:txEl>
+                                          </p:spTgt>
+                                        </p:tgtEl>
+                                        <p:attrNameLst>
+                                          <p:attrName>style.visibility</p:attrName>
+                                        </p:attrNameLst>
+                                      </p:cBhvr>
+                                      <p:to>
+                                        <p:strVal val="visible"/>
+                                      </p:to>
+                                    </p:set>
+                                    <p:animEffect transition="in" filter="randombar(horizontal)">
+                                      <p:cBhvr>
+                                        <p:cTn id="12" dur="500"/>
+                                        <p:tgtEl>
+                                          <p:spTgt spid="10">
+                                            <p:txEl>
+                                              <p:pRg st="0" end="0"/>
+                                            </p:txEl>
+                                          </p:spTgt>
+                                        </p:tgtEl>
+                                      </p:cBhvr>
+                                    </p:animEffect>
+                                  </p:childTnLst>
+                                </p:cTn>
+                              </p:par>
+                              <p:par>
+                                <p:cTn id="13" presetID="14" presetClass="entr" presetSubtype="10" fill="hold" nodeType="withEffect">
+                                  <p:stCondLst>
+                                    <p:cond delay="0"/>
+                                  </p:stCondLst>
+                                  <p:childTnLst>
+                                    <p:set>
+                                      <p:cBhvr>
+                                        <p:cTn id="14" dur="1" fill="hold">
+                                          <p:stCondLst>
+                                            <p:cond delay="0"/>
+                                          </p:stCondLst>
+                                        </p:cTn>
+                                        <p:tgtEl>
+                                          <p:spTgt spid="7"/>
+                                        </p:tgtEl>
+                                        <p:attrNameLst>
+                                          <p:attrName>style.visibility</p:attrName>
+                                        </p:attrNameLst>
+                                      </p:cBhvr>
+                                      <p:to>
+                                        <p:strVal val="visible"/>
+                                      </p:to>
+                                    </p:set>
+                                    <p:animEffect transition="in" filter="randombar(horizontal)">
+                                      <p:cBhvr>
+                                        <p:cTn id="15" dur="500"/>
+                                        <p:tgtEl>
+                                          <p:spTgt spid="7"/>
+                                        </p:tgtEl>
+                                      </p:cBhvr>
+                                    </p:animEffect>
+                                  </p:childTnLst>
+                                </p:cTn>
+                              </p:par>
+                            </p:childTnLst>
+                          </p:cTn>
+                        </p:par>
+                      </p:childTnLst>
+                    </p:cTn>
+                  </p:par>
+                  <p:par>
+                    <p:cTn id="16" fill="hold">
+                      <p:stCondLst>
+                        <p:cond delay="indefinite"/>
+                      </p:stCondLst>
+                      <p:childTnLst>
+                        <p:par>
+                          <p:cTn id="17" fill="hold">
+                            <p:stCondLst>
+                              <p:cond delay="0"/>
+                            </p:stCondLst>
+                            <p:childTnLst>
+                              <p:par>
+                                <p:cTn id="18" presetID="14" presetClass="entr" presetSubtype="10" fill="hold" grpId="0" nodeType="clickEffect">
+                                  <p:stCondLst>
+                                    <p:cond delay="0"/>
+                                  </p:stCondLst>
+                                  <p:childTnLst>
+                                    <p:set>
+                                      <p:cBhvr>
+                                        <p:cTn id="19" dur="1" fill="hold">
+                                          <p:stCondLst>
+                                            <p:cond delay="0"/>
+                                          </p:stCondLst>
+                                        </p:cTn>
+                                        <p:tgtEl>
+                                          <p:spTgt spid="10">
+                                            <p:txEl>
+                                              <p:pRg st="2" end="2"/>
+                                            </p:txEl>
+                                          </p:spTgt>
+                                        </p:tgtEl>
+                                        <p:attrNameLst>
+                                          <p:attrName>style.visibility</p:attrName>
+                                        </p:attrNameLst>
+                                      </p:cBhvr>
+                                      <p:to>
+                                        <p:strVal val="visible"/>
+                                      </p:to>
+                                    </p:set>
+                                    <p:animEffect transition="in" filter="randombar(horizontal)">
+                                      <p:cBhvr>
+                                        <p:cTn id="20" dur="500"/>
+                                        <p:tgtEl>
+                                          <p:spTgt spid="10">
+                                            <p:txEl>
+                                              <p:pRg st="2" end="2"/>
+                                            </p:txEl>
+                                          </p:spTgt>
                                         </p:tgtEl>
                                       </p:cBhvr>
                                     </p:animEffect>
@@ -13839,7 +15412,7 @@
                             </p:stCondLst>
                             <p:childTnLst>
                               <p:par>
-                                <p:cTn id="23" presetID="14" presetClass="entr" presetSubtype="10" fill="hold" nodeType="clickEffect">
+                                <p:cTn id="23" presetID="14" presetClass="entr" presetSubtype="10" fill="hold" grpId="0" nodeType="clickEffect">
                                   <p:stCondLst>
                                     <p:cond delay="0"/>
                                   </p:stCondLst>
@@ -13852,9 +15425,9 @@
                                           </p:stCondLst>
                                         </p:cTn>
                                         <p:tgtEl>
-                                          <p:spTgt spid="19">
+                                          <p:spTgt spid="10">
                                             <p:txEl>
-                                              <p:pRg st="2" end="2"/>
+                                              <p:pRg st="4" end="4"/>
                                             </p:txEl>
                                           </p:spTgt>
                                         </p:tgtEl>
@@ -13870,68 +15443,7 @@
                                       <p:cBhvr>
                                         <p:cTn id="25" dur="500"/>
                                         <p:tgtEl>
-                                          <p:spTgt spid="19">
-                                            <p:txEl>
-                                              <p:pRg st="2" end="2"/>
-                                            </p:txEl>
-                                          </p:spTgt>
-                                        </p:tgtEl>
-                                      </p:cBhvr>
-                                    </p:animEffect>
-                                  </p:childTnLst>
-                                </p:cTn>
-                              </p:par>
-                            </p:childTnLst>
-                          </p:cTn>
-                        </p:par>
-                      </p:childTnLst>
-                    </p:cTn>
-                  </p:par>
-                  <p:par>
-                    <p:cTn id="26" fill="hold">
-                      <p:stCondLst>
-                        <p:cond delay="indefinite"/>
-                      </p:stCondLst>
-                      <p:childTnLst>
-                        <p:par>
-                          <p:cTn id="27" fill="hold">
-                            <p:stCondLst>
-                              <p:cond delay="0"/>
-                            </p:stCondLst>
-                            <p:childTnLst>
-                              <p:par>
-                                <p:cTn id="28" presetID="14" presetClass="entr" presetSubtype="10" fill="hold" nodeType="clickEffect">
-                                  <p:stCondLst>
-                                    <p:cond delay="0"/>
-                                  </p:stCondLst>
-                                  <p:childTnLst>
-                                    <p:set>
-                                      <p:cBhvr>
-                                        <p:cTn id="29" dur="1" fill="hold">
-                                          <p:stCondLst>
-                                            <p:cond delay="0"/>
-                                          </p:stCondLst>
-                                        </p:cTn>
-                                        <p:tgtEl>
-                                          <p:spTgt spid="19">
-                                            <p:txEl>
-                                              <p:pRg st="4" end="4"/>
-                                            </p:txEl>
-                                          </p:spTgt>
-                                        </p:tgtEl>
-                                        <p:attrNameLst>
-                                          <p:attrName>style.visibility</p:attrName>
-                                        </p:attrNameLst>
-                                      </p:cBhvr>
-                                      <p:to>
-                                        <p:strVal val="visible"/>
-                                      </p:to>
-                                    </p:set>
-                                    <p:animEffect transition="in" filter="randombar(horizontal)">
-                                      <p:cBhvr>
-                                        <p:cTn id="30" dur="500"/>
-                                        <p:tgtEl>
-                                          <p:spTgt spid="19">
+                                          <p:spTgt spid="10">
                                             <p:txEl>
                                               <p:pRg st="4" end="4"/>
                                             </p:txEl>
@@ -13971,8 +15483,107 @@
     </p:tnLst>
     <p:bldLst>
       <p:bldP spid="2" grpId="0"/>
+      <p:bldP spid="10" grpId="0" uiExpand="1" build="p"/>
     </p:bldLst>
   </p:timing>
+</p:sld>
+</file>
+
+<file path=ppt/slides/slide6.xml><?xml version="1.0" encoding="utf-8"?>
+<p:sld xmlns:a="http://schemas.openxmlformats.org/drawingml/2006/main" xmlns:r="http://schemas.openxmlformats.org/officeDocument/2006/relationships" xmlns:p="http://schemas.openxmlformats.org/presentationml/2006/main">
+  <p:cSld>
+    <p:spTree>
+      <p:nvGrpSpPr>
+        <p:cNvPr id="1" name=""/>
+        <p:cNvGrpSpPr/>
+        <p:nvPr/>
+      </p:nvGrpSpPr>
+      <p:grpSpPr>
+        <a:xfrm>
+          <a:off x="0" y="0"/>
+          <a:ext cx="0" cy="0"/>
+          <a:chOff x="0" y="0"/>
+          <a:chExt cx="0" cy="0"/>
+        </a:xfrm>
+      </p:grpSpPr>
+      <p:sp>
+        <p:nvSpPr>
+          <p:cNvPr id="2" name="Title 1">
+            <a:extLst>
+              <a:ext uri="{FF2B5EF4-FFF2-40B4-BE49-F238E27FC236}">
+                <a16:creationId xmlns:a16="http://schemas.microsoft.com/office/drawing/2014/main" id="{0B063696-FAEE-41CF-9EDA-2CBA63BE2825}"/>
+              </a:ext>
+            </a:extLst>
+          </p:cNvPr>
+          <p:cNvSpPr>
+            <a:spLocks noGrp="1"/>
+          </p:cNvSpPr>
+          <p:nvPr>
+            <p:ph type="title"/>
+          </p:nvPr>
+        </p:nvSpPr>
+        <p:spPr/>
+        <p:txBody>
+          <a:bodyPr/>
+          <a:lstStyle/>
+          <a:p>
+            <a:r>
+              <a:rPr lang="en-GB" dirty="0"/>
+              <a:t>references</a:t>
+            </a:r>
+          </a:p>
+        </p:txBody>
+      </p:sp>
+      <p:sp>
+        <p:nvSpPr>
+          <p:cNvPr id="3" name="Content Placeholder 2">
+            <a:extLst>
+              <a:ext uri="{FF2B5EF4-FFF2-40B4-BE49-F238E27FC236}">
+                <a16:creationId xmlns:a16="http://schemas.microsoft.com/office/drawing/2014/main" id="{BE93CF91-A0FE-41E4-831D-9F7654CF7F0B}"/>
+              </a:ext>
+            </a:extLst>
+          </p:cNvPr>
+          <p:cNvSpPr>
+            <a:spLocks noGrp="1"/>
+          </p:cNvSpPr>
+          <p:nvPr>
+            <p:ph idx="1"/>
+          </p:nvPr>
+        </p:nvSpPr>
+        <p:spPr/>
+        <p:txBody>
+          <a:bodyPr/>
+          <a:lstStyle/>
+          <a:p>
+            <a:r>
+              <a:rPr lang="en-GB" dirty="0"/>
+              <a:t>http://www.agilemodeling.com/artifacts/crcModel.htm</a:t>
+            </a:r>
+          </a:p>
+        </p:txBody>
+      </p:sp>
+    </p:spTree>
+    <p:extLst>
+      <p:ext uri="{BB962C8B-B14F-4D97-AF65-F5344CB8AC3E}">
+        <p14:creationId xmlns:p14="http://schemas.microsoft.com/office/powerpoint/2010/main" val="1978705074"/>
+      </p:ext>
+    </p:extLst>
+  </p:cSld>
+  <p:clrMapOvr>
+    <a:masterClrMapping/>
+  </p:clrMapOvr>
+  <mc:AlternateContent xmlns:mc="http://schemas.openxmlformats.org/markup-compatibility/2006">
+    <mc:Choice xmlns:p14="http://schemas.microsoft.com/office/powerpoint/2010/main" Requires="p14">
+      <p:transition spd="slow" p14:dur="1250">
+        <p14:flip dir="l"/>
+      </p:transition>
+    </mc:Choice>
+    <mc:Fallback>
+      <p:transition spd="slow">
+        <p:fade/>
+      </p:transition>
+    </mc:Fallback>
+  </mc:AlternateContent>
 </p:sld>
 </file>
 
@@ -14225,4 +15836,299 @@
     </a:ext>
   </a:extLst>
 </a:theme>
+</file>
+
+<file path=ppt/theme/theme2.xml><?xml version="1.0" encoding="utf-8"?>
+<a:theme xmlns:a="http://schemas.openxmlformats.org/drawingml/2006/main" name="Office Theme">
+  <a:themeElements>
+    <a:clrScheme name="Office">
+      <a:dk1>
+        <a:sysClr val="windowText" lastClr="000000"/>
+      </a:dk1>
+      <a:lt1>
+        <a:sysClr val="window" lastClr="FFFFFF"/>
+      </a:lt1>
+      <a:dk2>
+        <a:srgbClr val="44546A"/>
+      </a:dk2>
+      <a:lt2>
+        <a:srgbClr val="E7E6E6"/>
+      </a:lt2>
+      <a:accent1>
+        <a:srgbClr val="4472C4"/>
+      </a:accent1>
+      <a:accent2>
+        <a:srgbClr val="ED7D31"/>
+      </a:accent2>
+      <a:accent3>
+        <a:srgbClr val="A5A5A5"/>
+      </a:accent3>
+      <a:accent4>
+        <a:srgbClr val="FFC000"/>
+      </a:accent4>
+      <a:accent5>
+        <a:srgbClr val="5B9BD5"/>
+      </a:accent5>
+      <a:accent6>
+        <a:srgbClr val="70AD47"/>
+      </a:accent6>
+      <a:hlink>
+        <a:srgbClr val="0563C1"/>
+      </a:hlink>
+      <a:folHlink>
+        <a:srgbClr val="954F72"/>
+      </a:folHlink>
+    </a:clrScheme>
+    <a:fontScheme name="Office">
+      <a:majorFont>
+        <a:latin typeface="Calibri Light" panose="020F0302020204030204"/>
+        <a:ea typeface=""/>
+        <a:cs typeface=""/>
+        <a:font script="Jpan" typeface="游ゴシック Light"/>
+        <a:font script="Hang" typeface="맑은 고딕"/>
+        <a:font script="Hans" typeface="等线 Light"/>
+        <a:font script="Hant" typeface="新細明體"/>
+        <a:font script="Arab" typeface="Times New Roman"/>
+        <a:font script="Hebr" typeface="Times New Roman"/>
+        <a:font script="Thai" typeface="Angsana New"/>
+        <a:font script="Ethi" typeface="Nyala"/>
+        <a:font script="Beng" typeface="Vrinda"/>
+        <a:font script="Gujr" typeface="Shruti"/>
+        <a:font script="Khmr" typeface="MoolBoran"/>
+        <a:font script="Knda" typeface="Tunga"/>
+        <a:font script="Guru" typeface="Raavi"/>
+        <a:font script="Cans" typeface="Euphemia"/>
+        <a:font script="Cher" typeface="Plantagenet Cherokee"/>
+        <a:font script="Yiii" typeface="Microsoft Yi Baiti"/>
+        <a:font script="Tibt" typeface="Microsoft Himalaya"/>
+        <a:font script="Thaa" typeface="MV Boli"/>
+        <a:font script="Deva" typeface="Mangal"/>
+        <a:font script="Telu" typeface="Gautami"/>
+        <a:font script="Taml" typeface="Latha"/>
+        <a:font script="Syrc" typeface="Estrangelo Edessa"/>
+        <a:font script="Orya" typeface="Kalinga"/>
+        <a:font script="Mlym" typeface="Kartika"/>
+        <a:font script="Laoo" typeface="DokChampa"/>
+        <a:font script="Sinh" typeface="Iskoola Pota"/>
+        <a:font script="Mong" typeface="Mongolian Baiti"/>
+        <a:font script="Viet" typeface="Times New Roman"/>
+        <a:font script="Uigh" typeface="Microsoft Uighur"/>
+        <a:font script="Geor" typeface="Sylfaen"/>
+        <a:font script="Armn" typeface="Arial"/>
+        <a:font script="Bugi" typeface="Leelawadee UI"/>
+        <a:font script="Bopo" typeface="Microsoft JhengHei"/>
+        <a:font script="Java" typeface="Javanese Text"/>
+        <a:font script="Lisu" typeface="Segoe UI"/>
+        <a:font script="Mymr" typeface="Myanmar Text"/>
+        <a:font script="Nkoo" typeface="Ebrima"/>
+        <a:font script="Olck" typeface="Nirmala UI"/>
+        <a:font script="Osma" typeface="Ebrima"/>
+        <a:font script="Phag" typeface="Phagspa"/>
+        <a:font script="Syrn" typeface="Estrangelo Edessa"/>
+        <a:font script="Syrj" typeface="Estrangelo Edessa"/>
+        <a:font script="Syre" typeface="Estrangelo Edessa"/>
+        <a:font script="Sora" typeface="Nirmala UI"/>
+        <a:font script="Tale" typeface="Microsoft Tai Le"/>
+        <a:font script="Talu" typeface="Microsoft New Tai Lue"/>
+        <a:font script="Tfng" typeface="Ebrima"/>
+      </a:majorFont>
+      <a:minorFont>
+        <a:latin typeface="Calibri" panose="020F0502020204030204"/>
+        <a:ea typeface=""/>
+        <a:cs typeface=""/>
+        <a:font script="Jpan" typeface="游ゴシック"/>
+        <a:font script="Hang" typeface="맑은 고딕"/>
+        <a:font script="Hans" typeface="等线"/>
+        <a:font script="Hant" typeface="新細明體"/>
+        <a:font script="Arab" typeface="Arial"/>
+        <a:font script="Hebr" typeface="Arial"/>
+        <a:font script="Thai" typeface="Cordia New"/>
+        <a:font script="Ethi" typeface="Nyala"/>
+        <a:font script="Beng" typeface="Vrinda"/>
+        <a:font script="Gujr" typeface="Shruti"/>
+        <a:font script="Khmr" typeface="DaunPenh"/>
+        <a:font script="Knda" typeface="Tunga"/>
+        <a:font script="Guru" typeface="Raavi"/>
+        <a:font script="Cans" typeface="Euphemia"/>
+        <a:font script="Cher" typeface="Plantagenet Cherokee"/>
+        <a:font script="Yiii" typeface="Microsoft Yi Baiti"/>
+        <a:font script="Tibt" typeface="Microsoft Himalaya"/>
+        <a:font script="Thaa" typeface="MV Boli"/>
+        <a:font script="Deva" typeface="Mangal"/>
+        <a:font script="Telu" typeface="Gautami"/>
+        <a:font script="Taml" typeface="Latha"/>
+        <a:font script="Syrc" typeface="Estrangelo Edessa"/>
+        <a:font script="Orya" typeface="Kalinga"/>
+        <a:font script="Mlym" typeface="Kartika"/>
+        <a:font script="Laoo" typeface="DokChampa"/>
+        <a:font script="Sinh" typeface="Iskoola Pota"/>
+        <a:font script="Mong" typeface="Mongolian Baiti"/>
+        <a:font script="Viet" typeface="Arial"/>
+        <a:font script="Uigh" typeface="Microsoft Uighur"/>
+        <a:font script="Geor" typeface="Sylfaen"/>
+        <a:font script="Armn" typeface="Arial"/>
+        <a:font script="Bugi" typeface="Leelawadee UI"/>
+        <a:font script="Bopo" typeface="Microsoft JhengHei"/>
+        <a:font script="Java" typeface="Javanese Text"/>
+        <a:font script="Lisu" typeface="Segoe UI"/>
+        <a:font script="Mymr" typeface="Myanmar Text"/>
+        <a:font script="Nkoo" typeface="Ebrima"/>
+        <a:font script="Olck" typeface="Nirmala UI"/>
+        <a:font script="Osma" typeface="Ebrima"/>
+        <a:font script="Phag" typeface="Phagspa"/>
+        <a:font script="Syrn" typeface="Estrangelo Edessa"/>
+        <a:font script="Syrj" typeface="Estrangelo Edessa"/>
+        <a:font script="Syre" typeface="Estrangelo Edessa"/>
+        <a:font script="Sora" typeface="Nirmala UI"/>
+        <a:font script="Tale" typeface="Microsoft Tai Le"/>
+        <a:font script="Talu" typeface="Microsoft New Tai Lue"/>
+        <a:font script="Tfng" typeface="Ebrima"/>
+      </a:minorFont>
+    </a:fontScheme>
+    <a:fmtScheme name="Office">
+      <a:fillStyleLst>
+        <a:solidFill>
+          <a:schemeClr val="phClr"/>
+        </a:solidFill>
+        <a:gradFill rotWithShape="1">
+          <a:gsLst>
+            <a:gs pos="0">
+              <a:schemeClr val="phClr">
+                <a:lumMod val="110000"/>
+                <a:satMod val="105000"/>
+                <a:tint val="67000"/>
+              </a:schemeClr>
+            </a:gs>
+            <a:gs pos="50000">
+              <a:schemeClr val="phClr">
+                <a:lumMod val="105000"/>
+                <a:satMod val="103000"/>
+                <a:tint val="73000"/>
+              </a:schemeClr>
+            </a:gs>
+            <a:gs pos="100000">
+              <a:schemeClr val="phClr">
+                <a:lumMod val="105000"/>
+                <a:satMod val="109000"/>
+                <a:tint val="81000"/>
+              </a:schemeClr>
+            </a:gs>
+          </a:gsLst>
+          <a:lin ang="5400000" scaled="0"/>
+        </a:gradFill>
+        <a:gradFill rotWithShape="1">
+          <a:gsLst>
+            <a:gs pos="0">
+              <a:schemeClr val="phClr">
+                <a:satMod val="103000"/>
+                <a:lumMod val="102000"/>
+                <a:tint val="94000"/>
+              </a:schemeClr>
+            </a:gs>
+            <a:gs pos="50000">
+              <a:schemeClr val="phClr">
+                <a:satMod val="110000"/>
+                <a:lumMod val="100000"/>
+                <a:shade val="100000"/>
+              </a:schemeClr>
+            </a:gs>
+            <a:gs pos="100000">
+              <a:schemeClr val="phClr">
+                <a:lumMod val="99000"/>
+                <a:satMod val="120000"/>
+                <a:shade val="78000"/>
+              </a:schemeClr>
+            </a:gs>
+          </a:gsLst>
+          <a:lin ang="5400000" scaled="0"/>
+        </a:gradFill>
+      </a:fillStyleLst>
+      <a:lnStyleLst>
+        <a:ln w="6350" cap="flat" cmpd="sng" algn="ctr">
+          <a:solidFill>
+            <a:schemeClr val="phClr"/>
+          </a:solidFill>
+          <a:prstDash val="solid"/>
+          <a:miter lim="800000"/>
+        </a:ln>
+        <a:ln w="12700" cap="flat" cmpd="sng" algn="ctr">
+          <a:solidFill>
+            <a:schemeClr val="phClr"/>
+          </a:solidFill>
+          <a:prstDash val="solid"/>
+          <a:miter lim="800000"/>
+        </a:ln>
+        <a:ln w="19050" cap="flat" cmpd="sng" algn="ctr">
+          <a:solidFill>
+            <a:schemeClr val="phClr"/>
+          </a:solidFill>
+          <a:prstDash val="solid"/>
+          <a:miter lim="800000"/>
+        </a:ln>
+      </a:lnStyleLst>
+      <a:effectStyleLst>
+        <a:effectStyle>
+          <a:effectLst/>
+        </a:effectStyle>
+        <a:effectStyle>
+          <a:effectLst/>
+        </a:effectStyle>
+        <a:effectStyle>
+          <a:effectLst>
+            <a:outerShdw blurRad="57150" dist="19050" dir="5400000" algn="ctr" rotWithShape="0">
+              <a:srgbClr val="000000">
+                <a:alpha val="63000"/>
+              </a:srgbClr>
+            </a:outerShdw>
+          </a:effectLst>
+        </a:effectStyle>
+      </a:effectStyleLst>
+      <a:bgFillStyleLst>
+        <a:solidFill>
+          <a:schemeClr val="phClr"/>
+        </a:solidFill>
+        <a:solidFill>
+          <a:schemeClr val="phClr">
+            <a:tint val="95000"/>
+            <a:satMod val="170000"/>
+          </a:schemeClr>
+        </a:solidFill>
+        <a:gradFill rotWithShape="1">
+          <a:gsLst>
+            <a:gs pos="0">
+              <a:schemeClr val="phClr">
+                <a:tint val="93000"/>
+                <a:satMod val="150000"/>
+                <a:shade val="98000"/>
+                <a:lumMod val="102000"/>
+              </a:schemeClr>
+            </a:gs>
+            <a:gs pos="50000">
+              <a:schemeClr val="phClr">
+                <a:tint val="98000"/>
+                <a:satMod val="130000"/>
+                <a:shade val="90000"/>
+                <a:lumMod val="103000"/>
+              </a:schemeClr>
+            </a:gs>
+            <a:gs pos="100000">
+              <a:schemeClr val="phClr">
+                <a:shade val="63000"/>
+                <a:satMod val="120000"/>
+              </a:schemeClr>
+            </a:gs>
+          </a:gsLst>
+          <a:lin ang="5400000" scaled="0"/>
+        </a:gradFill>
+      </a:bgFillStyleLst>
+    </a:fmtScheme>
+  </a:themeElements>
+  <a:objectDefaults/>
+  <a:extraClrSchemeLst/>
+  <a:extLst>
+    <a:ext uri="{05A4C25C-085E-4340-85A3-A5531E510DB2}">
+      <thm15:themeFamily xmlns:thm15="http://schemas.microsoft.com/office/thememl/2012/main" name="Office Theme" id="{62F939B6-93AF-4DB8-9C6B-D6C7DFDC589F}" vid="{4A3C46E8-61CC-4603-A589-7422A47A8E4A}"/>
+    </a:ext>
+  </a:extLst>
+</a:theme>
 </file>
--- a/Topic 4 - AE1.pptx
+++ b/Topic 4 - AE1.pptx
@@ -202,7 +202,7 @@
           <a:p>
             <a:fld id="{B90DA824-3E73-4680-A4FF-AE99833251FC}" type="datetimeFigureOut">
               <a:rPr lang="en-GB" smtClean="0"/>
-              <a:t>02/04/2018</a:t>
+              <a:t>04/04/2018</a:t>
             </a:fld>
             <a:endParaRPr lang="en-GB"/>
           </a:p>
@@ -634,7 +634,7 @@
           <a:noFill/>
           <a:extLst>
             <a:ext uri="{909E8E84-426E-40dd-AFC4-6F175D3DCCD1}">
-              <a14:hiddenFill xmlns="" xmlns:a14="http://schemas.microsoft.com/office/drawing/2010/main">
+              <a14:hiddenFill xmlns:a14="http://schemas.microsoft.com/office/drawing/2010/main" xmlns="">
                 <a:solidFill>
                   <a:srgbClr val="FFFFFF"/>
                 </a:solidFill>
@@ -693,7 +693,7 @@
             </a:ln>
             <a:extLst>
               <a:ext uri="{91240B29-F687-4f45-9708-019B960494DF}">
-                <a14:hiddenLine xmlns="" xmlns:a14="http://schemas.microsoft.com/office/drawing/2010/main" w="9525">
+                <a14:hiddenLine xmlns:a14="http://schemas.microsoft.com/office/drawing/2010/main" xmlns="" w="9525">
                   <a:solidFill>
                     <a:srgbClr val="000000"/>
                   </a:solidFill>
@@ -783,7 +783,7 @@
             </a:ln>
             <a:extLst>
               <a:ext uri="{91240B29-F687-4f45-9708-019B960494DF}">
-                <a14:hiddenLine xmlns="" xmlns:a14="http://schemas.microsoft.com/office/drawing/2010/main" w="9525">
+                <a14:hiddenLine xmlns:a14="http://schemas.microsoft.com/office/drawing/2010/main" xmlns="" w="9525">
                   <a:solidFill>
                     <a:srgbClr val="000000"/>
                   </a:solidFill>
@@ -873,7 +873,7 @@
             </a:ln>
             <a:extLst>
               <a:ext uri="{91240B29-F687-4f45-9708-019B960494DF}">
-                <a14:hiddenLine xmlns="" xmlns:a14="http://schemas.microsoft.com/office/drawing/2010/main" w="9525">
+                <a14:hiddenLine xmlns:a14="http://schemas.microsoft.com/office/drawing/2010/main" xmlns="" w="9525">
                   <a:solidFill>
                     <a:srgbClr val="000000"/>
                   </a:solidFill>
@@ -907,7 +907,7 @@
             </a:ln>
             <a:extLst>
               <a:ext uri="{91240B29-F687-4f45-9708-019B960494DF}">
-                <a14:hiddenLine xmlns="" xmlns:a14="http://schemas.microsoft.com/office/drawing/2010/main" w="9525">
+                <a14:hiddenLine xmlns:a14="http://schemas.microsoft.com/office/drawing/2010/main" xmlns="" w="9525">
                   <a:solidFill>
                     <a:srgbClr val="000000"/>
                   </a:solidFill>
@@ -997,7 +997,7 @@
             </a:ln>
             <a:extLst>
               <a:ext uri="{91240B29-F687-4f45-9708-019B960494DF}">
-                <a14:hiddenLine xmlns="" xmlns:a14="http://schemas.microsoft.com/office/drawing/2010/main" w="9525">
+                <a14:hiddenLine xmlns:a14="http://schemas.microsoft.com/office/drawing/2010/main" xmlns="" w="9525">
                   <a:solidFill>
                     <a:srgbClr val="000000"/>
                   </a:solidFill>
@@ -1059,7 +1059,7 @@
             </a:ln>
             <a:extLst>
               <a:ext uri="{91240B29-F687-4f45-9708-019B960494DF}">
-                <a14:hiddenLine xmlns="" xmlns:a14="http://schemas.microsoft.com/office/drawing/2010/main" w="9525">
+                <a14:hiddenLine xmlns:a14="http://schemas.microsoft.com/office/drawing/2010/main" xmlns="" w="9525">
                   <a:solidFill>
                     <a:srgbClr val="000000"/>
                   </a:solidFill>
@@ -1121,7 +1121,7 @@
             </a:ln>
             <a:extLst>
               <a:ext uri="{91240B29-F687-4f45-9708-019B960494DF}">
-                <a14:hiddenLine xmlns="" xmlns:a14="http://schemas.microsoft.com/office/drawing/2010/main" w="9525">
+                <a14:hiddenLine xmlns:a14="http://schemas.microsoft.com/office/drawing/2010/main" xmlns="" w="9525">
                   <a:solidFill>
                     <a:srgbClr val="000000"/>
                   </a:solidFill>
@@ -1211,7 +1211,7 @@
             </a:ln>
             <a:extLst>
               <a:ext uri="{91240B29-F687-4f45-9708-019B960494DF}">
-                <a14:hiddenLine xmlns="" xmlns:a14="http://schemas.microsoft.com/office/drawing/2010/main" w="9525">
+                <a14:hiddenLine xmlns:a14="http://schemas.microsoft.com/office/drawing/2010/main" xmlns="" w="9525">
                   <a:solidFill>
                     <a:srgbClr val="000000"/>
                   </a:solidFill>
@@ -1273,7 +1273,7 @@
             </a:ln>
             <a:extLst>
               <a:ext uri="{91240B29-F687-4f45-9708-019B960494DF}">
-                <a14:hiddenLine xmlns="" xmlns:a14="http://schemas.microsoft.com/office/drawing/2010/main" w="9525">
+                <a14:hiddenLine xmlns:a14="http://schemas.microsoft.com/office/drawing/2010/main" xmlns="" w="9525">
                   <a:solidFill>
                     <a:srgbClr val="000000"/>
                   </a:solidFill>
@@ -1335,7 +1335,7 @@
             </a:ln>
             <a:extLst>
               <a:ext uri="{91240B29-F687-4f45-9708-019B960494DF}">
-                <a14:hiddenLine xmlns="" xmlns:a14="http://schemas.microsoft.com/office/drawing/2010/main" w="9525">
+                <a14:hiddenLine xmlns:a14="http://schemas.microsoft.com/office/drawing/2010/main" xmlns="" w="9525">
                   <a:solidFill>
                     <a:srgbClr val="000000"/>
                   </a:solidFill>
@@ -1425,7 +1425,7 @@
             </a:ln>
             <a:extLst>
               <a:ext uri="{91240B29-F687-4f45-9708-019B960494DF}">
-                <a14:hiddenLine xmlns="" xmlns:a14="http://schemas.microsoft.com/office/drawing/2010/main" w="9525">
+                <a14:hiddenLine xmlns:a14="http://schemas.microsoft.com/office/drawing/2010/main" xmlns="" w="9525">
                   <a:solidFill>
                     <a:srgbClr val="000000"/>
                   </a:solidFill>
@@ -1515,7 +1515,7 @@
             </a:ln>
             <a:extLst>
               <a:ext uri="{91240B29-F687-4f45-9708-019B960494DF}">
-                <a14:hiddenLine xmlns="" xmlns:a14="http://schemas.microsoft.com/office/drawing/2010/main" w="9525">
+                <a14:hiddenLine xmlns:a14="http://schemas.microsoft.com/office/drawing/2010/main" xmlns="" w="9525">
                   <a:solidFill>
                     <a:srgbClr val="000000"/>
                   </a:solidFill>
@@ -1577,7 +1577,7 @@
             </a:ln>
             <a:extLst>
               <a:ext uri="{91240B29-F687-4f45-9708-019B960494DF}">
-                <a14:hiddenLine xmlns="" xmlns:a14="http://schemas.microsoft.com/office/drawing/2010/main" w="9525">
+                <a14:hiddenLine xmlns:a14="http://schemas.microsoft.com/office/drawing/2010/main" xmlns="" w="9525">
                   <a:solidFill>
                     <a:srgbClr val="000000"/>
                   </a:solidFill>
@@ -1687,7 +1687,7 @@
             </a:ln>
             <a:extLst>
               <a:ext uri="{91240B29-F687-4f45-9708-019B960494DF}">
-                <a14:hiddenLine xmlns="" xmlns:a14="http://schemas.microsoft.com/office/drawing/2010/main" w="9525">
+                <a14:hiddenLine xmlns:a14="http://schemas.microsoft.com/office/drawing/2010/main" xmlns="" w="9525">
                   <a:solidFill>
                     <a:srgbClr val="000000"/>
                   </a:solidFill>
@@ -1749,7 +1749,7 @@
             </a:ln>
             <a:extLst>
               <a:ext uri="{91240B29-F687-4f45-9708-019B960494DF}">
-                <a14:hiddenLine xmlns="" xmlns:a14="http://schemas.microsoft.com/office/drawing/2010/main" w="9525">
+                <a14:hiddenLine xmlns:a14="http://schemas.microsoft.com/office/drawing/2010/main" xmlns="" w="9525">
                   <a:solidFill>
                     <a:srgbClr val="000000"/>
                   </a:solidFill>
@@ -1839,7 +1839,7 @@
             </a:ln>
             <a:extLst>
               <a:ext uri="{91240B29-F687-4f45-9708-019B960494DF}">
-                <a14:hiddenLine xmlns="" xmlns:a14="http://schemas.microsoft.com/office/drawing/2010/main" w="9525">
+                <a14:hiddenLine xmlns:a14="http://schemas.microsoft.com/office/drawing/2010/main" xmlns="" w="9525">
                   <a:solidFill>
                     <a:srgbClr val="000000"/>
                   </a:solidFill>
@@ -1929,7 +1929,7 @@
             </a:ln>
             <a:extLst>
               <a:ext uri="{91240B29-F687-4f45-9708-019B960494DF}">
-                <a14:hiddenLine xmlns="" xmlns:a14="http://schemas.microsoft.com/office/drawing/2010/main" w="9525">
+                <a14:hiddenLine xmlns:a14="http://schemas.microsoft.com/office/drawing/2010/main" xmlns="" w="9525">
                   <a:solidFill>
                     <a:srgbClr val="000000"/>
                   </a:solidFill>
@@ -1991,7 +1991,7 @@
             </a:ln>
             <a:extLst>
               <a:ext uri="{91240B29-F687-4f45-9708-019B960494DF}">
-                <a14:hiddenLine xmlns="" xmlns:a14="http://schemas.microsoft.com/office/drawing/2010/main" w="9525">
+                <a14:hiddenLine xmlns:a14="http://schemas.microsoft.com/office/drawing/2010/main" xmlns="" w="9525">
                   <a:solidFill>
                     <a:srgbClr val="000000"/>
                   </a:solidFill>
@@ -2081,7 +2081,7 @@
             </a:ln>
             <a:extLst>
               <a:ext uri="{91240B29-F687-4f45-9708-019B960494DF}">
-                <a14:hiddenLine xmlns="" xmlns:a14="http://schemas.microsoft.com/office/drawing/2010/main" w="9525">
+                <a14:hiddenLine xmlns:a14="http://schemas.microsoft.com/office/drawing/2010/main" xmlns="" w="9525">
                   <a:solidFill>
                     <a:srgbClr val="000000"/>
                   </a:solidFill>
@@ -2171,7 +2171,7 @@
             </a:ln>
             <a:extLst>
               <a:ext uri="{91240B29-F687-4f45-9708-019B960494DF}">
-                <a14:hiddenLine xmlns="" xmlns:a14="http://schemas.microsoft.com/office/drawing/2010/main" w="9525">
+                <a14:hiddenLine xmlns:a14="http://schemas.microsoft.com/office/drawing/2010/main" xmlns="" w="9525">
                   <a:solidFill>
                     <a:srgbClr val="000000"/>
                   </a:solidFill>
@@ -2227,7 +2227,7 @@
             </a:ln>
             <a:extLst>
               <a:ext uri="{91240B29-F687-4f45-9708-019B960494DF}">
-                <a14:hiddenLine xmlns="" xmlns:a14="http://schemas.microsoft.com/office/drawing/2010/main" w="9525">
+                <a14:hiddenLine xmlns:a14="http://schemas.microsoft.com/office/drawing/2010/main" xmlns="" w="9525">
                   <a:solidFill>
                     <a:srgbClr val="000000"/>
                   </a:solidFill>
@@ -2317,7 +2317,7 @@
             </a:ln>
             <a:extLst>
               <a:ext uri="{91240B29-F687-4f45-9708-019B960494DF}">
-                <a14:hiddenLine xmlns="" xmlns:a14="http://schemas.microsoft.com/office/drawing/2010/main" w="9525">
+                <a14:hiddenLine xmlns:a14="http://schemas.microsoft.com/office/drawing/2010/main" xmlns="" w="9525">
                   <a:solidFill>
                     <a:srgbClr val="000000"/>
                   </a:solidFill>
@@ -2373,7 +2373,7 @@
             </a:ln>
             <a:extLst>
               <a:ext uri="{91240B29-F687-4f45-9708-019B960494DF}">
-                <a14:hiddenLine xmlns="" xmlns:a14="http://schemas.microsoft.com/office/drawing/2010/main" w="9525">
+                <a14:hiddenLine xmlns:a14="http://schemas.microsoft.com/office/drawing/2010/main" xmlns="" w="9525">
                   <a:solidFill>
                     <a:srgbClr val="000000"/>
                   </a:solidFill>
@@ -2463,7 +2463,7 @@
             </a:ln>
             <a:extLst>
               <a:ext uri="{91240B29-F687-4f45-9708-019B960494DF}">
-                <a14:hiddenLine xmlns="" xmlns:a14="http://schemas.microsoft.com/office/drawing/2010/main" w="9525">
+                <a14:hiddenLine xmlns:a14="http://schemas.microsoft.com/office/drawing/2010/main" xmlns="" w="9525">
                   <a:solidFill>
                     <a:srgbClr val="000000"/>
                   </a:solidFill>
@@ -2531,7 +2531,7 @@
             </a:ln>
             <a:extLst>
               <a:ext uri="{91240B29-F687-4f45-9708-019B960494DF}">
-                <a14:hiddenLine xmlns="" xmlns:a14="http://schemas.microsoft.com/office/drawing/2010/main" w="9525">
+                <a14:hiddenLine xmlns:a14="http://schemas.microsoft.com/office/drawing/2010/main" xmlns="" w="9525">
                   <a:solidFill>
                     <a:srgbClr val="000000"/>
                   </a:solidFill>
@@ -2621,7 +2621,7 @@
             </a:ln>
             <a:extLst>
               <a:ext uri="{91240B29-F687-4f45-9708-019B960494DF}">
-                <a14:hiddenLine xmlns="" xmlns:a14="http://schemas.microsoft.com/office/drawing/2010/main" w="9525">
+                <a14:hiddenLine xmlns:a14="http://schemas.microsoft.com/office/drawing/2010/main" xmlns="" w="9525">
                   <a:solidFill>
                     <a:srgbClr val="000000"/>
                   </a:solidFill>
@@ -2689,7 +2689,7 @@
             </a:ln>
             <a:extLst>
               <a:ext uri="{91240B29-F687-4f45-9708-019B960494DF}">
-                <a14:hiddenLine xmlns="" xmlns:a14="http://schemas.microsoft.com/office/drawing/2010/main" w="9525">
+                <a14:hiddenLine xmlns:a14="http://schemas.microsoft.com/office/drawing/2010/main" xmlns="" w="9525">
                   <a:solidFill>
                     <a:srgbClr val="000000"/>
                   </a:solidFill>
@@ -2779,7 +2779,7 @@
             </a:ln>
             <a:extLst>
               <a:ext uri="{91240B29-F687-4f45-9708-019B960494DF}">
-                <a14:hiddenLine xmlns="" xmlns:a14="http://schemas.microsoft.com/office/drawing/2010/main" w="9525">
+                <a14:hiddenLine xmlns:a14="http://schemas.microsoft.com/office/drawing/2010/main" xmlns="" w="9525">
                   <a:solidFill>
                     <a:srgbClr val="000000"/>
                   </a:solidFill>
@@ -2813,7 +2813,7 @@
             </a:ln>
             <a:extLst>
               <a:ext uri="{91240B29-F687-4f45-9708-019B960494DF}">
-                <a14:hiddenLine xmlns="" xmlns:a14="http://schemas.microsoft.com/office/drawing/2010/main" w="9525">
+                <a14:hiddenLine xmlns:a14="http://schemas.microsoft.com/office/drawing/2010/main" xmlns="" w="9525">
                   <a:solidFill>
                     <a:srgbClr val="000000"/>
                   </a:solidFill>
@@ -2903,7 +2903,7 @@
             </a:ln>
             <a:extLst>
               <a:ext uri="{91240B29-F687-4f45-9708-019B960494DF}">
-                <a14:hiddenLine xmlns="" xmlns:a14="http://schemas.microsoft.com/office/drawing/2010/main" w="9525">
+                <a14:hiddenLine xmlns:a14="http://schemas.microsoft.com/office/drawing/2010/main" xmlns="" w="9525">
                   <a:solidFill>
                     <a:srgbClr val="000000"/>
                   </a:solidFill>
@@ -2965,7 +2965,7 @@
             </a:ln>
             <a:extLst>
               <a:ext uri="{91240B29-F687-4f45-9708-019B960494DF}">
-                <a14:hiddenLine xmlns="" xmlns:a14="http://schemas.microsoft.com/office/drawing/2010/main" w="9525">
+                <a14:hiddenLine xmlns:a14="http://schemas.microsoft.com/office/drawing/2010/main" xmlns="" w="9525">
                   <a:solidFill>
                     <a:srgbClr val="000000"/>
                   </a:solidFill>
@@ -3027,7 +3027,7 @@
             </a:ln>
             <a:extLst>
               <a:ext uri="{91240B29-F687-4f45-9708-019B960494DF}">
-                <a14:hiddenLine xmlns="" xmlns:a14="http://schemas.microsoft.com/office/drawing/2010/main" w="9525">
+                <a14:hiddenLine xmlns:a14="http://schemas.microsoft.com/office/drawing/2010/main" xmlns="" w="9525">
                   <a:solidFill>
                     <a:srgbClr val="000000"/>
                   </a:solidFill>
@@ -3117,7 +3117,7 @@
             </a:ln>
             <a:extLst>
               <a:ext uri="{91240B29-F687-4f45-9708-019B960494DF}">
-                <a14:hiddenLine xmlns="" xmlns:a14="http://schemas.microsoft.com/office/drawing/2010/main" w="9525">
+                <a14:hiddenLine xmlns:a14="http://schemas.microsoft.com/office/drawing/2010/main" xmlns="" w="9525">
                   <a:solidFill>
                     <a:srgbClr val="000000"/>
                   </a:solidFill>
@@ -3185,7 +3185,7 @@
             </a:ln>
             <a:extLst>
               <a:ext uri="{91240B29-F687-4f45-9708-019B960494DF}">
-                <a14:hiddenLine xmlns="" xmlns:a14="http://schemas.microsoft.com/office/drawing/2010/main" w="9525">
+                <a14:hiddenLine xmlns:a14="http://schemas.microsoft.com/office/drawing/2010/main" xmlns="" w="9525">
                   <a:solidFill>
                     <a:srgbClr val="000000"/>
                   </a:solidFill>
@@ -3247,7 +3247,7 @@
             </a:ln>
             <a:extLst>
               <a:ext uri="{91240B29-F687-4f45-9708-019B960494DF}">
-                <a14:hiddenLine xmlns="" xmlns:a14="http://schemas.microsoft.com/office/drawing/2010/main" w="9525">
+                <a14:hiddenLine xmlns:a14="http://schemas.microsoft.com/office/drawing/2010/main" xmlns="" w="9525">
                   <a:solidFill>
                     <a:srgbClr val="000000"/>
                   </a:solidFill>
@@ -3337,7 +3337,7 @@
             </a:ln>
             <a:extLst>
               <a:ext uri="{91240B29-F687-4f45-9708-019B960494DF}">
-                <a14:hiddenLine xmlns="" xmlns:a14="http://schemas.microsoft.com/office/drawing/2010/main" w="9525">
+                <a14:hiddenLine xmlns:a14="http://schemas.microsoft.com/office/drawing/2010/main" xmlns="" w="9525">
                   <a:solidFill>
                     <a:srgbClr val="000000"/>
                   </a:solidFill>
@@ -3399,7 +3399,7 @@
             </a:ln>
             <a:extLst>
               <a:ext uri="{91240B29-F687-4f45-9708-019B960494DF}">
-                <a14:hiddenLine xmlns="" xmlns:a14="http://schemas.microsoft.com/office/drawing/2010/main" w="9525">
+                <a14:hiddenLine xmlns:a14="http://schemas.microsoft.com/office/drawing/2010/main" xmlns="" w="9525">
                   <a:solidFill>
                     <a:srgbClr val="000000"/>
                   </a:solidFill>
@@ -3489,7 +3489,7 @@
             </a:ln>
             <a:extLst>
               <a:ext uri="{91240B29-F687-4f45-9708-019B960494DF}">
-                <a14:hiddenLine xmlns="" xmlns:a14="http://schemas.microsoft.com/office/drawing/2010/main" w="9525">
+                <a14:hiddenLine xmlns:a14="http://schemas.microsoft.com/office/drawing/2010/main" xmlns="" w="9525">
                   <a:solidFill>
                     <a:srgbClr val="000000"/>
                   </a:solidFill>
@@ -3551,7 +3551,7 @@
             </a:ln>
             <a:extLst>
               <a:ext uri="{91240B29-F687-4f45-9708-019B960494DF}">
-                <a14:hiddenLine xmlns="" xmlns:a14="http://schemas.microsoft.com/office/drawing/2010/main" w="9525">
+                <a14:hiddenLine xmlns:a14="http://schemas.microsoft.com/office/drawing/2010/main" xmlns="" w="9525">
                   <a:solidFill>
                     <a:srgbClr val="000000"/>
                   </a:solidFill>
@@ -3641,7 +3641,7 @@
             </a:ln>
             <a:extLst>
               <a:ext uri="{91240B29-F687-4f45-9708-019B960494DF}">
-                <a14:hiddenLine xmlns="" xmlns:a14="http://schemas.microsoft.com/office/drawing/2010/main" w="9525">
+                <a14:hiddenLine xmlns:a14="http://schemas.microsoft.com/office/drawing/2010/main" xmlns="" w="9525">
                   <a:solidFill>
                     <a:srgbClr val="000000"/>
                   </a:solidFill>
@@ -3675,7 +3675,7 @@
             </a:ln>
             <a:extLst>
               <a:ext uri="{91240B29-F687-4f45-9708-019B960494DF}">
-                <a14:hiddenLine xmlns="" xmlns:a14="http://schemas.microsoft.com/office/drawing/2010/main" w="9525">
+                <a14:hiddenLine xmlns:a14="http://schemas.microsoft.com/office/drawing/2010/main" xmlns="" w="9525">
                   <a:solidFill>
                     <a:srgbClr val="000000"/>
                   </a:solidFill>
@@ -3740,7 +3740,7 @@
             </a:ln>
             <a:extLst>
               <a:ext uri="{91240B29-F687-4f45-9708-019B960494DF}">
-                <a14:hiddenLine xmlns="" xmlns:a14="http://schemas.microsoft.com/office/drawing/2010/main" w="9525">
+                <a14:hiddenLine xmlns:a14="http://schemas.microsoft.com/office/drawing/2010/main" xmlns="" w="9525">
                   <a:solidFill>
                     <a:srgbClr val="000000"/>
                   </a:solidFill>
@@ -3830,7 +3830,7 @@
             </a:ln>
             <a:extLst>
               <a:ext uri="{91240B29-F687-4f45-9708-019B960494DF}">
-                <a14:hiddenLine xmlns="" xmlns:a14="http://schemas.microsoft.com/office/drawing/2010/main" w="9525">
+                <a14:hiddenLine xmlns:a14="http://schemas.microsoft.com/office/drawing/2010/main" xmlns="" w="9525">
                   <a:solidFill>
                     <a:srgbClr val="000000"/>
                   </a:solidFill>
@@ -3892,7 +3892,7 @@
             </a:ln>
             <a:extLst>
               <a:ext uri="{91240B29-F687-4f45-9708-019B960494DF}">
-                <a14:hiddenLine xmlns="" xmlns:a14="http://schemas.microsoft.com/office/drawing/2010/main" w="9525">
+                <a14:hiddenLine xmlns:a14="http://schemas.microsoft.com/office/drawing/2010/main" xmlns="" w="9525">
                   <a:solidFill>
                     <a:srgbClr val="000000"/>
                   </a:solidFill>
@@ -3982,7 +3982,7 @@
             </a:ln>
             <a:extLst>
               <a:ext uri="{91240B29-F687-4f45-9708-019B960494DF}">
-                <a14:hiddenLine xmlns="" xmlns:a14="http://schemas.microsoft.com/office/drawing/2010/main" w="9525">
+                <a14:hiddenLine xmlns:a14="http://schemas.microsoft.com/office/drawing/2010/main" xmlns="" w="9525">
                   <a:solidFill>
                     <a:srgbClr val="000000"/>
                   </a:solidFill>
@@ -4072,7 +4072,7 @@
             </a:ln>
             <a:extLst>
               <a:ext uri="{91240B29-F687-4f45-9708-019B960494DF}">
-                <a14:hiddenLine xmlns="" xmlns:a14="http://schemas.microsoft.com/office/drawing/2010/main" w="9525">
+                <a14:hiddenLine xmlns:a14="http://schemas.microsoft.com/office/drawing/2010/main" xmlns="" w="9525">
                   <a:solidFill>
                     <a:srgbClr val="000000"/>
                   </a:solidFill>
@@ -4137,7 +4137,7 @@
             </a:ln>
             <a:extLst>
               <a:ext uri="{91240B29-F687-4f45-9708-019B960494DF}">
-                <a14:hiddenLine xmlns="" xmlns:a14="http://schemas.microsoft.com/office/drawing/2010/main" w="9525">
+                <a14:hiddenLine xmlns:a14="http://schemas.microsoft.com/office/drawing/2010/main" xmlns="" w="9525">
                   <a:solidFill>
                     <a:srgbClr val="000000"/>
                   </a:solidFill>
@@ -4199,7 +4199,7 @@
             </a:ln>
             <a:extLst>
               <a:ext uri="{91240B29-F687-4f45-9708-019B960494DF}">
-                <a14:hiddenLine xmlns="" xmlns:a14="http://schemas.microsoft.com/office/drawing/2010/main" w="9525">
+                <a14:hiddenLine xmlns:a14="http://schemas.microsoft.com/office/drawing/2010/main" xmlns="" w="9525">
                   <a:solidFill>
                     <a:srgbClr val="000000"/>
                   </a:solidFill>
@@ -4289,7 +4289,7 @@
             </a:ln>
             <a:extLst>
               <a:ext uri="{91240B29-F687-4f45-9708-019B960494DF}">
-                <a14:hiddenLine xmlns="" xmlns:a14="http://schemas.microsoft.com/office/drawing/2010/main" w="9525">
+                <a14:hiddenLine xmlns:a14="http://schemas.microsoft.com/office/drawing/2010/main" xmlns="" w="9525">
                   <a:solidFill>
                     <a:srgbClr val="000000"/>
                   </a:solidFill>
@@ -4379,7 +4379,7 @@
             </a:ln>
             <a:extLst>
               <a:ext uri="{91240B29-F687-4f45-9708-019B960494DF}">
-                <a14:hiddenLine xmlns="" xmlns:a14="http://schemas.microsoft.com/office/drawing/2010/main" w="9525">
+                <a14:hiddenLine xmlns:a14="http://schemas.microsoft.com/office/drawing/2010/main" xmlns="" w="9525">
                   <a:solidFill>
                     <a:srgbClr val="000000"/>
                   </a:solidFill>
@@ -4441,7 +4441,7 @@
             </a:ln>
             <a:extLst>
               <a:ext uri="{91240B29-F687-4f45-9708-019B960494DF}">
-                <a14:hiddenLine xmlns="" xmlns:a14="http://schemas.microsoft.com/office/drawing/2010/main" w="9525">
+                <a14:hiddenLine xmlns:a14="http://schemas.microsoft.com/office/drawing/2010/main" xmlns="" w="9525">
                   <a:solidFill>
                     <a:srgbClr val="000000"/>
                   </a:solidFill>
@@ -4561,7 +4561,7 @@
             </a:ln>
             <a:extLst>
               <a:ext uri="{91240B29-F687-4f45-9708-019B960494DF}">
-                <a14:hiddenLine xmlns="" xmlns:a14="http://schemas.microsoft.com/office/drawing/2010/main" w="9525">
+                <a14:hiddenLine xmlns:a14="http://schemas.microsoft.com/office/drawing/2010/main" xmlns="" w="9525">
                   <a:solidFill>
                     <a:srgbClr val="000000"/>
                   </a:solidFill>
@@ -4629,7 +4629,7 @@
             </a:ln>
             <a:extLst>
               <a:ext uri="{91240B29-F687-4f45-9708-019B960494DF}">
-                <a14:hiddenLine xmlns="" xmlns:a14="http://schemas.microsoft.com/office/drawing/2010/main" w="9525">
+                <a14:hiddenLine xmlns:a14="http://schemas.microsoft.com/office/drawing/2010/main" xmlns="" w="9525">
                   <a:solidFill>
                     <a:srgbClr val="000000"/>
                   </a:solidFill>
@@ -4719,7 +4719,7 @@
             </a:ln>
             <a:extLst>
               <a:ext uri="{91240B29-F687-4f45-9708-019B960494DF}">
-                <a14:hiddenLine xmlns="" xmlns:a14="http://schemas.microsoft.com/office/drawing/2010/main" w="9525">
+                <a14:hiddenLine xmlns:a14="http://schemas.microsoft.com/office/drawing/2010/main" xmlns="" w="9525">
                   <a:solidFill>
                     <a:srgbClr val="000000"/>
                   </a:solidFill>
@@ -4859,7 +4859,7 @@
           <a:p>
             <a:fld id="{1ABC9FED-39D6-411A-ACAB-B2AFC29FF4EB}" type="datetimeFigureOut">
               <a:rPr lang="en-GB" smtClean="0"/>
-              <a:t>02/04/2018</a:t>
+              <a:t>04/04/2018</a:t>
             </a:fld>
             <a:endParaRPr lang="en-GB"/>
           </a:p>
@@ -4927,13 +4927,13 @@
   <p:clrMapOvr>
     <a:masterClrMapping/>
   </p:clrMapOvr>
-  <mc:AlternateContent xmlns:mc="http://schemas.openxmlformats.org/markup-compatibility/2006">
-    <mc:Choice xmlns:p14="http://schemas.microsoft.com/office/powerpoint/2010/main" Requires="p14">
+  <mc:AlternateContent xmlns:mc="http://schemas.openxmlformats.org/markup-compatibility/2006" xmlns:p14="http://schemas.microsoft.com/office/powerpoint/2010/main">
+    <mc:Choice Requires="p14">
       <p:transition spd="slow">
         <p14:flip dir="r"/>
       </p:transition>
     </mc:Choice>
-    <mc:Fallback>
+    <mc:Fallback xmlns="">
       <p:transition spd="slow">
         <p:fade/>
       </p:transition>
@@ -5138,7 +5138,7 @@
           <a:p>
             <a:fld id="{1ABC9FED-39D6-411A-ACAB-B2AFC29FF4EB}" type="datetimeFigureOut">
               <a:rPr lang="en-GB" smtClean="0"/>
-              <a:t>02/04/2018</a:t>
+              <a:t>04/04/2018</a:t>
             </a:fld>
             <a:endParaRPr lang="en-GB"/>
           </a:p>
@@ -5196,13 +5196,13 @@
   <p:clrMapOvr>
     <a:masterClrMapping/>
   </p:clrMapOvr>
-  <mc:AlternateContent xmlns:mc="http://schemas.openxmlformats.org/markup-compatibility/2006">
-    <mc:Choice xmlns:p14="http://schemas.microsoft.com/office/powerpoint/2010/main" Requires="p14">
+  <mc:AlternateContent xmlns:mc="http://schemas.openxmlformats.org/markup-compatibility/2006" xmlns:p14="http://schemas.microsoft.com/office/powerpoint/2010/main">
+    <mc:Choice Requires="p14">
       <p:transition spd="slow">
         <p14:flip dir="r"/>
       </p:transition>
     </mc:Choice>
-    <mc:Fallback>
+    <mc:Fallback xmlns="">
       <p:transition spd="slow">
         <p:fade/>
       </p:transition>
@@ -5346,7 +5346,7 @@
           <a:p>
             <a:fld id="{1ABC9FED-39D6-411A-ACAB-B2AFC29FF4EB}" type="datetimeFigureOut">
               <a:rPr lang="en-GB" smtClean="0"/>
-              <a:t>02/04/2018</a:t>
+              <a:t>04/04/2018</a:t>
             </a:fld>
             <a:endParaRPr lang="en-GB"/>
           </a:p>
@@ -5404,13 +5404,13 @@
   <p:clrMapOvr>
     <a:masterClrMapping/>
   </p:clrMapOvr>
-  <mc:AlternateContent xmlns:mc="http://schemas.openxmlformats.org/markup-compatibility/2006">
-    <mc:Choice xmlns:p14="http://schemas.microsoft.com/office/powerpoint/2010/main" Requires="p14">
+  <mc:AlternateContent xmlns:mc="http://schemas.openxmlformats.org/markup-compatibility/2006" xmlns:p14="http://schemas.microsoft.com/office/powerpoint/2010/main">
+    <mc:Choice Requires="p14">
       <p:transition spd="slow">
         <p14:flip dir="r"/>
       </p:transition>
     </mc:Choice>
-    <mc:Fallback>
+    <mc:Fallback xmlns="">
       <p:transition spd="slow">
         <p:fade/>
       </p:transition>
@@ -5621,7 +5621,7 @@
           <a:p>
             <a:fld id="{1ABC9FED-39D6-411A-ACAB-B2AFC29FF4EB}" type="datetimeFigureOut">
               <a:rPr lang="en-GB" smtClean="0"/>
-              <a:t>02/04/2018</a:t>
+              <a:t>04/04/2018</a:t>
             </a:fld>
             <a:endParaRPr lang="en-GB"/>
           </a:p>
@@ -5917,13 +5917,13 @@
   <p:clrMapOvr>
     <a:masterClrMapping/>
   </p:clrMapOvr>
-  <mc:AlternateContent xmlns:mc="http://schemas.openxmlformats.org/markup-compatibility/2006">
-    <mc:Choice xmlns:p14="http://schemas.microsoft.com/office/powerpoint/2010/main" Requires="p14">
+  <mc:AlternateContent xmlns:mc="http://schemas.openxmlformats.org/markup-compatibility/2006" xmlns:p14="http://schemas.microsoft.com/office/powerpoint/2010/main">
+    <mc:Choice Requires="p14">
       <p:transition spd="slow">
         <p14:flip dir="r"/>
       </p:transition>
     </mc:Choice>
-    <mc:Fallback>
+    <mc:Fallback xmlns="">
       <p:transition spd="slow">
         <p:fade/>
       </p:transition>
@@ -6067,7 +6067,7 @@
           <a:p>
             <a:fld id="{1ABC9FED-39D6-411A-ACAB-B2AFC29FF4EB}" type="datetimeFigureOut">
               <a:rPr lang="en-GB" smtClean="0"/>
-              <a:t>02/04/2018</a:t>
+              <a:t>04/04/2018</a:t>
             </a:fld>
             <a:endParaRPr lang="en-GB"/>
           </a:p>
@@ -6125,13 +6125,13 @@
   <p:clrMapOvr>
     <a:masterClrMapping/>
   </p:clrMapOvr>
-  <mc:AlternateContent xmlns:mc="http://schemas.openxmlformats.org/markup-compatibility/2006">
-    <mc:Choice xmlns:p14="http://schemas.microsoft.com/office/powerpoint/2010/main" Requires="p14">
+  <mc:AlternateContent xmlns:mc="http://schemas.openxmlformats.org/markup-compatibility/2006" xmlns:p14="http://schemas.microsoft.com/office/powerpoint/2010/main">
+    <mc:Choice Requires="p14">
       <p:transition spd="slow">
         <p14:flip dir="r"/>
       </p:transition>
     </mc:Choice>
-    <mc:Fallback>
+    <mc:Fallback xmlns="">
       <p:transition spd="slow">
         <p:fade/>
       </p:transition>
@@ -6625,7 +6625,7 @@
           <a:p>
             <a:fld id="{1ABC9FED-39D6-411A-ACAB-B2AFC29FF4EB}" type="datetimeFigureOut">
               <a:rPr lang="en-GB" smtClean="0"/>
-              <a:t>02/04/2018</a:t>
+              <a:t>04/04/2018</a:t>
             </a:fld>
             <a:endParaRPr lang="en-GB"/>
           </a:p>
@@ -6683,13 +6683,13 @@
   <p:clrMapOvr>
     <a:masterClrMapping/>
   </p:clrMapOvr>
-  <mc:AlternateContent xmlns:mc="http://schemas.openxmlformats.org/markup-compatibility/2006">
-    <mc:Choice xmlns:p14="http://schemas.microsoft.com/office/powerpoint/2010/main" Requires="p14">
+  <mc:AlternateContent xmlns:mc="http://schemas.openxmlformats.org/markup-compatibility/2006" xmlns:p14="http://schemas.microsoft.com/office/powerpoint/2010/main">
+    <mc:Choice Requires="p14">
       <p:transition spd="slow">
         <p14:flip dir="r"/>
       </p:transition>
     </mc:Choice>
-    <mc:Fallback>
+    <mc:Fallback xmlns="">
       <p:transition spd="slow">
         <p:fade/>
       </p:transition>
@@ -7357,7 +7357,7 @@
           <a:p>
             <a:fld id="{1ABC9FED-39D6-411A-ACAB-B2AFC29FF4EB}" type="datetimeFigureOut">
               <a:rPr lang="en-GB" smtClean="0"/>
-              <a:t>02/04/2018</a:t>
+              <a:t>04/04/2018</a:t>
             </a:fld>
             <a:endParaRPr lang="en-GB"/>
           </a:p>
@@ -7415,13 +7415,13 @@
   <p:clrMapOvr>
     <a:masterClrMapping/>
   </p:clrMapOvr>
-  <mc:AlternateContent xmlns:mc="http://schemas.openxmlformats.org/markup-compatibility/2006">
-    <mc:Choice xmlns:p14="http://schemas.microsoft.com/office/powerpoint/2010/main" Requires="p14">
+  <mc:AlternateContent xmlns:mc="http://schemas.openxmlformats.org/markup-compatibility/2006" xmlns:p14="http://schemas.microsoft.com/office/powerpoint/2010/main">
+    <mc:Choice Requires="p14">
       <p:transition spd="slow">
         <p14:flip dir="r"/>
       </p:transition>
     </mc:Choice>
-    <mc:Fallback>
+    <mc:Fallback xmlns="">
       <p:transition spd="slow">
         <p:fade/>
       </p:transition>
@@ -7539,7 +7539,7 @@
           <a:p>
             <a:fld id="{1ABC9FED-39D6-411A-ACAB-B2AFC29FF4EB}" type="datetimeFigureOut">
               <a:rPr lang="en-GB" smtClean="0"/>
-              <a:t>02/04/2018</a:t>
+              <a:t>04/04/2018</a:t>
             </a:fld>
             <a:endParaRPr lang="en-GB"/>
           </a:p>
@@ -7597,13 +7597,13 @@
   <p:clrMapOvr>
     <a:masterClrMapping/>
   </p:clrMapOvr>
-  <mc:AlternateContent xmlns:mc="http://schemas.openxmlformats.org/markup-compatibility/2006">
-    <mc:Choice xmlns:p14="http://schemas.microsoft.com/office/powerpoint/2010/main" Requires="p14">
+  <mc:AlternateContent xmlns:mc="http://schemas.openxmlformats.org/markup-compatibility/2006" xmlns:p14="http://schemas.microsoft.com/office/powerpoint/2010/main">
+    <mc:Choice Requires="p14">
       <p:transition spd="slow">
         <p14:flip dir="r"/>
       </p:transition>
     </mc:Choice>
-    <mc:Fallback>
+    <mc:Fallback xmlns="">
       <p:transition spd="slow">
         <p:fade/>
       </p:transition>
@@ -7731,7 +7731,7 @@
           <a:p>
             <a:fld id="{1ABC9FED-39D6-411A-ACAB-B2AFC29FF4EB}" type="datetimeFigureOut">
               <a:rPr lang="en-GB" smtClean="0"/>
-              <a:t>02/04/2018</a:t>
+              <a:t>04/04/2018</a:t>
             </a:fld>
             <a:endParaRPr lang="en-GB"/>
           </a:p>
@@ -7789,13 +7789,13 @@
   <p:clrMapOvr>
     <a:masterClrMapping/>
   </p:clrMapOvr>
-  <mc:AlternateContent xmlns:mc="http://schemas.openxmlformats.org/markup-compatibility/2006">
-    <mc:Choice xmlns:p14="http://schemas.microsoft.com/office/powerpoint/2010/main" Requires="p14">
+  <mc:AlternateContent xmlns:mc="http://schemas.openxmlformats.org/markup-compatibility/2006" xmlns:p14="http://schemas.microsoft.com/office/powerpoint/2010/main">
+    <mc:Choice Requires="p14">
       <p:transition spd="slow">
         <p14:flip dir="r"/>
       </p:transition>
     </mc:Choice>
-    <mc:Fallback>
+    <mc:Fallback xmlns="">
       <p:transition spd="slow">
         <p:fade/>
       </p:transition>
@@ -7913,7 +7913,7 @@
           <a:p>
             <a:fld id="{1ABC9FED-39D6-411A-ACAB-B2AFC29FF4EB}" type="datetimeFigureOut">
               <a:rPr lang="en-GB" smtClean="0"/>
-              <a:t>02/04/2018</a:t>
+              <a:t>04/04/2018</a:t>
             </a:fld>
             <a:endParaRPr lang="en-GB"/>
           </a:p>
@@ -7971,13 +7971,13 @@
   <p:clrMapOvr>
     <a:masterClrMapping/>
   </p:clrMapOvr>
-  <mc:AlternateContent xmlns:mc="http://schemas.openxmlformats.org/markup-compatibility/2006">
-    <mc:Choice xmlns:p14="http://schemas.microsoft.com/office/powerpoint/2010/main" Requires="p14">
+  <mc:AlternateContent xmlns:mc="http://schemas.openxmlformats.org/markup-compatibility/2006" xmlns:p14="http://schemas.microsoft.com/office/powerpoint/2010/main">
+    <mc:Choice Requires="p14">
       <p:transition spd="slow">
         <p14:flip dir="r"/>
       </p:transition>
     </mc:Choice>
-    <mc:Fallback>
+    <mc:Fallback xmlns="">
       <p:transition spd="slow">
         <p:fade/>
       </p:transition>
@@ -8175,7 +8175,7 @@
           <a:p>
             <a:fld id="{1ABC9FED-39D6-411A-ACAB-B2AFC29FF4EB}" type="datetimeFigureOut">
               <a:rPr lang="en-GB" smtClean="0"/>
-              <a:t>02/04/2018</a:t>
+              <a:t>04/04/2018</a:t>
             </a:fld>
             <a:endParaRPr lang="en-GB"/>
           </a:p>
@@ -8233,13 +8233,13 @@
   <p:clrMapOvr>
     <a:masterClrMapping/>
   </p:clrMapOvr>
-  <mc:AlternateContent xmlns:mc="http://schemas.openxmlformats.org/markup-compatibility/2006">
-    <mc:Choice xmlns:p14="http://schemas.microsoft.com/office/powerpoint/2010/main" Requires="p14">
+  <mc:AlternateContent xmlns:mc="http://schemas.openxmlformats.org/markup-compatibility/2006" xmlns:p14="http://schemas.microsoft.com/office/powerpoint/2010/main">
+    <mc:Choice Requires="p14">
       <p:transition spd="slow">
         <p14:flip dir="r"/>
       </p:transition>
     </mc:Choice>
-    <mc:Fallback>
+    <mc:Fallback xmlns="">
       <p:transition spd="slow">
         <p:fade/>
       </p:transition>
@@ -8419,7 +8419,7 @@
           <a:p>
             <a:fld id="{1ABC9FED-39D6-411A-ACAB-B2AFC29FF4EB}" type="datetimeFigureOut">
               <a:rPr lang="en-GB" smtClean="0"/>
-              <a:t>02/04/2018</a:t>
+              <a:t>04/04/2018</a:t>
             </a:fld>
             <a:endParaRPr lang="en-GB"/>
           </a:p>
@@ -8477,13 +8477,13 @@
   <p:clrMapOvr>
     <a:masterClrMapping/>
   </p:clrMapOvr>
-  <mc:AlternateContent xmlns:mc="http://schemas.openxmlformats.org/markup-compatibility/2006">
-    <mc:Choice xmlns:p14="http://schemas.microsoft.com/office/powerpoint/2010/main" Requires="p14">
+  <mc:AlternateContent xmlns:mc="http://schemas.openxmlformats.org/markup-compatibility/2006" xmlns:p14="http://schemas.microsoft.com/office/powerpoint/2010/main">
+    <mc:Choice Requires="p14">
       <p:transition spd="slow">
         <p14:flip dir="r"/>
       </p:transition>
     </mc:Choice>
-    <mc:Fallback>
+    <mc:Fallback xmlns="">
       <p:transition spd="slow">
         <p:fade/>
       </p:transition>
@@ -8812,7 +8812,7 @@
           <a:p>
             <a:fld id="{1ABC9FED-39D6-411A-ACAB-B2AFC29FF4EB}" type="datetimeFigureOut">
               <a:rPr lang="en-GB" smtClean="0"/>
-              <a:t>02/04/2018</a:t>
+              <a:t>04/04/2018</a:t>
             </a:fld>
             <a:endParaRPr lang="en-GB"/>
           </a:p>
@@ -8870,13 +8870,13 @@
   <p:clrMapOvr>
     <a:masterClrMapping/>
   </p:clrMapOvr>
-  <mc:AlternateContent xmlns:mc="http://schemas.openxmlformats.org/markup-compatibility/2006">
-    <mc:Choice xmlns:p14="http://schemas.microsoft.com/office/powerpoint/2010/main" Requires="p14">
+  <mc:AlternateContent xmlns:mc="http://schemas.openxmlformats.org/markup-compatibility/2006" xmlns:p14="http://schemas.microsoft.com/office/powerpoint/2010/main">
+    <mc:Choice Requires="p14">
       <p:transition spd="slow">
         <p14:flip dir="r"/>
       </p:transition>
     </mc:Choice>
-    <mc:Fallback>
+    <mc:Fallback xmlns="">
       <p:transition spd="slow">
         <p:fade/>
       </p:transition>
@@ -8942,7 +8942,7 @@
           <a:p>
             <a:fld id="{1ABC9FED-39D6-411A-ACAB-B2AFC29FF4EB}" type="datetimeFigureOut">
               <a:rPr lang="en-GB" smtClean="0"/>
-              <a:t>02/04/2018</a:t>
+              <a:t>04/04/2018</a:t>
             </a:fld>
             <a:endParaRPr lang="en-GB"/>
           </a:p>
@@ -9000,13 +9000,13 @@
   <p:clrMapOvr>
     <a:masterClrMapping/>
   </p:clrMapOvr>
-  <mc:AlternateContent xmlns:mc="http://schemas.openxmlformats.org/markup-compatibility/2006">
-    <mc:Choice xmlns:p14="http://schemas.microsoft.com/office/powerpoint/2010/main" Requires="p14">
+  <mc:AlternateContent xmlns:mc="http://schemas.openxmlformats.org/markup-compatibility/2006" xmlns:p14="http://schemas.microsoft.com/office/powerpoint/2010/main">
+    <mc:Choice Requires="p14">
       <p:transition spd="slow">
         <p14:flip dir="r"/>
       </p:transition>
     </mc:Choice>
-    <mc:Fallback>
+    <mc:Fallback xmlns="">
       <p:transition spd="slow">
         <p:fade/>
       </p:transition>
@@ -9049,7 +9049,7 @@
           <a:p>
             <a:fld id="{1ABC9FED-39D6-411A-ACAB-B2AFC29FF4EB}" type="datetimeFigureOut">
               <a:rPr lang="en-GB" smtClean="0"/>
-              <a:t>02/04/2018</a:t>
+              <a:t>04/04/2018</a:t>
             </a:fld>
             <a:endParaRPr lang="en-GB"/>
           </a:p>
@@ -9107,13 +9107,13 @@
   <p:clrMapOvr>
     <a:masterClrMapping/>
   </p:clrMapOvr>
-  <mc:AlternateContent xmlns:mc="http://schemas.openxmlformats.org/markup-compatibility/2006">
-    <mc:Choice xmlns:p14="http://schemas.microsoft.com/office/powerpoint/2010/main" Requires="p14">
+  <mc:AlternateContent xmlns:mc="http://schemas.openxmlformats.org/markup-compatibility/2006" xmlns:p14="http://schemas.microsoft.com/office/powerpoint/2010/main">
+    <mc:Choice Requires="p14">
       <p:transition spd="slow">
         <p14:flip dir="r"/>
       </p:transition>
     </mc:Choice>
-    <mc:Fallback>
+    <mc:Fallback xmlns="">
       <p:transition spd="slow">
         <p:fade/>
       </p:transition>
@@ -9310,7 +9310,7 @@
           <a:p>
             <a:fld id="{1ABC9FED-39D6-411A-ACAB-B2AFC29FF4EB}" type="datetimeFigureOut">
               <a:rPr lang="en-GB" smtClean="0"/>
-              <a:t>02/04/2018</a:t>
+              <a:t>04/04/2018</a:t>
             </a:fld>
             <a:endParaRPr lang="en-GB"/>
           </a:p>
@@ -9368,13 +9368,13 @@
   <p:clrMapOvr>
     <a:masterClrMapping/>
   </p:clrMapOvr>
-  <mc:AlternateContent xmlns:mc="http://schemas.openxmlformats.org/markup-compatibility/2006">
-    <mc:Choice xmlns:p14="http://schemas.microsoft.com/office/powerpoint/2010/main" Requires="p14">
+  <mc:AlternateContent xmlns:mc="http://schemas.openxmlformats.org/markup-compatibility/2006" xmlns:p14="http://schemas.microsoft.com/office/powerpoint/2010/main">
+    <mc:Choice Requires="p14">
       <p:transition spd="slow">
         <p14:flip dir="r"/>
       </p:transition>
     </mc:Choice>
-    <mc:Fallback>
+    <mc:Fallback xmlns="">
       <p:transition spd="slow">
         <p:fade/>
       </p:transition>
@@ -9602,7 +9602,7 @@
           <a:p>
             <a:fld id="{1ABC9FED-39D6-411A-ACAB-B2AFC29FF4EB}" type="datetimeFigureOut">
               <a:rPr lang="en-GB" smtClean="0"/>
-              <a:t>02/04/2018</a:t>
+              <a:t>04/04/2018</a:t>
             </a:fld>
             <a:endParaRPr lang="en-GB"/>
           </a:p>
@@ -9660,13 +9660,13 @@
   <p:clrMapOvr>
     <a:masterClrMapping/>
   </p:clrMapOvr>
-  <mc:AlternateContent xmlns:mc="http://schemas.openxmlformats.org/markup-compatibility/2006">
-    <mc:Choice xmlns:p14="http://schemas.microsoft.com/office/powerpoint/2010/main" Requires="p14">
+  <mc:AlternateContent xmlns:mc="http://schemas.openxmlformats.org/markup-compatibility/2006" xmlns:p14="http://schemas.microsoft.com/office/powerpoint/2010/main">
+    <mc:Choice Requires="p14">
       <p:transition spd="slow">
         <p14:flip dir="r"/>
       </p:transition>
     </mc:Choice>
-    <mc:Fallback>
+    <mc:Fallback xmlns="">
       <p:transition spd="slow">
         <p:fade/>
       </p:transition>
@@ -9737,7 +9737,7 @@
           <a:noFill/>
           <a:extLst>
             <a:ext uri="{909E8E84-426E-40dd-AFC4-6F175D3DCCD1}">
-              <a14:hiddenFill xmlns="" xmlns:a14="http://schemas.microsoft.com/office/drawing/2010/main">
+              <a14:hiddenFill xmlns:a14="http://schemas.microsoft.com/office/drawing/2010/main" xmlns="">
                 <a:solidFill>
                   <a:srgbClr val="FFFFFF"/>
                 </a:solidFill>
@@ -9811,7 +9811,7 @@
               </a:ln>
               <a:extLst>
                 <a:ext uri="{91240B29-F687-4f45-9708-019B960494DF}">
-                  <a14:hiddenLine xmlns="" xmlns:a14="http://schemas.microsoft.com/office/drawing/2010/main" w="9525">
+                  <a14:hiddenLine xmlns:a14="http://schemas.microsoft.com/office/drawing/2010/main" xmlns="" w="9525">
                     <a:solidFill>
                       <a:srgbClr val="000000"/>
                     </a:solidFill>
@@ -9901,7 +9901,7 @@
               </a:ln>
               <a:extLst>
                 <a:ext uri="{91240B29-F687-4f45-9708-019B960494DF}">
-                  <a14:hiddenLine xmlns="" xmlns:a14="http://schemas.microsoft.com/office/drawing/2010/main" w="9525">
+                  <a14:hiddenLine xmlns:a14="http://schemas.microsoft.com/office/drawing/2010/main" xmlns="" w="9525">
                     <a:solidFill>
                       <a:srgbClr val="000000"/>
                     </a:solidFill>
@@ -9991,7 +9991,7 @@
               </a:ln>
               <a:extLst>
                 <a:ext uri="{91240B29-F687-4f45-9708-019B960494DF}">
-                  <a14:hiddenLine xmlns="" xmlns:a14="http://schemas.microsoft.com/office/drawing/2010/main" w="9525">
+                  <a14:hiddenLine xmlns:a14="http://schemas.microsoft.com/office/drawing/2010/main" xmlns="" w="9525">
                     <a:solidFill>
                       <a:srgbClr val="000000"/>
                     </a:solidFill>
@@ -10053,7 +10053,7 @@
               </a:ln>
               <a:extLst>
                 <a:ext uri="{91240B29-F687-4f45-9708-019B960494DF}">
-                  <a14:hiddenLine xmlns="" xmlns:a14="http://schemas.microsoft.com/office/drawing/2010/main" w="9525">
+                  <a14:hiddenLine xmlns:a14="http://schemas.microsoft.com/office/drawing/2010/main" xmlns="" w="9525">
                     <a:solidFill>
                       <a:srgbClr val="000000"/>
                     </a:solidFill>
@@ -10143,7 +10143,7 @@
               </a:ln>
               <a:extLst>
                 <a:ext uri="{91240B29-F687-4f45-9708-019B960494DF}">
-                  <a14:hiddenLine xmlns="" xmlns:a14="http://schemas.microsoft.com/office/drawing/2010/main" w="9525">
+                  <a14:hiddenLine xmlns:a14="http://schemas.microsoft.com/office/drawing/2010/main" xmlns="" w="9525">
                     <a:solidFill>
                       <a:srgbClr val="000000"/>
                     </a:solidFill>
@@ -10205,7 +10205,7 @@
               </a:ln>
               <a:extLst>
                 <a:ext uri="{91240B29-F687-4f45-9708-019B960494DF}">
-                  <a14:hiddenLine xmlns="" xmlns:a14="http://schemas.microsoft.com/office/drawing/2010/main" w="9525">
+                  <a14:hiddenLine xmlns:a14="http://schemas.microsoft.com/office/drawing/2010/main" xmlns="" w="9525">
                     <a:solidFill>
                       <a:srgbClr val="000000"/>
                     </a:solidFill>
@@ -10267,7 +10267,7 @@
               </a:ln>
               <a:extLst>
                 <a:ext uri="{91240B29-F687-4f45-9708-019B960494DF}">
-                  <a14:hiddenLine xmlns="" xmlns:a14="http://schemas.microsoft.com/office/drawing/2010/main" w="9525">
+                  <a14:hiddenLine xmlns:a14="http://schemas.microsoft.com/office/drawing/2010/main" xmlns="" w="9525">
                     <a:solidFill>
                       <a:srgbClr val="000000"/>
                     </a:solidFill>
@@ -10357,7 +10357,7 @@
               </a:ln>
               <a:extLst>
                 <a:ext uri="{91240B29-F687-4f45-9708-019B960494DF}">
-                  <a14:hiddenLine xmlns="" xmlns:a14="http://schemas.microsoft.com/office/drawing/2010/main" w="9525">
+                  <a14:hiddenLine xmlns:a14="http://schemas.microsoft.com/office/drawing/2010/main" xmlns="" w="9525">
                     <a:solidFill>
                       <a:srgbClr val="000000"/>
                     </a:solidFill>
@@ -10447,7 +10447,7 @@
               </a:ln>
               <a:extLst>
                 <a:ext uri="{91240B29-F687-4f45-9708-019B960494DF}">
-                  <a14:hiddenLine xmlns="" xmlns:a14="http://schemas.microsoft.com/office/drawing/2010/main" w="9525">
+                  <a14:hiddenLine xmlns:a14="http://schemas.microsoft.com/office/drawing/2010/main" xmlns="" w="9525">
                     <a:solidFill>
                       <a:srgbClr val="000000"/>
                     </a:solidFill>
@@ -10509,7 +10509,7 @@
               </a:ln>
               <a:extLst>
                 <a:ext uri="{91240B29-F687-4f45-9708-019B960494DF}">
-                  <a14:hiddenLine xmlns="" xmlns:a14="http://schemas.microsoft.com/office/drawing/2010/main" w="9525">
+                  <a14:hiddenLine xmlns:a14="http://schemas.microsoft.com/office/drawing/2010/main" xmlns="" w="9525">
                     <a:solidFill>
                       <a:srgbClr val="000000"/>
                     </a:solidFill>
@@ -10619,7 +10619,7 @@
               </a:ln>
               <a:extLst>
                 <a:ext uri="{91240B29-F687-4f45-9708-019B960494DF}">
-                  <a14:hiddenLine xmlns="" xmlns:a14="http://schemas.microsoft.com/office/drawing/2010/main" w="9525">
+                  <a14:hiddenLine xmlns:a14="http://schemas.microsoft.com/office/drawing/2010/main" xmlns="" w="9525">
                     <a:solidFill>
                       <a:srgbClr val="000000"/>
                     </a:solidFill>
@@ -10703,7 +10703,7 @@
               </a:ln>
               <a:extLst>
                 <a:ext uri="{91240B29-F687-4f45-9708-019B960494DF}">
-                  <a14:hiddenLine xmlns="" xmlns:a14="http://schemas.microsoft.com/office/drawing/2010/main" w="9525">
+                  <a14:hiddenLine xmlns:a14="http://schemas.microsoft.com/office/drawing/2010/main" xmlns="" w="9525">
                     <a:solidFill>
                       <a:srgbClr val="000000"/>
                     </a:solidFill>
@@ -10765,7 +10765,7 @@
               </a:ln>
               <a:extLst>
                 <a:ext uri="{91240B29-F687-4f45-9708-019B960494DF}">
-                  <a14:hiddenLine xmlns="" xmlns:a14="http://schemas.microsoft.com/office/drawing/2010/main" w="9525">
+                  <a14:hiddenLine xmlns:a14="http://schemas.microsoft.com/office/drawing/2010/main" xmlns="" w="9525">
                     <a:solidFill>
                       <a:srgbClr val="000000"/>
                     </a:solidFill>
@@ -10827,7 +10827,7 @@
               </a:ln>
               <a:extLst>
                 <a:ext uri="{91240B29-F687-4f45-9708-019B960494DF}">
-                  <a14:hiddenLine xmlns="" xmlns:a14="http://schemas.microsoft.com/office/drawing/2010/main" w="9525">
+                  <a14:hiddenLine xmlns:a14="http://schemas.microsoft.com/office/drawing/2010/main" xmlns="" w="9525">
                     <a:solidFill>
                       <a:srgbClr val="000000"/>
                     </a:solidFill>
@@ -10917,7 +10917,7 @@
               </a:ln>
               <a:extLst>
                 <a:ext uri="{91240B29-F687-4f45-9708-019B960494DF}">
-                  <a14:hiddenLine xmlns="" xmlns:a14="http://schemas.microsoft.com/office/drawing/2010/main" w="9525">
+                  <a14:hiddenLine xmlns:a14="http://schemas.microsoft.com/office/drawing/2010/main" xmlns="" w="9525">
                     <a:solidFill>
                       <a:srgbClr val="000000"/>
                     </a:solidFill>
@@ -10951,7 +10951,7 @@
               </a:ln>
               <a:extLst>
                 <a:ext uri="{91240B29-F687-4f45-9708-019B960494DF}">
-                  <a14:hiddenLine xmlns="" xmlns:a14="http://schemas.microsoft.com/office/drawing/2010/main" w="9525">
+                  <a14:hiddenLine xmlns:a14="http://schemas.microsoft.com/office/drawing/2010/main" xmlns="" w="9525">
                     <a:solidFill>
                       <a:srgbClr val="000000"/>
                     </a:solidFill>
@@ -11016,7 +11016,7 @@
               </a:ln>
               <a:extLst>
                 <a:ext uri="{91240B29-F687-4f45-9708-019B960494DF}">
-                  <a14:hiddenLine xmlns="" xmlns:a14="http://schemas.microsoft.com/office/drawing/2010/main" w="9525">
+                  <a14:hiddenLine xmlns:a14="http://schemas.microsoft.com/office/drawing/2010/main" xmlns="" w="9525">
                     <a:solidFill>
                       <a:srgbClr val="000000"/>
                     </a:solidFill>
@@ -11106,7 +11106,7 @@
               </a:ln>
               <a:extLst>
                 <a:ext uri="{91240B29-F687-4f45-9708-019B960494DF}">
-                  <a14:hiddenLine xmlns="" xmlns:a14="http://schemas.microsoft.com/office/drawing/2010/main" w="9525">
+                  <a14:hiddenLine xmlns:a14="http://schemas.microsoft.com/office/drawing/2010/main" xmlns="" w="9525">
                     <a:solidFill>
                       <a:srgbClr val="000000"/>
                     </a:solidFill>
@@ -11168,7 +11168,7 @@
               </a:ln>
               <a:extLst>
                 <a:ext uri="{91240B29-F687-4f45-9708-019B960494DF}">
-                  <a14:hiddenLine xmlns="" xmlns:a14="http://schemas.microsoft.com/office/drawing/2010/main" w="9525">
+                  <a14:hiddenLine xmlns:a14="http://schemas.microsoft.com/office/drawing/2010/main" xmlns="" w="9525">
                     <a:solidFill>
                       <a:srgbClr val="000000"/>
                     </a:solidFill>
@@ -11258,7 +11258,7 @@
               </a:ln>
               <a:extLst>
                 <a:ext uri="{91240B29-F687-4f45-9708-019B960494DF}">
-                  <a14:hiddenLine xmlns="" xmlns:a14="http://schemas.microsoft.com/office/drawing/2010/main" w="9525">
+                  <a14:hiddenLine xmlns:a14="http://schemas.microsoft.com/office/drawing/2010/main" xmlns="" w="9525">
                     <a:solidFill>
                       <a:srgbClr val="000000"/>
                     </a:solidFill>
@@ -11323,7 +11323,7 @@
               </a:ln>
               <a:extLst>
                 <a:ext uri="{91240B29-F687-4f45-9708-019B960494DF}">
-                  <a14:hiddenLine xmlns="" xmlns:a14="http://schemas.microsoft.com/office/drawing/2010/main" w="9525">
+                  <a14:hiddenLine xmlns:a14="http://schemas.microsoft.com/office/drawing/2010/main" xmlns="" w="9525">
                     <a:solidFill>
                       <a:srgbClr val="000000"/>
                     </a:solidFill>
@@ -11385,7 +11385,7 @@
               </a:ln>
               <a:extLst>
                 <a:ext uri="{91240B29-F687-4f45-9708-019B960494DF}">
-                  <a14:hiddenLine xmlns="" xmlns:a14="http://schemas.microsoft.com/office/drawing/2010/main" w="9525">
+                  <a14:hiddenLine xmlns:a14="http://schemas.microsoft.com/office/drawing/2010/main" xmlns="" w="9525">
                     <a:solidFill>
                       <a:srgbClr val="000000"/>
                     </a:solidFill>
@@ -11475,7 +11475,7 @@
               </a:ln>
               <a:extLst>
                 <a:ext uri="{91240B29-F687-4f45-9708-019B960494DF}">
-                  <a14:hiddenLine xmlns="" xmlns:a14="http://schemas.microsoft.com/office/drawing/2010/main" w="9525">
+                  <a14:hiddenLine xmlns:a14="http://schemas.microsoft.com/office/drawing/2010/main" xmlns="" w="9525">
                     <a:solidFill>
                       <a:srgbClr val="000000"/>
                     </a:solidFill>
@@ -11565,7 +11565,7 @@
               </a:ln>
               <a:extLst>
                 <a:ext uri="{91240B29-F687-4f45-9708-019B960494DF}">
-                  <a14:hiddenLine xmlns="" xmlns:a14="http://schemas.microsoft.com/office/drawing/2010/main" w="9525">
+                  <a14:hiddenLine xmlns:a14="http://schemas.microsoft.com/office/drawing/2010/main" xmlns="" w="9525">
                     <a:solidFill>
                       <a:srgbClr val="000000"/>
                     </a:solidFill>
@@ -11630,7 +11630,7 @@
               </a:ln>
               <a:extLst>
                 <a:ext uri="{91240B29-F687-4f45-9708-019B960494DF}">
-                  <a14:hiddenLine xmlns="" xmlns:a14="http://schemas.microsoft.com/office/drawing/2010/main" w="9525">
+                  <a14:hiddenLine xmlns:a14="http://schemas.microsoft.com/office/drawing/2010/main" xmlns="" w="9525">
                     <a:solidFill>
                       <a:srgbClr val="000000"/>
                     </a:solidFill>
@@ -11750,7 +11750,7 @@
               </a:ln>
               <a:extLst>
                 <a:ext uri="{91240B29-F687-4f45-9708-019B960494DF}">
-                  <a14:hiddenLine xmlns="" xmlns:a14="http://schemas.microsoft.com/office/drawing/2010/main" w="9525">
+                  <a14:hiddenLine xmlns:a14="http://schemas.microsoft.com/office/drawing/2010/main" xmlns="" w="9525">
                     <a:solidFill>
                       <a:srgbClr val="000000"/>
                     </a:solidFill>
@@ -11831,7 +11831,7 @@
               </a:ln>
               <a:extLst>
                 <a:ext uri="{91240B29-F687-4f45-9708-019B960494DF}">
-                  <a14:hiddenLine xmlns="" xmlns:a14="http://schemas.microsoft.com/office/drawing/2010/main" w="9525">
+                  <a14:hiddenLine xmlns:a14="http://schemas.microsoft.com/office/drawing/2010/main" xmlns="" w="9525">
                     <a:solidFill>
                       <a:srgbClr val="000000"/>
                     </a:solidFill>
@@ -11946,7 +11946,7 @@
               </a:ln>
               <a:extLst>
                 <a:ext uri="{91240B29-F687-4f45-9708-019B960494DF}">
-                  <a14:hiddenLine xmlns="" xmlns:a14="http://schemas.microsoft.com/office/drawing/2010/main" w="9525">
+                  <a14:hiddenLine xmlns:a14="http://schemas.microsoft.com/office/drawing/2010/main" xmlns="" w="9525">
                     <a:solidFill>
                       <a:srgbClr val="000000"/>
                     </a:solidFill>
@@ -12036,7 +12036,7 @@
               </a:ln>
               <a:extLst>
                 <a:ext uri="{91240B29-F687-4f45-9708-019B960494DF}">
-                  <a14:hiddenLine xmlns="" xmlns:a14="http://schemas.microsoft.com/office/drawing/2010/main" w="9525">
+                  <a14:hiddenLine xmlns:a14="http://schemas.microsoft.com/office/drawing/2010/main" xmlns="" w="9525">
                     <a:solidFill>
                       <a:srgbClr val="000000"/>
                     </a:solidFill>
@@ -12101,7 +12101,7 @@
               </a:ln>
               <a:extLst>
                 <a:ext uri="{91240B29-F687-4f45-9708-019B960494DF}">
-                  <a14:hiddenLine xmlns="" xmlns:a14="http://schemas.microsoft.com/office/drawing/2010/main" w="9525">
+                  <a14:hiddenLine xmlns:a14="http://schemas.microsoft.com/office/drawing/2010/main" xmlns="" w="9525">
                     <a:solidFill>
                       <a:srgbClr val="000000"/>
                     </a:solidFill>
@@ -12191,7 +12191,7 @@
               </a:ln>
               <a:extLst>
                 <a:ext uri="{91240B29-F687-4f45-9708-019B960494DF}">
-                  <a14:hiddenLine xmlns="" xmlns:a14="http://schemas.microsoft.com/office/drawing/2010/main" w="9525">
+                  <a14:hiddenLine xmlns:a14="http://schemas.microsoft.com/office/drawing/2010/main" xmlns="" w="9525">
                     <a:solidFill>
                       <a:srgbClr val="000000"/>
                     </a:solidFill>
@@ -12259,7 +12259,7 @@
               </a:ln>
               <a:extLst>
                 <a:ext uri="{91240B29-F687-4f45-9708-019B960494DF}">
-                  <a14:hiddenLine xmlns="" xmlns:a14="http://schemas.microsoft.com/office/drawing/2010/main" w="9525">
+                  <a14:hiddenLine xmlns:a14="http://schemas.microsoft.com/office/drawing/2010/main" xmlns="" w="9525">
                     <a:solidFill>
                       <a:srgbClr val="000000"/>
                     </a:solidFill>
@@ -12349,7 +12349,7 @@
               </a:ln>
               <a:extLst>
                 <a:ext uri="{91240B29-F687-4f45-9708-019B960494DF}">
-                  <a14:hiddenLine xmlns="" xmlns:a14="http://schemas.microsoft.com/office/drawing/2010/main" w="9525">
+                  <a14:hiddenLine xmlns:a14="http://schemas.microsoft.com/office/drawing/2010/main" xmlns="" w="9525">
                     <a:solidFill>
                       <a:srgbClr val="000000"/>
                     </a:solidFill>
@@ -12417,7 +12417,7 @@
               </a:ln>
               <a:extLst>
                 <a:ext uri="{91240B29-F687-4f45-9708-019B960494DF}">
-                  <a14:hiddenLine xmlns="" xmlns:a14="http://schemas.microsoft.com/office/drawing/2010/main" w="9525">
+                  <a14:hiddenLine xmlns:a14="http://schemas.microsoft.com/office/drawing/2010/main" xmlns="" w="9525">
                     <a:solidFill>
                       <a:srgbClr val="000000"/>
                     </a:solidFill>
@@ -12507,7 +12507,7 @@
               </a:ln>
               <a:extLst>
                 <a:ext uri="{91240B29-F687-4f45-9708-019B960494DF}">
-                  <a14:hiddenLine xmlns="" xmlns:a14="http://schemas.microsoft.com/office/drawing/2010/main" w="9525">
+                  <a14:hiddenLine xmlns:a14="http://schemas.microsoft.com/office/drawing/2010/main" xmlns="" w="9525">
                     <a:solidFill>
                       <a:srgbClr val="000000"/>
                     </a:solidFill>
@@ -12541,7 +12541,7 @@
               </a:ln>
               <a:extLst>
                 <a:ext uri="{91240B29-F687-4f45-9708-019B960494DF}">
-                  <a14:hiddenLine xmlns="" xmlns:a14="http://schemas.microsoft.com/office/drawing/2010/main" w="9525">
+                  <a14:hiddenLine xmlns:a14="http://schemas.microsoft.com/office/drawing/2010/main" xmlns="" w="9525">
                     <a:solidFill>
                       <a:srgbClr val="000000"/>
                     </a:solidFill>
@@ -12681,7 +12681,7 @@
           <a:p>
             <a:fld id="{1ABC9FED-39D6-411A-ACAB-B2AFC29FF4EB}" type="datetimeFigureOut">
               <a:rPr lang="en-GB" smtClean="0"/>
-              <a:t>02/04/2018</a:t>
+              <a:t>04/04/2018</a:t>
             </a:fld>
             <a:endParaRPr lang="en-GB"/>
           </a:p>
@@ -12792,13 +12792,13 @@
     <p:sldLayoutId id="2147483694" r:id="rId16"/>
     <p:sldLayoutId id="2147483695" r:id="rId17"/>
   </p:sldLayoutIdLst>
-  <mc:AlternateContent xmlns:mc="http://schemas.openxmlformats.org/markup-compatibility/2006">
-    <mc:Choice xmlns:p14="http://schemas.microsoft.com/office/powerpoint/2010/main" Requires="p14">
+  <mc:AlternateContent xmlns:mc="http://schemas.openxmlformats.org/markup-compatibility/2006" xmlns:p14="http://schemas.microsoft.com/office/powerpoint/2010/main">
+    <mc:Choice Requires="p14">
       <p:transition spd="slow">
         <p14:flip dir="r"/>
       </p:transition>
     </mc:Choice>
-    <mc:Fallback>
+    <mc:Fallback xmlns="">
       <p:transition spd="slow">
         <p:fade/>
       </p:transition>
@@ -13216,13 +13216,13 @@
   <p:clrMapOvr>
     <a:masterClrMapping/>
   </p:clrMapOvr>
-  <mc:AlternateContent xmlns:mc="http://schemas.openxmlformats.org/markup-compatibility/2006">
-    <mc:Choice xmlns:p14="http://schemas.microsoft.com/office/powerpoint/2010/main" Requires="p14">
+  <mc:AlternateContent xmlns:mc="http://schemas.openxmlformats.org/markup-compatibility/2006" xmlns:p14="http://schemas.microsoft.com/office/powerpoint/2010/main">
+    <mc:Choice Requires="p14">
       <p:transition spd="slow">
         <p14:flip dir="r"/>
       </p:transition>
     </mc:Choice>
-    <mc:Fallback>
+    <mc:Fallback xmlns="">
       <p:transition spd="slow">
         <p:fade/>
       </p:transition>
@@ -13366,7 +13366,7 @@
   </p:clrMapOvr>
   <mc:AlternateContent xmlns:mc="http://schemas.openxmlformats.org/markup-compatibility/2006">
     <mc:Choice xmlns:p14="http://schemas.microsoft.com/office/powerpoint/2010/main" Requires="p14">
-      <p:transition spd="slow" p14:dur="1250">
+      <p:transition spd="slow">
         <p14:flip dir="l"/>
       </p:transition>
     </mc:Choice>
@@ -13900,13 +13900,13 @@
   <p:clrMapOvr>
     <a:masterClrMapping/>
   </p:clrMapOvr>
-  <mc:AlternateContent xmlns:mc="http://schemas.openxmlformats.org/markup-compatibility/2006">
-    <mc:Choice xmlns:p14="http://schemas.microsoft.com/office/powerpoint/2010/main" Requires="p14">
+  <mc:AlternateContent xmlns:mc="http://schemas.openxmlformats.org/markup-compatibility/2006" xmlns:p14="http://schemas.microsoft.com/office/powerpoint/2010/main">
+    <mc:Choice Requires="p14">
       <p:transition spd="slow">
         <p14:flip dir="r"/>
       </p:transition>
     </mc:Choice>
-    <mc:Fallback>
+    <mc:Fallback xmlns="">
       <p:transition spd="slow">
         <p:fade/>
       </p:transition>
@@ -14498,7 +14498,7 @@
   </p:clrMapOvr>
   <mc:AlternateContent xmlns:mc="http://schemas.openxmlformats.org/markup-compatibility/2006">
     <mc:Choice xmlns:p14="http://schemas.microsoft.com/office/powerpoint/2010/main" Requires="p14">
-      <p:transition spd="slow" p14:dur="1250">
+      <p:transition spd="slow">
         <p14:flip dir="l"/>
       </p:transition>
     </mc:Choice>
@@ -15169,13 +15169,13 @@
   <p:clrMapOvr>
     <a:masterClrMapping/>
   </p:clrMapOvr>
-  <mc:AlternateContent xmlns:mc="http://schemas.openxmlformats.org/markup-compatibility/2006">
-    <mc:Choice xmlns:p14="http://schemas.microsoft.com/office/powerpoint/2010/main" Requires="p14">
+  <mc:AlternateContent xmlns:mc="http://schemas.openxmlformats.org/markup-compatibility/2006" xmlns:p14="http://schemas.microsoft.com/office/powerpoint/2010/main">
+    <mc:Choice Requires="p14">
       <p:transition spd="slow">
         <p14:flip dir="r"/>
       </p:transition>
     </mc:Choice>
-    <mc:Fallback>
+    <mc:Fallback xmlns="">
       <p:transition spd="slow">
         <p:fade/>
       </p:transition>
@@ -15574,7 +15574,7 @@
   </p:clrMapOvr>
   <mc:AlternateContent xmlns:mc="http://schemas.openxmlformats.org/markup-compatibility/2006">
     <mc:Choice xmlns:p14="http://schemas.microsoft.com/office/powerpoint/2010/main" Requires="p14">
-      <p:transition spd="slow" p14:dur="1250">
+      <p:transition spd="slow">
         <p14:flip dir="l"/>
       </p:transition>
     </mc:Choice>

--- a/Topic 4 - AE1.pptx
+++ b/Topic 4 - AE1.pptx
@@ -5,7 +5,7 @@
     <p:sldMasterId id="2147483678" r:id="rId1"/>
   </p:sldMasterIdLst>
   <p:notesMasterIdLst>
-    <p:notesMasterId r:id="rId8"/>
+    <p:notesMasterId r:id="rId9"/>
   </p:notesMasterIdLst>
   <p:sldIdLst>
     <p:sldId id="256" r:id="rId2"/>
@@ -13,7 +13,8 @@
     <p:sldId id="258" r:id="rId4"/>
     <p:sldId id="259" r:id="rId5"/>
     <p:sldId id="261" r:id="rId6"/>
-    <p:sldId id="260" r:id="rId7"/>
+    <p:sldId id="262" r:id="rId7"/>
+    <p:sldId id="260" r:id="rId8"/>
   </p:sldIdLst>
   <p:sldSz cx="12192000" cy="6858000"/>
   <p:notesSz cx="6858000" cy="9144000"/>
@@ -202,7 +203,7 @@
           <a:p>
             <a:fld id="{B90DA824-3E73-4680-A4FF-AE99833251FC}" type="datetimeFigureOut">
               <a:rPr lang="en-GB" smtClean="0"/>
-              <a:t>04/04/2018</a:t>
+              <a:t>06/04/2018</a:t>
             </a:fld>
             <a:endParaRPr lang="en-GB"/>
           </a:p>
@@ -634,7 +635,7 @@
           <a:noFill/>
           <a:extLst>
             <a:ext uri="{909E8E84-426E-40dd-AFC4-6F175D3DCCD1}">
-              <a14:hiddenFill xmlns:a14="http://schemas.microsoft.com/office/drawing/2010/main" xmlns="">
+              <a14:hiddenFill xmlns="" xmlns:a14="http://schemas.microsoft.com/office/drawing/2010/main">
                 <a:solidFill>
                   <a:srgbClr val="FFFFFF"/>
                 </a:solidFill>
@@ -693,7 +694,7 @@
             </a:ln>
             <a:extLst>
               <a:ext uri="{91240B29-F687-4f45-9708-019B960494DF}">
-                <a14:hiddenLine xmlns:a14="http://schemas.microsoft.com/office/drawing/2010/main" xmlns="" w="9525">
+                <a14:hiddenLine xmlns="" xmlns:a14="http://schemas.microsoft.com/office/drawing/2010/main" w="9525">
                   <a:solidFill>
                     <a:srgbClr val="000000"/>
                   </a:solidFill>
@@ -783,7 +784,7 @@
             </a:ln>
             <a:extLst>
               <a:ext uri="{91240B29-F687-4f45-9708-019B960494DF}">
-                <a14:hiddenLine xmlns:a14="http://schemas.microsoft.com/office/drawing/2010/main" xmlns="" w="9525">
+                <a14:hiddenLine xmlns="" xmlns:a14="http://schemas.microsoft.com/office/drawing/2010/main" w="9525">
                   <a:solidFill>
                     <a:srgbClr val="000000"/>
                   </a:solidFill>
@@ -873,7 +874,7 @@
             </a:ln>
             <a:extLst>
               <a:ext uri="{91240B29-F687-4f45-9708-019B960494DF}">
-                <a14:hiddenLine xmlns:a14="http://schemas.microsoft.com/office/drawing/2010/main" xmlns="" w="9525">
+                <a14:hiddenLine xmlns="" xmlns:a14="http://schemas.microsoft.com/office/drawing/2010/main" w="9525">
                   <a:solidFill>
                     <a:srgbClr val="000000"/>
                   </a:solidFill>
@@ -907,7 +908,7 @@
             </a:ln>
             <a:extLst>
               <a:ext uri="{91240B29-F687-4f45-9708-019B960494DF}">
-                <a14:hiddenLine xmlns:a14="http://schemas.microsoft.com/office/drawing/2010/main" xmlns="" w="9525">
+                <a14:hiddenLine xmlns="" xmlns:a14="http://schemas.microsoft.com/office/drawing/2010/main" w="9525">
                   <a:solidFill>
                     <a:srgbClr val="000000"/>
                   </a:solidFill>
@@ -997,7 +998,7 @@
             </a:ln>
             <a:extLst>
               <a:ext uri="{91240B29-F687-4f45-9708-019B960494DF}">
-                <a14:hiddenLine xmlns:a14="http://schemas.microsoft.com/office/drawing/2010/main" xmlns="" w="9525">
+                <a14:hiddenLine xmlns="" xmlns:a14="http://schemas.microsoft.com/office/drawing/2010/main" w="9525">
                   <a:solidFill>
                     <a:srgbClr val="000000"/>
                   </a:solidFill>
@@ -1059,7 +1060,7 @@
             </a:ln>
             <a:extLst>
               <a:ext uri="{91240B29-F687-4f45-9708-019B960494DF}">
-                <a14:hiddenLine xmlns:a14="http://schemas.microsoft.com/office/drawing/2010/main" xmlns="" w="9525">
+                <a14:hiddenLine xmlns="" xmlns:a14="http://schemas.microsoft.com/office/drawing/2010/main" w="9525">
                   <a:solidFill>
                     <a:srgbClr val="000000"/>
                   </a:solidFill>
@@ -1121,7 +1122,7 @@
             </a:ln>
             <a:extLst>
               <a:ext uri="{91240B29-F687-4f45-9708-019B960494DF}">
-                <a14:hiddenLine xmlns:a14="http://schemas.microsoft.com/office/drawing/2010/main" xmlns="" w="9525">
+                <a14:hiddenLine xmlns="" xmlns:a14="http://schemas.microsoft.com/office/drawing/2010/main" w="9525">
                   <a:solidFill>
                     <a:srgbClr val="000000"/>
                   </a:solidFill>
@@ -1211,7 +1212,7 @@
             </a:ln>
             <a:extLst>
               <a:ext uri="{91240B29-F687-4f45-9708-019B960494DF}">
-                <a14:hiddenLine xmlns:a14="http://schemas.microsoft.com/office/drawing/2010/main" xmlns="" w="9525">
+                <a14:hiddenLine xmlns="" xmlns:a14="http://schemas.microsoft.com/office/drawing/2010/main" w="9525">
                   <a:solidFill>
                     <a:srgbClr val="000000"/>
                   </a:solidFill>
@@ -1273,7 +1274,7 @@
             </a:ln>
             <a:extLst>
               <a:ext uri="{91240B29-F687-4f45-9708-019B960494DF}">
-                <a14:hiddenLine xmlns:a14="http://schemas.microsoft.com/office/drawing/2010/main" xmlns="" w="9525">
+                <a14:hiddenLine xmlns="" xmlns:a14="http://schemas.microsoft.com/office/drawing/2010/main" w="9525">
                   <a:solidFill>
                     <a:srgbClr val="000000"/>
                   </a:solidFill>
@@ -1335,7 +1336,7 @@
             </a:ln>
             <a:extLst>
               <a:ext uri="{91240B29-F687-4f45-9708-019B960494DF}">
-                <a14:hiddenLine xmlns:a14="http://schemas.microsoft.com/office/drawing/2010/main" xmlns="" w="9525">
+                <a14:hiddenLine xmlns="" xmlns:a14="http://schemas.microsoft.com/office/drawing/2010/main" w="9525">
                   <a:solidFill>
                     <a:srgbClr val="000000"/>
                   </a:solidFill>
@@ -1425,7 +1426,7 @@
             </a:ln>
             <a:extLst>
               <a:ext uri="{91240B29-F687-4f45-9708-019B960494DF}">
-                <a14:hiddenLine xmlns:a14="http://schemas.microsoft.com/office/drawing/2010/main" xmlns="" w="9525">
+                <a14:hiddenLine xmlns="" xmlns:a14="http://schemas.microsoft.com/office/drawing/2010/main" w="9525">
                   <a:solidFill>
                     <a:srgbClr val="000000"/>
                   </a:solidFill>
@@ -1515,7 +1516,7 @@
             </a:ln>
             <a:extLst>
               <a:ext uri="{91240B29-F687-4f45-9708-019B960494DF}">
-                <a14:hiddenLine xmlns:a14="http://schemas.microsoft.com/office/drawing/2010/main" xmlns="" w="9525">
+                <a14:hiddenLine xmlns="" xmlns:a14="http://schemas.microsoft.com/office/drawing/2010/main" w="9525">
                   <a:solidFill>
                     <a:srgbClr val="000000"/>
                   </a:solidFill>
@@ -1577,7 +1578,7 @@
             </a:ln>
             <a:extLst>
               <a:ext uri="{91240B29-F687-4f45-9708-019B960494DF}">
-                <a14:hiddenLine xmlns:a14="http://schemas.microsoft.com/office/drawing/2010/main" xmlns="" w="9525">
+                <a14:hiddenLine xmlns="" xmlns:a14="http://schemas.microsoft.com/office/drawing/2010/main" w="9525">
                   <a:solidFill>
                     <a:srgbClr val="000000"/>
                   </a:solidFill>
@@ -1687,7 +1688,7 @@
             </a:ln>
             <a:extLst>
               <a:ext uri="{91240B29-F687-4f45-9708-019B960494DF}">
-                <a14:hiddenLine xmlns:a14="http://schemas.microsoft.com/office/drawing/2010/main" xmlns="" w="9525">
+                <a14:hiddenLine xmlns="" xmlns:a14="http://schemas.microsoft.com/office/drawing/2010/main" w="9525">
                   <a:solidFill>
                     <a:srgbClr val="000000"/>
                   </a:solidFill>
@@ -1749,7 +1750,7 @@
             </a:ln>
             <a:extLst>
               <a:ext uri="{91240B29-F687-4f45-9708-019B960494DF}">
-                <a14:hiddenLine xmlns:a14="http://schemas.microsoft.com/office/drawing/2010/main" xmlns="" w="9525">
+                <a14:hiddenLine xmlns="" xmlns:a14="http://schemas.microsoft.com/office/drawing/2010/main" w="9525">
                   <a:solidFill>
                     <a:srgbClr val="000000"/>
                   </a:solidFill>
@@ -1839,7 +1840,7 @@
             </a:ln>
             <a:extLst>
               <a:ext uri="{91240B29-F687-4f45-9708-019B960494DF}">
-                <a14:hiddenLine xmlns:a14="http://schemas.microsoft.com/office/drawing/2010/main" xmlns="" w="9525">
+                <a14:hiddenLine xmlns="" xmlns:a14="http://schemas.microsoft.com/office/drawing/2010/main" w="9525">
                   <a:solidFill>
                     <a:srgbClr val="000000"/>
                   </a:solidFill>
@@ -1929,7 +1930,7 @@
             </a:ln>
             <a:extLst>
               <a:ext uri="{91240B29-F687-4f45-9708-019B960494DF}">
-                <a14:hiddenLine xmlns:a14="http://schemas.microsoft.com/office/drawing/2010/main" xmlns="" w="9525">
+                <a14:hiddenLine xmlns="" xmlns:a14="http://schemas.microsoft.com/office/drawing/2010/main" w="9525">
                   <a:solidFill>
                     <a:srgbClr val="000000"/>
                   </a:solidFill>
@@ -1991,7 +1992,7 @@
             </a:ln>
             <a:extLst>
               <a:ext uri="{91240B29-F687-4f45-9708-019B960494DF}">
-                <a14:hiddenLine xmlns:a14="http://schemas.microsoft.com/office/drawing/2010/main" xmlns="" w="9525">
+                <a14:hiddenLine xmlns="" xmlns:a14="http://schemas.microsoft.com/office/drawing/2010/main" w="9525">
                   <a:solidFill>
                     <a:srgbClr val="000000"/>
                   </a:solidFill>
@@ -2081,7 +2082,7 @@
             </a:ln>
             <a:extLst>
               <a:ext uri="{91240B29-F687-4f45-9708-019B960494DF}">
-                <a14:hiddenLine xmlns:a14="http://schemas.microsoft.com/office/drawing/2010/main" xmlns="" w="9525">
+                <a14:hiddenLine xmlns="" xmlns:a14="http://schemas.microsoft.com/office/drawing/2010/main" w="9525">
                   <a:solidFill>
                     <a:srgbClr val="000000"/>
                   </a:solidFill>
@@ -2171,7 +2172,7 @@
             </a:ln>
             <a:extLst>
               <a:ext uri="{91240B29-F687-4f45-9708-019B960494DF}">
-                <a14:hiddenLine xmlns:a14="http://schemas.microsoft.com/office/drawing/2010/main" xmlns="" w="9525">
+                <a14:hiddenLine xmlns="" xmlns:a14="http://schemas.microsoft.com/office/drawing/2010/main" w="9525">
                   <a:solidFill>
                     <a:srgbClr val="000000"/>
                   </a:solidFill>
@@ -2227,7 +2228,7 @@
             </a:ln>
             <a:extLst>
               <a:ext uri="{91240B29-F687-4f45-9708-019B960494DF}">
-                <a14:hiddenLine xmlns:a14="http://schemas.microsoft.com/office/drawing/2010/main" xmlns="" w="9525">
+                <a14:hiddenLine xmlns="" xmlns:a14="http://schemas.microsoft.com/office/drawing/2010/main" w="9525">
                   <a:solidFill>
                     <a:srgbClr val="000000"/>
                   </a:solidFill>
@@ -2317,7 +2318,7 @@
             </a:ln>
             <a:extLst>
               <a:ext uri="{91240B29-F687-4f45-9708-019B960494DF}">
-                <a14:hiddenLine xmlns:a14="http://schemas.microsoft.com/office/drawing/2010/main" xmlns="" w="9525">
+                <a14:hiddenLine xmlns="" xmlns:a14="http://schemas.microsoft.com/office/drawing/2010/main" w="9525">
                   <a:solidFill>
                     <a:srgbClr val="000000"/>
                   </a:solidFill>
@@ -2373,7 +2374,7 @@
             </a:ln>
             <a:extLst>
               <a:ext uri="{91240B29-F687-4f45-9708-019B960494DF}">
-                <a14:hiddenLine xmlns:a14="http://schemas.microsoft.com/office/drawing/2010/main" xmlns="" w="9525">
+                <a14:hiddenLine xmlns="" xmlns:a14="http://schemas.microsoft.com/office/drawing/2010/main" w="9525">
                   <a:solidFill>
                     <a:srgbClr val="000000"/>
                   </a:solidFill>
@@ -2463,7 +2464,7 @@
             </a:ln>
             <a:extLst>
               <a:ext uri="{91240B29-F687-4f45-9708-019B960494DF}">
-                <a14:hiddenLine xmlns:a14="http://schemas.microsoft.com/office/drawing/2010/main" xmlns="" w="9525">
+                <a14:hiddenLine xmlns="" xmlns:a14="http://schemas.microsoft.com/office/drawing/2010/main" w="9525">
                   <a:solidFill>
                     <a:srgbClr val="000000"/>
                   </a:solidFill>
@@ -2531,7 +2532,7 @@
             </a:ln>
             <a:extLst>
               <a:ext uri="{91240B29-F687-4f45-9708-019B960494DF}">
-                <a14:hiddenLine xmlns:a14="http://schemas.microsoft.com/office/drawing/2010/main" xmlns="" w="9525">
+                <a14:hiddenLine xmlns="" xmlns:a14="http://schemas.microsoft.com/office/drawing/2010/main" w="9525">
                   <a:solidFill>
                     <a:srgbClr val="000000"/>
                   </a:solidFill>
@@ -2621,7 +2622,7 @@
             </a:ln>
             <a:extLst>
               <a:ext uri="{91240B29-F687-4f45-9708-019B960494DF}">
-                <a14:hiddenLine xmlns:a14="http://schemas.microsoft.com/office/drawing/2010/main" xmlns="" w="9525">
+                <a14:hiddenLine xmlns="" xmlns:a14="http://schemas.microsoft.com/office/drawing/2010/main" w="9525">
                   <a:solidFill>
                     <a:srgbClr val="000000"/>
                   </a:solidFill>
@@ -2689,7 +2690,7 @@
             </a:ln>
             <a:extLst>
               <a:ext uri="{91240B29-F687-4f45-9708-019B960494DF}">
-                <a14:hiddenLine xmlns:a14="http://schemas.microsoft.com/office/drawing/2010/main" xmlns="" w="9525">
+                <a14:hiddenLine xmlns="" xmlns:a14="http://schemas.microsoft.com/office/drawing/2010/main" w="9525">
                   <a:solidFill>
                     <a:srgbClr val="000000"/>
                   </a:solidFill>
@@ -2779,7 +2780,7 @@
             </a:ln>
             <a:extLst>
               <a:ext uri="{91240B29-F687-4f45-9708-019B960494DF}">
-                <a14:hiddenLine xmlns:a14="http://schemas.microsoft.com/office/drawing/2010/main" xmlns="" w="9525">
+                <a14:hiddenLine xmlns="" xmlns:a14="http://schemas.microsoft.com/office/drawing/2010/main" w="9525">
                   <a:solidFill>
                     <a:srgbClr val="000000"/>
                   </a:solidFill>
@@ -2813,7 +2814,7 @@
             </a:ln>
             <a:extLst>
               <a:ext uri="{91240B29-F687-4f45-9708-019B960494DF}">
-                <a14:hiddenLine xmlns:a14="http://schemas.microsoft.com/office/drawing/2010/main" xmlns="" w="9525">
+                <a14:hiddenLine xmlns="" xmlns:a14="http://schemas.microsoft.com/office/drawing/2010/main" w="9525">
                   <a:solidFill>
                     <a:srgbClr val="000000"/>
                   </a:solidFill>
@@ -2903,7 +2904,7 @@
             </a:ln>
             <a:extLst>
               <a:ext uri="{91240B29-F687-4f45-9708-019B960494DF}">
-                <a14:hiddenLine xmlns:a14="http://schemas.microsoft.com/office/drawing/2010/main" xmlns="" w="9525">
+                <a14:hiddenLine xmlns="" xmlns:a14="http://schemas.microsoft.com/office/drawing/2010/main" w="9525">
                   <a:solidFill>
                     <a:srgbClr val="000000"/>
                   </a:solidFill>
@@ -2965,7 +2966,7 @@
             </a:ln>
             <a:extLst>
               <a:ext uri="{91240B29-F687-4f45-9708-019B960494DF}">
-                <a14:hiddenLine xmlns:a14="http://schemas.microsoft.com/office/drawing/2010/main" xmlns="" w="9525">
+                <a14:hiddenLine xmlns="" xmlns:a14="http://schemas.microsoft.com/office/drawing/2010/main" w="9525">
                   <a:solidFill>
                     <a:srgbClr val="000000"/>
                   </a:solidFill>
@@ -3027,7 +3028,7 @@
             </a:ln>
             <a:extLst>
               <a:ext uri="{91240B29-F687-4f45-9708-019B960494DF}">
-                <a14:hiddenLine xmlns:a14="http://schemas.microsoft.com/office/drawing/2010/main" xmlns="" w="9525">
+                <a14:hiddenLine xmlns="" xmlns:a14="http://schemas.microsoft.com/office/drawing/2010/main" w="9525">
                   <a:solidFill>
                     <a:srgbClr val="000000"/>
                   </a:solidFill>
@@ -3117,7 +3118,7 @@
             </a:ln>
             <a:extLst>
               <a:ext uri="{91240B29-F687-4f45-9708-019B960494DF}">
-                <a14:hiddenLine xmlns:a14="http://schemas.microsoft.com/office/drawing/2010/main" xmlns="" w="9525">
+                <a14:hiddenLine xmlns="" xmlns:a14="http://schemas.microsoft.com/office/drawing/2010/main" w="9525">
                   <a:solidFill>
                     <a:srgbClr val="000000"/>
                   </a:solidFill>
@@ -3185,7 +3186,7 @@
             </a:ln>
             <a:extLst>
               <a:ext uri="{91240B29-F687-4f45-9708-019B960494DF}">
-                <a14:hiddenLine xmlns:a14="http://schemas.microsoft.com/office/drawing/2010/main" xmlns="" w="9525">
+                <a14:hiddenLine xmlns="" xmlns:a14="http://schemas.microsoft.com/office/drawing/2010/main" w="9525">
                   <a:solidFill>
                     <a:srgbClr val="000000"/>
                   </a:solidFill>
@@ -3247,7 +3248,7 @@
             </a:ln>
             <a:extLst>
               <a:ext uri="{91240B29-F687-4f45-9708-019B960494DF}">
-                <a14:hiddenLine xmlns:a14="http://schemas.microsoft.com/office/drawing/2010/main" xmlns="" w="9525">
+                <a14:hiddenLine xmlns="" xmlns:a14="http://schemas.microsoft.com/office/drawing/2010/main" w="9525">
                   <a:solidFill>
                     <a:srgbClr val="000000"/>
                   </a:solidFill>
@@ -3337,7 +3338,7 @@
             </a:ln>
             <a:extLst>
               <a:ext uri="{91240B29-F687-4f45-9708-019B960494DF}">
-                <a14:hiddenLine xmlns:a14="http://schemas.microsoft.com/office/drawing/2010/main" xmlns="" w="9525">
+                <a14:hiddenLine xmlns="" xmlns:a14="http://schemas.microsoft.com/office/drawing/2010/main" w="9525">
                   <a:solidFill>
                     <a:srgbClr val="000000"/>
                   </a:solidFill>
@@ -3399,7 +3400,7 @@
             </a:ln>
             <a:extLst>
               <a:ext uri="{91240B29-F687-4f45-9708-019B960494DF}">
-                <a14:hiddenLine xmlns:a14="http://schemas.microsoft.com/office/drawing/2010/main" xmlns="" w="9525">
+                <a14:hiddenLine xmlns="" xmlns:a14="http://schemas.microsoft.com/office/drawing/2010/main" w="9525">
                   <a:solidFill>
                     <a:srgbClr val="000000"/>
                   </a:solidFill>
@@ -3489,7 +3490,7 @@
             </a:ln>
             <a:extLst>
               <a:ext uri="{91240B29-F687-4f45-9708-019B960494DF}">
-                <a14:hiddenLine xmlns:a14="http://schemas.microsoft.com/office/drawing/2010/main" xmlns="" w="9525">
+                <a14:hiddenLine xmlns="" xmlns:a14="http://schemas.microsoft.com/office/drawing/2010/main" w="9525">
                   <a:solidFill>
                     <a:srgbClr val="000000"/>
                   </a:solidFill>
@@ -3551,7 +3552,7 @@
             </a:ln>
             <a:extLst>
               <a:ext uri="{91240B29-F687-4f45-9708-019B960494DF}">
-                <a14:hiddenLine xmlns:a14="http://schemas.microsoft.com/office/drawing/2010/main" xmlns="" w="9525">
+                <a14:hiddenLine xmlns="" xmlns:a14="http://schemas.microsoft.com/office/drawing/2010/main" w="9525">
                   <a:solidFill>
                     <a:srgbClr val="000000"/>
                   </a:solidFill>
@@ -3641,7 +3642,7 @@
             </a:ln>
             <a:extLst>
               <a:ext uri="{91240B29-F687-4f45-9708-019B960494DF}">
-                <a14:hiddenLine xmlns:a14="http://schemas.microsoft.com/office/drawing/2010/main" xmlns="" w="9525">
+                <a14:hiddenLine xmlns="" xmlns:a14="http://schemas.microsoft.com/office/drawing/2010/main" w="9525">
                   <a:solidFill>
                     <a:srgbClr val="000000"/>
                   </a:solidFill>
@@ -3675,7 +3676,7 @@
             </a:ln>
             <a:extLst>
               <a:ext uri="{91240B29-F687-4f45-9708-019B960494DF}">
-                <a14:hiddenLine xmlns:a14="http://schemas.microsoft.com/office/drawing/2010/main" xmlns="" w="9525">
+                <a14:hiddenLine xmlns="" xmlns:a14="http://schemas.microsoft.com/office/drawing/2010/main" w="9525">
                   <a:solidFill>
                     <a:srgbClr val="000000"/>
                   </a:solidFill>
@@ -3740,7 +3741,7 @@
             </a:ln>
             <a:extLst>
               <a:ext uri="{91240B29-F687-4f45-9708-019B960494DF}">
-                <a14:hiddenLine xmlns:a14="http://schemas.microsoft.com/office/drawing/2010/main" xmlns="" w="9525">
+                <a14:hiddenLine xmlns="" xmlns:a14="http://schemas.microsoft.com/office/drawing/2010/main" w="9525">
                   <a:solidFill>
                     <a:srgbClr val="000000"/>
                   </a:solidFill>
@@ -3830,7 +3831,7 @@
             </a:ln>
             <a:extLst>
               <a:ext uri="{91240B29-F687-4f45-9708-019B960494DF}">
-                <a14:hiddenLine xmlns:a14="http://schemas.microsoft.com/office/drawing/2010/main" xmlns="" w="9525">
+                <a14:hiddenLine xmlns="" xmlns:a14="http://schemas.microsoft.com/office/drawing/2010/main" w="9525">
                   <a:solidFill>
                     <a:srgbClr val="000000"/>
                   </a:solidFill>
@@ -3892,7 +3893,7 @@
             </a:ln>
             <a:extLst>
               <a:ext uri="{91240B29-F687-4f45-9708-019B960494DF}">
-                <a14:hiddenLine xmlns:a14="http://schemas.microsoft.com/office/drawing/2010/main" xmlns="" w="9525">
+                <a14:hiddenLine xmlns="" xmlns:a14="http://schemas.microsoft.com/office/drawing/2010/main" w="9525">
                   <a:solidFill>
                     <a:srgbClr val="000000"/>
                   </a:solidFill>
@@ -3982,7 +3983,7 @@
             </a:ln>
             <a:extLst>
               <a:ext uri="{91240B29-F687-4f45-9708-019B960494DF}">
-                <a14:hiddenLine xmlns:a14="http://schemas.microsoft.com/office/drawing/2010/main" xmlns="" w="9525">
+                <a14:hiddenLine xmlns="" xmlns:a14="http://schemas.microsoft.com/office/drawing/2010/main" w="9525">
                   <a:solidFill>
                     <a:srgbClr val="000000"/>
                   </a:solidFill>
@@ -4072,7 +4073,7 @@
             </a:ln>
             <a:extLst>
               <a:ext uri="{91240B29-F687-4f45-9708-019B960494DF}">
-                <a14:hiddenLine xmlns:a14="http://schemas.microsoft.com/office/drawing/2010/main" xmlns="" w="9525">
+                <a14:hiddenLine xmlns="" xmlns:a14="http://schemas.microsoft.com/office/drawing/2010/main" w="9525">
                   <a:solidFill>
                     <a:srgbClr val="000000"/>
                   </a:solidFill>
@@ -4137,7 +4138,7 @@
             </a:ln>
             <a:extLst>
               <a:ext uri="{91240B29-F687-4f45-9708-019B960494DF}">
-                <a14:hiddenLine xmlns:a14="http://schemas.microsoft.com/office/drawing/2010/main" xmlns="" w="9525">
+                <a14:hiddenLine xmlns="" xmlns:a14="http://schemas.microsoft.com/office/drawing/2010/main" w="9525">
                   <a:solidFill>
                     <a:srgbClr val="000000"/>
                   </a:solidFill>
@@ -4199,7 +4200,7 @@
             </a:ln>
             <a:extLst>
               <a:ext uri="{91240B29-F687-4f45-9708-019B960494DF}">
-                <a14:hiddenLine xmlns:a14="http://schemas.microsoft.com/office/drawing/2010/main" xmlns="" w="9525">
+                <a14:hiddenLine xmlns="" xmlns:a14="http://schemas.microsoft.com/office/drawing/2010/main" w="9525">
                   <a:solidFill>
                     <a:srgbClr val="000000"/>
                   </a:solidFill>
@@ -4289,7 +4290,7 @@
             </a:ln>
             <a:extLst>
               <a:ext uri="{91240B29-F687-4f45-9708-019B960494DF}">
-                <a14:hiddenLine xmlns:a14="http://schemas.microsoft.com/office/drawing/2010/main" xmlns="" w="9525">
+                <a14:hiddenLine xmlns="" xmlns:a14="http://schemas.microsoft.com/office/drawing/2010/main" w="9525">
                   <a:solidFill>
                     <a:srgbClr val="000000"/>
                   </a:solidFill>
@@ -4379,7 +4380,7 @@
             </a:ln>
             <a:extLst>
               <a:ext uri="{91240B29-F687-4f45-9708-019B960494DF}">
-                <a14:hiddenLine xmlns:a14="http://schemas.microsoft.com/office/drawing/2010/main" xmlns="" w="9525">
+                <a14:hiddenLine xmlns="" xmlns:a14="http://schemas.microsoft.com/office/drawing/2010/main" w="9525">
                   <a:solidFill>
                     <a:srgbClr val="000000"/>
                   </a:solidFill>
@@ -4441,7 +4442,7 @@
             </a:ln>
             <a:extLst>
               <a:ext uri="{91240B29-F687-4f45-9708-019B960494DF}">
-                <a14:hiddenLine xmlns:a14="http://schemas.microsoft.com/office/drawing/2010/main" xmlns="" w="9525">
+                <a14:hiddenLine xmlns="" xmlns:a14="http://schemas.microsoft.com/office/drawing/2010/main" w="9525">
                   <a:solidFill>
                     <a:srgbClr val="000000"/>
                   </a:solidFill>
@@ -4561,7 +4562,7 @@
             </a:ln>
             <a:extLst>
               <a:ext uri="{91240B29-F687-4f45-9708-019B960494DF}">
-                <a14:hiddenLine xmlns:a14="http://schemas.microsoft.com/office/drawing/2010/main" xmlns="" w="9525">
+                <a14:hiddenLine xmlns="" xmlns:a14="http://schemas.microsoft.com/office/drawing/2010/main" w="9525">
                   <a:solidFill>
                     <a:srgbClr val="000000"/>
                   </a:solidFill>
@@ -4629,7 +4630,7 @@
             </a:ln>
             <a:extLst>
               <a:ext uri="{91240B29-F687-4f45-9708-019B960494DF}">
-                <a14:hiddenLine xmlns:a14="http://schemas.microsoft.com/office/drawing/2010/main" xmlns="" w="9525">
+                <a14:hiddenLine xmlns="" xmlns:a14="http://schemas.microsoft.com/office/drawing/2010/main" w="9525">
                   <a:solidFill>
                     <a:srgbClr val="000000"/>
                   </a:solidFill>
@@ -4719,7 +4720,7 @@
             </a:ln>
             <a:extLst>
               <a:ext uri="{91240B29-F687-4f45-9708-019B960494DF}">
-                <a14:hiddenLine xmlns:a14="http://schemas.microsoft.com/office/drawing/2010/main" xmlns="" w="9525">
+                <a14:hiddenLine xmlns="" xmlns:a14="http://schemas.microsoft.com/office/drawing/2010/main" w="9525">
                   <a:solidFill>
                     <a:srgbClr val="000000"/>
                   </a:solidFill>
@@ -4859,7 +4860,7 @@
           <a:p>
             <a:fld id="{1ABC9FED-39D6-411A-ACAB-B2AFC29FF4EB}" type="datetimeFigureOut">
               <a:rPr lang="en-GB" smtClean="0"/>
-              <a:t>04/04/2018</a:t>
+              <a:t>06/04/2018</a:t>
             </a:fld>
             <a:endParaRPr lang="en-GB"/>
           </a:p>
@@ -5138,7 +5139,7 @@
           <a:p>
             <a:fld id="{1ABC9FED-39D6-411A-ACAB-B2AFC29FF4EB}" type="datetimeFigureOut">
               <a:rPr lang="en-GB" smtClean="0"/>
-              <a:t>04/04/2018</a:t>
+              <a:t>06/04/2018</a:t>
             </a:fld>
             <a:endParaRPr lang="en-GB"/>
           </a:p>
@@ -5346,7 +5347,7 @@
           <a:p>
             <a:fld id="{1ABC9FED-39D6-411A-ACAB-B2AFC29FF4EB}" type="datetimeFigureOut">
               <a:rPr lang="en-GB" smtClean="0"/>
-              <a:t>04/04/2018</a:t>
+              <a:t>06/04/2018</a:t>
             </a:fld>
             <a:endParaRPr lang="en-GB"/>
           </a:p>
@@ -5621,7 +5622,7 @@
           <a:p>
             <a:fld id="{1ABC9FED-39D6-411A-ACAB-B2AFC29FF4EB}" type="datetimeFigureOut">
               <a:rPr lang="en-GB" smtClean="0"/>
-              <a:t>04/04/2018</a:t>
+              <a:t>06/04/2018</a:t>
             </a:fld>
             <a:endParaRPr lang="en-GB"/>
           </a:p>
@@ -6067,7 +6068,7 @@
           <a:p>
             <a:fld id="{1ABC9FED-39D6-411A-ACAB-B2AFC29FF4EB}" type="datetimeFigureOut">
               <a:rPr lang="en-GB" smtClean="0"/>
-              <a:t>04/04/2018</a:t>
+              <a:t>06/04/2018</a:t>
             </a:fld>
             <a:endParaRPr lang="en-GB"/>
           </a:p>
@@ -6625,7 +6626,7 @@
           <a:p>
             <a:fld id="{1ABC9FED-39D6-411A-ACAB-B2AFC29FF4EB}" type="datetimeFigureOut">
               <a:rPr lang="en-GB" smtClean="0"/>
-              <a:t>04/04/2018</a:t>
+              <a:t>06/04/2018</a:t>
             </a:fld>
             <a:endParaRPr lang="en-GB"/>
           </a:p>
@@ -7357,7 +7358,7 @@
           <a:p>
             <a:fld id="{1ABC9FED-39D6-411A-ACAB-B2AFC29FF4EB}" type="datetimeFigureOut">
               <a:rPr lang="en-GB" smtClean="0"/>
-              <a:t>04/04/2018</a:t>
+              <a:t>06/04/2018</a:t>
             </a:fld>
             <a:endParaRPr lang="en-GB"/>
           </a:p>
@@ -7539,7 +7540,7 @@
           <a:p>
             <a:fld id="{1ABC9FED-39D6-411A-ACAB-B2AFC29FF4EB}" type="datetimeFigureOut">
               <a:rPr lang="en-GB" smtClean="0"/>
-              <a:t>04/04/2018</a:t>
+              <a:t>06/04/2018</a:t>
             </a:fld>
             <a:endParaRPr lang="en-GB"/>
           </a:p>
@@ -7731,7 +7732,7 @@
           <a:p>
             <a:fld id="{1ABC9FED-39D6-411A-ACAB-B2AFC29FF4EB}" type="datetimeFigureOut">
               <a:rPr lang="en-GB" smtClean="0"/>
-              <a:t>04/04/2018</a:t>
+              <a:t>06/04/2018</a:t>
             </a:fld>
             <a:endParaRPr lang="en-GB"/>
           </a:p>
@@ -7913,7 +7914,7 @@
           <a:p>
             <a:fld id="{1ABC9FED-39D6-411A-ACAB-B2AFC29FF4EB}" type="datetimeFigureOut">
               <a:rPr lang="en-GB" smtClean="0"/>
-              <a:t>04/04/2018</a:t>
+              <a:t>06/04/2018</a:t>
             </a:fld>
             <a:endParaRPr lang="en-GB"/>
           </a:p>
@@ -8175,7 +8176,7 @@
           <a:p>
             <a:fld id="{1ABC9FED-39D6-411A-ACAB-B2AFC29FF4EB}" type="datetimeFigureOut">
               <a:rPr lang="en-GB" smtClean="0"/>
-              <a:t>04/04/2018</a:t>
+              <a:t>06/04/2018</a:t>
             </a:fld>
             <a:endParaRPr lang="en-GB"/>
           </a:p>
@@ -8419,7 +8420,7 @@
           <a:p>
             <a:fld id="{1ABC9FED-39D6-411A-ACAB-B2AFC29FF4EB}" type="datetimeFigureOut">
               <a:rPr lang="en-GB" smtClean="0"/>
-              <a:t>04/04/2018</a:t>
+              <a:t>06/04/2018</a:t>
             </a:fld>
             <a:endParaRPr lang="en-GB"/>
           </a:p>
@@ -8812,7 +8813,7 @@
           <a:p>
             <a:fld id="{1ABC9FED-39D6-411A-ACAB-B2AFC29FF4EB}" type="datetimeFigureOut">
               <a:rPr lang="en-GB" smtClean="0"/>
-              <a:t>04/04/2018</a:t>
+              <a:t>06/04/2018</a:t>
             </a:fld>
             <a:endParaRPr lang="en-GB"/>
           </a:p>
@@ -8942,7 +8943,7 @@
           <a:p>
             <a:fld id="{1ABC9FED-39D6-411A-ACAB-B2AFC29FF4EB}" type="datetimeFigureOut">
               <a:rPr lang="en-GB" smtClean="0"/>
-              <a:t>04/04/2018</a:t>
+              <a:t>06/04/2018</a:t>
             </a:fld>
             <a:endParaRPr lang="en-GB"/>
           </a:p>
@@ -9049,7 +9050,7 @@
           <a:p>
             <a:fld id="{1ABC9FED-39D6-411A-ACAB-B2AFC29FF4EB}" type="datetimeFigureOut">
               <a:rPr lang="en-GB" smtClean="0"/>
-              <a:t>04/04/2018</a:t>
+              <a:t>06/04/2018</a:t>
             </a:fld>
             <a:endParaRPr lang="en-GB"/>
           </a:p>
@@ -9310,7 +9311,7 @@
           <a:p>
             <a:fld id="{1ABC9FED-39D6-411A-ACAB-B2AFC29FF4EB}" type="datetimeFigureOut">
               <a:rPr lang="en-GB" smtClean="0"/>
-              <a:t>04/04/2018</a:t>
+              <a:t>06/04/2018</a:t>
             </a:fld>
             <a:endParaRPr lang="en-GB"/>
           </a:p>
@@ -9602,7 +9603,7 @@
           <a:p>
             <a:fld id="{1ABC9FED-39D6-411A-ACAB-B2AFC29FF4EB}" type="datetimeFigureOut">
               <a:rPr lang="en-GB" smtClean="0"/>
-              <a:t>04/04/2018</a:t>
+              <a:t>06/04/2018</a:t>
             </a:fld>
             <a:endParaRPr lang="en-GB"/>
           </a:p>
@@ -9737,7 +9738,7 @@
           <a:noFill/>
           <a:extLst>
             <a:ext uri="{909E8E84-426E-40dd-AFC4-6F175D3DCCD1}">
-              <a14:hiddenFill xmlns:a14="http://schemas.microsoft.com/office/drawing/2010/main" xmlns="">
+              <a14:hiddenFill xmlns="" xmlns:a14="http://schemas.microsoft.com/office/drawing/2010/main">
                 <a:solidFill>
                   <a:srgbClr val="FFFFFF"/>
                 </a:solidFill>
@@ -9811,7 +9812,7 @@
               </a:ln>
               <a:extLst>
                 <a:ext uri="{91240B29-F687-4f45-9708-019B960494DF}">
-                  <a14:hiddenLine xmlns:a14="http://schemas.microsoft.com/office/drawing/2010/main" xmlns="" w="9525">
+                  <a14:hiddenLine xmlns="" xmlns:a14="http://schemas.microsoft.com/office/drawing/2010/main" w="9525">
                     <a:solidFill>
                       <a:srgbClr val="000000"/>
                     </a:solidFill>
@@ -9901,7 +9902,7 @@
               </a:ln>
               <a:extLst>
                 <a:ext uri="{91240B29-F687-4f45-9708-019B960494DF}">
-                  <a14:hiddenLine xmlns:a14="http://schemas.microsoft.com/office/drawing/2010/main" xmlns="" w="9525">
+                  <a14:hiddenLine xmlns="" xmlns:a14="http://schemas.microsoft.com/office/drawing/2010/main" w="9525">
                     <a:solidFill>
                       <a:srgbClr val="000000"/>
                     </a:solidFill>
@@ -9991,7 +9992,7 @@
               </a:ln>
               <a:extLst>
                 <a:ext uri="{91240B29-F687-4f45-9708-019B960494DF}">
-                  <a14:hiddenLine xmlns:a14="http://schemas.microsoft.com/office/drawing/2010/main" xmlns="" w="9525">
+                  <a14:hiddenLine xmlns="" xmlns:a14="http://schemas.microsoft.com/office/drawing/2010/main" w="9525">
                     <a:solidFill>
                       <a:srgbClr val="000000"/>
                     </a:solidFill>
@@ -10053,7 +10054,7 @@
               </a:ln>
               <a:extLst>
                 <a:ext uri="{91240B29-F687-4f45-9708-019B960494DF}">
-                  <a14:hiddenLine xmlns:a14="http://schemas.microsoft.com/office/drawing/2010/main" xmlns="" w="9525">
+                  <a14:hiddenLine xmlns="" xmlns:a14="http://schemas.microsoft.com/office/drawing/2010/main" w="9525">
                     <a:solidFill>
                       <a:srgbClr val="000000"/>
                     </a:solidFill>
@@ -10143,7 +10144,7 @@
               </a:ln>
               <a:extLst>
                 <a:ext uri="{91240B29-F687-4f45-9708-019B960494DF}">
-                  <a14:hiddenLine xmlns:a14="http://schemas.microsoft.com/office/drawing/2010/main" xmlns="" w="9525">
+                  <a14:hiddenLine xmlns="" xmlns:a14="http://schemas.microsoft.com/office/drawing/2010/main" w="9525">
                     <a:solidFill>
                       <a:srgbClr val="000000"/>
                     </a:solidFill>
@@ -10205,7 +10206,7 @@
               </a:ln>
               <a:extLst>
                 <a:ext uri="{91240B29-F687-4f45-9708-019B960494DF}">
-                  <a14:hiddenLine xmlns:a14="http://schemas.microsoft.com/office/drawing/2010/main" xmlns="" w="9525">
+                  <a14:hiddenLine xmlns="" xmlns:a14="http://schemas.microsoft.com/office/drawing/2010/main" w="9525">
                     <a:solidFill>
                       <a:srgbClr val="000000"/>
                     </a:solidFill>
@@ -10267,7 +10268,7 @@
               </a:ln>
               <a:extLst>
                 <a:ext uri="{91240B29-F687-4f45-9708-019B960494DF}">
-                  <a14:hiddenLine xmlns:a14="http://schemas.microsoft.com/office/drawing/2010/main" xmlns="" w="9525">
+                  <a14:hiddenLine xmlns="" xmlns:a14="http://schemas.microsoft.com/office/drawing/2010/main" w="9525">
                     <a:solidFill>
                       <a:srgbClr val="000000"/>
                     </a:solidFill>
@@ -10357,7 +10358,7 @@
               </a:ln>
               <a:extLst>
                 <a:ext uri="{91240B29-F687-4f45-9708-019B960494DF}">
-                  <a14:hiddenLine xmlns:a14="http://schemas.microsoft.com/office/drawing/2010/main" xmlns="" w="9525">
+                  <a14:hiddenLine xmlns="" xmlns:a14="http://schemas.microsoft.com/office/drawing/2010/main" w="9525">
                     <a:solidFill>
                       <a:srgbClr val="000000"/>
                     </a:solidFill>
@@ -10447,7 +10448,7 @@
               </a:ln>
               <a:extLst>
                 <a:ext uri="{91240B29-F687-4f45-9708-019B960494DF}">
-                  <a14:hiddenLine xmlns:a14="http://schemas.microsoft.com/office/drawing/2010/main" xmlns="" w="9525">
+                  <a14:hiddenLine xmlns="" xmlns:a14="http://schemas.microsoft.com/office/drawing/2010/main" w="9525">
                     <a:solidFill>
                       <a:srgbClr val="000000"/>
                     </a:solidFill>
@@ -10509,7 +10510,7 @@
               </a:ln>
               <a:extLst>
                 <a:ext uri="{91240B29-F687-4f45-9708-019B960494DF}">
-                  <a14:hiddenLine xmlns:a14="http://schemas.microsoft.com/office/drawing/2010/main" xmlns="" w="9525">
+                  <a14:hiddenLine xmlns="" xmlns:a14="http://schemas.microsoft.com/office/drawing/2010/main" w="9525">
                     <a:solidFill>
                       <a:srgbClr val="000000"/>
                     </a:solidFill>
@@ -10619,7 +10620,7 @@
               </a:ln>
               <a:extLst>
                 <a:ext uri="{91240B29-F687-4f45-9708-019B960494DF}">
-                  <a14:hiddenLine xmlns:a14="http://schemas.microsoft.com/office/drawing/2010/main" xmlns="" w="9525">
+                  <a14:hiddenLine xmlns="" xmlns:a14="http://schemas.microsoft.com/office/drawing/2010/main" w="9525">
                     <a:solidFill>
                       <a:srgbClr val="000000"/>
                     </a:solidFill>
@@ -10703,7 +10704,7 @@
               </a:ln>
               <a:extLst>
                 <a:ext uri="{91240B29-F687-4f45-9708-019B960494DF}">
-                  <a14:hiddenLine xmlns:a14="http://schemas.microsoft.com/office/drawing/2010/main" xmlns="" w="9525">
+                  <a14:hiddenLine xmlns="" xmlns:a14="http://schemas.microsoft.com/office/drawing/2010/main" w="9525">
                     <a:solidFill>
                       <a:srgbClr val="000000"/>
                     </a:solidFill>
@@ -10765,7 +10766,7 @@
               </a:ln>
               <a:extLst>
                 <a:ext uri="{91240B29-F687-4f45-9708-019B960494DF}">
-                  <a14:hiddenLine xmlns:a14="http://schemas.microsoft.com/office/drawing/2010/main" xmlns="" w="9525">
+                  <a14:hiddenLine xmlns="" xmlns:a14="http://schemas.microsoft.com/office/drawing/2010/main" w="9525">
                     <a:solidFill>
                       <a:srgbClr val="000000"/>
                     </a:solidFill>
@@ -10827,7 +10828,7 @@
               </a:ln>
               <a:extLst>
                 <a:ext uri="{91240B29-F687-4f45-9708-019B960494DF}">
-                  <a14:hiddenLine xmlns:a14="http://schemas.microsoft.com/office/drawing/2010/main" xmlns="" w="9525">
+                  <a14:hiddenLine xmlns="" xmlns:a14="http://schemas.microsoft.com/office/drawing/2010/main" w="9525">
                     <a:solidFill>
                       <a:srgbClr val="000000"/>
                     </a:solidFill>
@@ -10917,7 +10918,7 @@
               </a:ln>
               <a:extLst>
                 <a:ext uri="{91240B29-F687-4f45-9708-019B960494DF}">
-                  <a14:hiddenLine xmlns:a14="http://schemas.microsoft.com/office/drawing/2010/main" xmlns="" w="9525">
+                  <a14:hiddenLine xmlns="" xmlns:a14="http://schemas.microsoft.com/office/drawing/2010/main" w="9525">
                     <a:solidFill>
                       <a:srgbClr val="000000"/>
                     </a:solidFill>
@@ -10951,7 +10952,7 @@
               </a:ln>
               <a:extLst>
                 <a:ext uri="{91240B29-F687-4f45-9708-019B960494DF}">
-                  <a14:hiddenLine xmlns:a14="http://schemas.microsoft.com/office/drawing/2010/main" xmlns="" w="9525">
+                  <a14:hiddenLine xmlns="" xmlns:a14="http://schemas.microsoft.com/office/drawing/2010/main" w="9525">
                     <a:solidFill>
                       <a:srgbClr val="000000"/>
                     </a:solidFill>
@@ -11016,7 +11017,7 @@
               </a:ln>
               <a:extLst>
                 <a:ext uri="{91240B29-F687-4f45-9708-019B960494DF}">
-                  <a14:hiddenLine xmlns:a14="http://schemas.microsoft.com/office/drawing/2010/main" xmlns="" w="9525">
+                  <a14:hiddenLine xmlns="" xmlns:a14="http://schemas.microsoft.com/office/drawing/2010/main" w="9525">
                     <a:solidFill>
                       <a:srgbClr val="000000"/>
                     </a:solidFill>
@@ -11106,7 +11107,7 @@
               </a:ln>
               <a:extLst>
                 <a:ext uri="{91240B29-F687-4f45-9708-019B960494DF}">
-                  <a14:hiddenLine xmlns:a14="http://schemas.microsoft.com/office/drawing/2010/main" xmlns="" w="9525">
+                  <a14:hiddenLine xmlns="" xmlns:a14="http://schemas.microsoft.com/office/drawing/2010/main" w="9525">
                     <a:solidFill>
                       <a:srgbClr val="000000"/>
                     </a:solidFill>
@@ -11168,7 +11169,7 @@
               </a:ln>
               <a:extLst>
                 <a:ext uri="{91240B29-F687-4f45-9708-019B960494DF}">
-                  <a14:hiddenLine xmlns:a14="http://schemas.microsoft.com/office/drawing/2010/main" xmlns="" w="9525">
+                  <a14:hiddenLine xmlns="" xmlns:a14="http://schemas.microsoft.com/office/drawing/2010/main" w="9525">
                     <a:solidFill>
                       <a:srgbClr val="000000"/>
                     </a:solidFill>
@@ -11258,7 +11259,7 @@
               </a:ln>
               <a:extLst>
                 <a:ext uri="{91240B29-F687-4f45-9708-019B960494DF}">
-                  <a14:hiddenLine xmlns:a14="http://schemas.microsoft.com/office/drawing/2010/main" xmlns="" w="9525">
+                  <a14:hiddenLine xmlns="" xmlns:a14="http://schemas.microsoft.com/office/drawing/2010/main" w="9525">
                     <a:solidFill>
                       <a:srgbClr val="000000"/>
                     </a:solidFill>
@@ -11323,7 +11324,7 @@
               </a:ln>
               <a:extLst>
                 <a:ext uri="{91240B29-F687-4f45-9708-019B960494DF}">
-                  <a14:hiddenLine xmlns:a14="http://schemas.microsoft.com/office/drawing/2010/main" xmlns="" w="9525">
+                  <a14:hiddenLine xmlns="" xmlns:a14="http://schemas.microsoft.com/office/drawing/2010/main" w="9525">
                     <a:solidFill>
                       <a:srgbClr val="000000"/>
                     </a:solidFill>
@@ -11385,7 +11386,7 @@
               </a:ln>
               <a:extLst>
                 <a:ext uri="{91240B29-F687-4f45-9708-019B960494DF}">
-                  <a14:hiddenLine xmlns:a14="http://schemas.microsoft.com/office/drawing/2010/main" xmlns="" w="9525">
+                  <a14:hiddenLine xmlns="" xmlns:a14="http://schemas.microsoft.com/office/drawing/2010/main" w="9525">
                     <a:solidFill>
                       <a:srgbClr val="000000"/>
                     </a:solidFill>
@@ -11475,7 +11476,7 @@
               </a:ln>
               <a:extLst>
                 <a:ext uri="{91240B29-F687-4f45-9708-019B960494DF}">
-                  <a14:hiddenLine xmlns:a14="http://schemas.microsoft.com/office/drawing/2010/main" xmlns="" w="9525">
+                  <a14:hiddenLine xmlns="" xmlns:a14="http://schemas.microsoft.com/office/drawing/2010/main" w="9525">
                     <a:solidFill>
                       <a:srgbClr val="000000"/>
                     </a:solidFill>
@@ -11565,7 +11566,7 @@
               </a:ln>
               <a:extLst>
                 <a:ext uri="{91240B29-F687-4f45-9708-019B960494DF}">
-                  <a14:hiddenLine xmlns:a14="http://schemas.microsoft.com/office/drawing/2010/main" xmlns="" w="9525">
+                  <a14:hiddenLine xmlns="" xmlns:a14="http://schemas.microsoft.com/office/drawing/2010/main" w="9525">
                     <a:solidFill>
                       <a:srgbClr val="000000"/>
                     </a:solidFill>
@@ -11630,7 +11631,7 @@
               </a:ln>
               <a:extLst>
                 <a:ext uri="{91240B29-F687-4f45-9708-019B960494DF}">
-                  <a14:hiddenLine xmlns:a14="http://schemas.microsoft.com/office/drawing/2010/main" xmlns="" w="9525">
+                  <a14:hiddenLine xmlns="" xmlns:a14="http://schemas.microsoft.com/office/drawing/2010/main" w="9525">
                     <a:solidFill>
                       <a:srgbClr val="000000"/>
                     </a:solidFill>
@@ -11750,7 +11751,7 @@
               </a:ln>
               <a:extLst>
                 <a:ext uri="{91240B29-F687-4f45-9708-019B960494DF}">
-                  <a14:hiddenLine xmlns:a14="http://schemas.microsoft.com/office/drawing/2010/main" xmlns="" w="9525">
+                  <a14:hiddenLine xmlns="" xmlns:a14="http://schemas.microsoft.com/office/drawing/2010/main" w="9525">
                     <a:solidFill>
                       <a:srgbClr val="000000"/>
                     </a:solidFill>
@@ -11831,7 +11832,7 @@
               </a:ln>
               <a:extLst>
                 <a:ext uri="{91240B29-F687-4f45-9708-019B960494DF}">
-                  <a14:hiddenLine xmlns:a14="http://schemas.microsoft.com/office/drawing/2010/main" xmlns="" w="9525">
+                  <a14:hiddenLine xmlns="" xmlns:a14="http://schemas.microsoft.com/office/drawing/2010/main" w="9525">
                     <a:solidFill>
                       <a:srgbClr val="000000"/>
                     </a:solidFill>
@@ -11946,7 +11947,7 @@
               </a:ln>
               <a:extLst>
                 <a:ext uri="{91240B29-F687-4f45-9708-019B960494DF}">
-                  <a14:hiddenLine xmlns:a14="http://schemas.microsoft.com/office/drawing/2010/main" xmlns="" w="9525">
+                  <a14:hiddenLine xmlns="" xmlns:a14="http://schemas.microsoft.com/office/drawing/2010/main" w="9525">
                     <a:solidFill>
                       <a:srgbClr val="000000"/>
                     </a:solidFill>
@@ -12036,7 +12037,7 @@
               </a:ln>
               <a:extLst>
                 <a:ext uri="{91240B29-F687-4f45-9708-019B960494DF}">
-                  <a14:hiddenLine xmlns:a14="http://schemas.microsoft.com/office/drawing/2010/main" xmlns="" w="9525">
+                  <a14:hiddenLine xmlns="" xmlns:a14="http://schemas.microsoft.com/office/drawing/2010/main" w="9525">
                     <a:solidFill>
                       <a:srgbClr val="000000"/>
                     </a:solidFill>
@@ -12101,7 +12102,7 @@
               </a:ln>
               <a:extLst>
                 <a:ext uri="{91240B29-F687-4f45-9708-019B960494DF}">
-                  <a14:hiddenLine xmlns:a14="http://schemas.microsoft.com/office/drawing/2010/main" xmlns="" w="9525">
+                  <a14:hiddenLine xmlns="" xmlns:a14="http://schemas.microsoft.com/office/drawing/2010/main" w="9525">
                     <a:solidFill>
                       <a:srgbClr val="000000"/>
                     </a:solidFill>
@@ -12191,7 +12192,7 @@
               </a:ln>
               <a:extLst>
                 <a:ext uri="{91240B29-F687-4f45-9708-019B960494DF}">
-                  <a14:hiddenLine xmlns:a14="http://schemas.microsoft.com/office/drawing/2010/main" xmlns="" w="9525">
+                  <a14:hiddenLine xmlns="" xmlns:a14="http://schemas.microsoft.com/office/drawing/2010/main" w="9525">
                     <a:solidFill>
                       <a:srgbClr val="000000"/>
                     </a:solidFill>
@@ -12259,7 +12260,7 @@
               </a:ln>
               <a:extLst>
                 <a:ext uri="{91240B29-F687-4f45-9708-019B960494DF}">
-                  <a14:hiddenLine xmlns:a14="http://schemas.microsoft.com/office/drawing/2010/main" xmlns="" w="9525">
+                  <a14:hiddenLine xmlns="" xmlns:a14="http://schemas.microsoft.com/office/drawing/2010/main" w="9525">
                     <a:solidFill>
                       <a:srgbClr val="000000"/>
                     </a:solidFill>
@@ -12349,7 +12350,7 @@
               </a:ln>
               <a:extLst>
                 <a:ext uri="{91240B29-F687-4f45-9708-019B960494DF}">
-                  <a14:hiddenLine xmlns:a14="http://schemas.microsoft.com/office/drawing/2010/main" xmlns="" w="9525">
+                  <a14:hiddenLine xmlns="" xmlns:a14="http://schemas.microsoft.com/office/drawing/2010/main" w="9525">
                     <a:solidFill>
                       <a:srgbClr val="000000"/>
                     </a:solidFill>
@@ -12417,7 +12418,7 @@
               </a:ln>
               <a:extLst>
                 <a:ext uri="{91240B29-F687-4f45-9708-019B960494DF}">
-                  <a14:hiddenLine xmlns:a14="http://schemas.microsoft.com/office/drawing/2010/main" xmlns="" w="9525">
+                  <a14:hiddenLine xmlns="" xmlns:a14="http://schemas.microsoft.com/office/drawing/2010/main" w="9525">
                     <a:solidFill>
                       <a:srgbClr val="000000"/>
                     </a:solidFill>
@@ -12507,7 +12508,7 @@
               </a:ln>
               <a:extLst>
                 <a:ext uri="{91240B29-F687-4f45-9708-019B960494DF}">
-                  <a14:hiddenLine xmlns:a14="http://schemas.microsoft.com/office/drawing/2010/main" xmlns="" w="9525">
+                  <a14:hiddenLine xmlns="" xmlns:a14="http://schemas.microsoft.com/office/drawing/2010/main" w="9525">
                     <a:solidFill>
                       <a:srgbClr val="000000"/>
                     </a:solidFill>
@@ -12541,7 +12542,7 @@
               </a:ln>
               <a:extLst>
                 <a:ext uri="{91240B29-F687-4f45-9708-019B960494DF}">
-                  <a14:hiddenLine xmlns:a14="http://schemas.microsoft.com/office/drawing/2010/main" xmlns="" w="9525">
+                  <a14:hiddenLine xmlns="" xmlns:a14="http://schemas.microsoft.com/office/drawing/2010/main" w="9525">
                     <a:solidFill>
                       <a:srgbClr val="000000"/>
                     </a:solidFill>
@@ -12681,7 +12682,7 @@
           <a:p>
             <a:fld id="{1ABC9FED-39D6-411A-ACAB-B2AFC29FF4EB}" type="datetimeFigureOut">
               <a:rPr lang="en-GB" smtClean="0"/>
-              <a:t>04/04/2018</a:t>
+              <a:t>06/04/2018</a:t>
             </a:fld>
             <a:endParaRPr lang="en-GB"/>
           </a:p>
@@ -13364,13 +13365,13 @@
   <p:clrMapOvr>
     <a:masterClrMapping/>
   </p:clrMapOvr>
-  <mc:AlternateContent xmlns:mc="http://schemas.openxmlformats.org/markup-compatibility/2006">
-    <mc:Choice xmlns:p14="http://schemas.microsoft.com/office/powerpoint/2010/main" Requires="p14">
+  <mc:AlternateContent xmlns:mc="http://schemas.openxmlformats.org/markup-compatibility/2006" xmlns:p14="http://schemas.microsoft.com/office/powerpoint/2010/main">
+    <mc:Choice Requires="p14">
       <p:transition spd="slow">
         <p14:flip dir="l"/>
       </p:transition>
     </mc:Choice>
-    <mc:Fallback>
+    <mc:Fallback xmlns="">
       <p:transition spd="slow">
         <p:fade/>
       </p:transition>
@@ -14496,13 +14497,13 @@
   <p:clrMapOvr>
     <a:masterClrMapping/>
   </p:clrMapOvr>
-  <mc:AlternateContent xmlns:mc="http://schemas.openxmlformats.org/markup-compatibility/2006">
-    <mc:Choice xmlns:p14="http://schemas.microsoft.com/office/powerpoint/2010/main" Requires="p14">
+  <mc:AlternateContent xmlns:mc="http://schemas.openxmlformats.org/markup-compatibility/2006" xmlns:p14="http://schemas.microsoft.com/office/powerpoint/2010/main">
+    <mc:Choice Requires="p14">
       <p:transition spd="slow">
         <p14:flip dir="l"/>
       </p:transition>
     </mc:Choice>
-    <mc:Fallback>
+    <mc:Fallback xmlns="">
       <p:transition spd="slow">
         <p:fade/>
       </p:transition>
@@ -15511,6 +15512,420 @@
           <p:cNvPr id="2" name="Title 1">
             <a:extLst>
               <a:ext uri="{FF2B5EF4-FFF2-40B4-BE49-F238E27FC236}">
+                <a16:creationId xmlns:a16="http://schemas.microsoft.com/office/drawing/2014/main" id="{2DBC0FC8-5FE7-4F77-BD72-0CEF0B1A5CB7}"/>
+              </a:ext>
+            </a:extLst>
+          </p:cNvPr>
+          <p:cNvSpPr>
+            <a:spLocks noGrp="1"/>
+          </p:cNvSpPr>
+          <p:nvPr>
+            <p:ph type="title"/>
+          </p:nvPr>
+        </p:nvSpPr>
+        <p:spPr>
+          <a:xfrm>
+            <a:off x="1141413" y="327514"/>
+            <a:ext cx="9905998" cy="1478570"/>
+          </a:xfrm>
+        </p:spPr>
+        <p:txBody>
+          <a:bodyPr/>
+          <a:lstStyle/>
+          <a:p>
+            <a:r>
+              <a:rPr lang="en-GB" dirty="0"/>
+              <a:t>Why were they used?</a:t>
+            </a:r>
+          </a:p>
+        </p:txBody>
+      </p:sp>
+      <p:sp>
+        <p:nvSpPr>
+          <p:cNvPr id="3" name="Content Placeholder 2">
+            <a:extLst>
+              <a:ext uri="{FF2B5EF4-FFF2-40B4-BE49-F238E27FC236}">
+                <a16:creationId xmlns:a16="http://schemas.microsoft.com/office/drawing/2014/main" id="{6BE73775-387F-4935-A019-C96B8393B567}"/>
+              </a:ext>
+            </a:extLst>
+          </p:cNvPr>
+          <p:cNvSpPr>
+            <a:spLocks noGrp="1"/>
+          </p:cNvSpPr>
+          <p:nvPr>
+            <p:ph idx="1"/>
+          </p:nvPr>
+        </p:nvSpPr>
+        <p:spPr>
+          <a:xfrm>
+            <a:off x="1141412" y="1806084"/>
+            <a:ext cx="9905999" cy="4724402"/>
+          </a:xfrm>
+        </p:spPr>
+        <p:txBody>
+          <a:bodyPr/>
+          <a:lstStyle/>
+          <a:p>
+            <a:r>
+              <a:rPr lang="en-GB" dirty="0"/>
+              <a:t>CRC cards were very easy to create due to its simplistic design.</a:t>
+            </a:r>
+          </a:p>
+          <a:p>
+            <a:endParaRPr lang="en-GB" dirty="0"/>
+          </a:p>
+          <a:p>
+            <a:r>
+              <a:rPr lang="en-GB" dirty="0"/>
+              <a:t>They were able to convey more info and easily understandable at the same time.</a:t>
+            </a:r>
+          </a:p>
+          <a:p>
+            <a:endParaRPr lang="en-GB" dirty="0"/>
+          </a:p>
+          <a:p>
+            <a:r>
+              <a:rPr lang="en-GB" dirty="0"/>
+              <a:t>They were used so that the team will be to create the UML Class Diagram and implement classes in the software product easily.</a:t>
+            </a:r>
+          </a:p>
+          <a:p>
+            <a:endParaRPr lang="en-GB" dirty="0"/>
+          </a:p>
+          <a:p>
+            <a:endParaRPr lang="en-GB" dirty="0"/>
+          </a:p>
+          <a:p>
+            <a:endParaRPr lang="en-GB" dirty="0"/>
+          </a:p>
+          <a:p>
+            <a:endParaRPr lang="en-GB" dirty="0"/>
+          </a:p>
+          <a:p>
+            <a:endParaRPr lang="en-GB" dirty="0"/>
+          </a:p>
+          <a:p>
+            <a:endParaRPr lang="en-GB" dirty="0"/>
+          </a:p>
+        </p:txBody>
+      </p:sp>
+    </p:spTree>
+    <p:extLst>
+      <p:ext uri="{BB962C8B-B14F-4D97-AF65-F5344CB8AC3E}">
+        <p14:creationId xmlns:p14="http://schemas.microsoft.com/office/powerpoint/2010/main" val="538648241"/>
+      </p:ext>
+    </p:extLst>
+  </p:cSld>
+  <p:clrMapOvr>
+    <a:masterClrMapping/>
+  </p:clrMapOvr>
+  <mc:AlternateContent xmlns:mc="http://schemas.openxmlformats.org/markup-compatibility/2006">
+    <mc:Choice xmlns:p14="http://schemas.microsoft.com/office/powerpoint/2010/main" Requires="p14">
+      <p:transition spd="slow">
+        <p14:flip dir="l"/>
+      </p:transition>
+    </mc:Choice>
+    <mc:Fallback>
+      <p:transition spd="slow">
+        <p:fade/>
+      </p:transition>
+    </mc:Fallback>
+  </mc:AlternateContent>
+  <p:timing>
+    <p:tnLst>
+      <p:par>
+        <p:cTn id="1" dur="indefinite" restart="never" nodeType="tmRoot">
+          <p:childTnLst>
+            <p:seq concurrent="1" nextAc="seek">
+              <p:cTn id="2" dur="indefinite" nodeType="mainSeq">
+                <p:childTnLst>
+                  <p:par>
+                    <p:cTn id="3" fill="hold">
+                      <p:stCondLst>
+                        <p:cond delay="indefinite"/>
+                      </p:stCondLst>
+                      <p:childTnLst>
+                        <p:par>
+                          <p:cTn id="4" fill="hold">
+                            <p:stCondLst>
+                              <p:cond delay="0"/>
+                            </p:stCondLst>
+                            <p:childTnLst>
+                              <p:par>
+                                <p:cTn id="5" presetID="14" presetClass="entr" presetSubtype="10" fill="hold" grpId="0" nodeType="clickEffect">
+                                  <p:stCondLst>
+                                    <p:cond delay="0"/>
+                                  </p:stCondLst>
+                                  <p:childTnLst>
+                                    <p:set>
+                                      <p:cBhvr>
+                                        <p:cTn id="6" dur="1" fill="hold">
+                                          <p:stCondLst>
+                                            <p:cond delay="0"/>
+                                          </p:stCondLst>
+                                        </p:cTn>
+                                        <p:tgtEl>
+                                          <p:spTgt spid="2"/>
+                                        </p:tgtEl>
+                                        <p:attrNameLst>
+                                          <p:attrName>style.visibility</p:attrName>
+                                        </p:attrNameLst>
+                                      </p:cBhvr>
+                                      <p:to>
+                                        <p:strVal val="visible"/>
+                                      </p:to>
+                                    </p:set>
+                                    <p:animEffect transition="in" filter="randombar(horizontal)">
+                                      <p:cBhvr>
+                                        <p:cTn id="7" dur="500"/>
+                                        <p:tgtEl>
+                                          <p:spTgt spid="2"/>
+                                        </p:tgtEl>
+                                      </p:cBhvr>
+                                    </p:animEffect>
+                                  </p:childTnLst>
+                                </p:cTn>
+                              </p:par>
+                            </p:childTnLst>
+                          </p:cTn>
+                        </p:par>
+                      </p:childTnLst>
+                    </p:cTn>
+                  </p:par>
+                  <p:par>
+                    <p:cTn id="8" fill="hold">
+                      <p:stCondLst>
+                        <p:cond delay="indefinite"/>
+                      </p:stCondLst>
+                      <p:childTnLst>
+                        <p:par>
+                          <p:cTn id="9" fill="hold">
+                            <p:stCondLst>
+                              <p:cond delay="0"/>
+                            </p:stCondLst>
+                            <p:childTnLst>
+                              <p:par>
+                                <p:cTn id="10" presetID="14" presetClass="entr" presetSubtype="10" fill="hold" grpId="0" nodeType="clickEffect">
+                                  <p:stCondLst>
+                                    <p:cond delay="0"/>
+                                  </p:stCondLst>
+                                  <p:childTnLst>
+                                    <p:set>
+                                      <p:cBhvr>
+                                        <p:cTn id="11" dur="1" fill="hold">
+                                          <p:stCondLst>
+                                            <p:cond delay="0"/>
+                                          </p:stCondLst>
+                                        </p:cTn>
+                                        <p:tgtEl>
+                                          <p:spTgt spid="3">
+                                            <p:txEl>
+                                              <p:pRg st="0" end="0"/>
+                                            </p:txEl>
+                                          </p:spTgt>
+                                        </p:tgtEl>
+                                        <p:attrNameLst>
+                                          <p:attrName>style.visibility</p:attrName>
+                                        </p:attrNameLst>
+                                      </p:cBhvr>
+                                      <p:to>
+                                        <p:strVal val="visible"/>
+                                      </p:to>
+                                    </p:set>
+                                    <p:animEffect transition="in" filter="randombar(horizontal)">
+                                      <p:cBhvr>
+                                        <p:cTn id="12" dur="500"/>
+                                        <p:tgtEl>
+                                          <p:spTgt spid="3">
+                                            <p:txEl>
+                                              <p:pRg st="0" end="0"/>
+                                            </p:txEl>
+                                          </p:spTgt>
+                                        </p:tgtEl>
+                                      </p:cBhvr>
+                                    </p:animEffect>
+                                  </p:childTnLst>
+                                </p:cTn>
+                              </p:par>
+                            </p:childTnLst>
+                          </p:cTn>
+                        </p:par>
+                      </p:childTnLst>
+                    </p:cTn>
+                  </p:par>
+                  <p:par>
+                    <p:cTn id="13" fill="hold">
+                      <p:stCondLst>
+                        <p:cond delay="indefinite"/>
+                      </p:stCondLst>
+                      <p:childTnLst>
+                        <p:par>
+                          <p:cTn id="14" fill="hold">
+                            <p:stCondLst>
+                              <p:cond delay="0"/>
+                            </p:stCondLst>
+                            <p:childTnLst>
+                              <p:par>
+                                <p:cTn id="15" presetID="14" presetClass="entr" presetSubtype="10" fill="hold" grpId="0" nodeType="clickEffect">
+                                  <p:stCondLst>
+                                    <p:cond delay="0"/>
+                                  </p:stCondLst>
+                                  <p:childTnLst>
+                                    <p:set>
+                                      <p:cBhvr>
+                                        <p:cTn id="16" dur="1" fill="hold">
+                                          <p:stCondLst>
+                                            <p:cond delay="0"/>
+                                          </p:stCondLst>
+                                        </p:cTn>
+                                        <p:tgtEl>
+                                          <p:spTgt spid="3">
+                                            <p:txEl>
+                                              <p:pRg st="2" end="2"/>
+                                            </p:txEl>
+                                          </p:spTgt>
+                                        </p:tgtEl>
+                                        <p:attrNameLst>
+                                          <p:attrName>style.visibility</p:attrName>
+                                        </p:attrNameLst>
+                                      </p:cBhvr>
+                                      <p:to>
+                                        <p:strVal val="visible"/>
+                                      </p:to>
+                                    </p:set>
+                                    <p:animEffect transition="in" filter="randombar(horizontal)">
+                                      <p:cBhvr>
+                                        <p:cTn id="17" dur="500"/>
+                                        <p:tgtEl>
+                                          <p:spTgt spid="3">
+                                            <p:txEl>
+                                              <p:pRg st="2" end="2"/>
+                                            </p:txEl>
+                                          </p:spTgt>
+                                        </p:tgtEl>
+                                      </p:cBhvr>
+                                    </p:animEffect>
+                                  </p:childTnLst>
+                                </p:cTn>
+                              </p:par>
+                            </p:childTnLst>
+                          </p:cTn>
+                        </p:par>
+                      </p:childTnLst>
+                    </p:cTn>
+                  </p:par>
+                  <p:par>
+                    <p:cTn id="18" fill="hold">
+                      <p:stCondLst>
+                        <p:cond delay="indefinite"/>
+                      </p:stCondLst>
+                      <p:childTnLst>
+                        <p:par>
+                          <p:cTn id="19" fill="hold">
+                            <p:stCondLst>
+                              <p:cond delay="0"/>
+                            </p:stCondLst>
+                            <p:childTnLst>
+                              <p:par>
+                                <p:cTn id="20" presetID="14" presetClass="entr" presetSubtype="10" fill="hold" grpId="0" nodeType="clickEffect">
+                                  <p:stCondLst>
+                                    <p:cond delay="0"/>
+                                  </p:stCondLst>
+                                  <p:childTnLst>
+                                    <p:set>
+                                      <p:cBhvr>
+                                        <p:cTn id="21" dur="1" fill="hold">
+                                          <p:stCondLst>
+                                            <p:cond delay="0"/>
+                                          </p:stCondLst>
+                                        </p:cTn>
+                                        <p:tgtEl>
+                                          <p:spTgt spid="3">
+                                            <p:txEl>
+                                              <p:pRg st="4" end="4"/>
+                                            </p:txEl>
+                                          </p:spTgt>
+                                        </p:tgtEl>
+                                        <p:attrNameLst>
+                                          <p:attrName>style.visibility</p:attrName>
+                                        </p:attrNameLst>
+                                      </p:cBhvr>
+                                      <p:to>
+                                        <p:strVal val="visible"/>
+                                      </p:to>
+                                    </p:set>
+                                    <p:animEffect transition="in" filter="randombar(horizontal)">
+                                      <p:cBhvr>
+                                        <p:cTn id="22" dur="500"/>
+                                        <p:tgtEl>
+                                          <p:spTgt spid="3">
+                                            <p:txEl>
+                                              <p:pRg st="4" end="4"/>
+                                            </p:txEl>
+                                          </p:spTgt>
+                                        </p:tgtEl>
+                                      </p:cBhvr>
+                                    </p:animEffect>
+                                  </p:childTnLst>
+                                </p:cTn>
+                              </p:par>
+                            </p:childTnLst>
+                          </p:cTn>
+                        </p:par>
+                      </p:childTnLst>
+                    </p:cTn>
+                  </p:par>
+                </p:childTnLst>
+              </p:cTn>
+              <p:prevCondLst>
+                <p:cond evt="onPrev" delay="0">
+                  <p:tgtEl>
+                    <p:sldTgt/>
+                  </p:tgtEl>
+                </p:cond>
+              </p:prevCondLst>
+              <p:nextCondLst>
+                <p:cond evt="onNext" delay="0">
+                  <p:tgtEl>
+                    <p:sldTgt/>
+                  </p:tgtEl>
+                </p:cond>
+              </p:nextCondLst>
+            </p:seq>
+          </p:childTnLst>
+        </p:cTn>
+      </p:par>
+    </p:tnLst>
+    <p:bldLst>
+      <p:bldP spid="2" grpId="0"/>
+      <p:bldP spid="3" grpId="0" uiExpand="1" build="p"/>
+    </p:bldLst>
+  </p:timing>
+</p:sld>
+</file>
+
+<file path=ppt/slides/slide7.xml><?xml version="1.0" encoding="utf-8"?>
+<p:sld xmlns:a="http://schemas.openxmlformats.org/drawingml/2006/main" xmlns:r="http://schemas.openxmlformats.org/officeDocument/2006/relationships" xmlns:p="http://schemas.openxmlformats.org/presentationml/2006/main">
+  <p:cSld>
+    <p:spTree>
+      <p:nvGrpSpPr>
+        <p:cNvPr id="1" name=""/>
+        <p:cNvGrpSpPr/>
+        <p:nvPr/>
+      </p:nvGrpSpPr>
+      <p:grpSpPr>
+        <a:xfrm>
+          <a:off x="0" y="0"/>
+          <a:ext cx="0" cy="0"/>
+          <a:chOff x="0" y="0"/>
+          <a:chExt cx="0" cy="0"/>
+        </a:xfrm>
+      </p:grpSpPr>
+      <p:sp>
+        <p:nvSpPr>
+          <p:cNvPr id="2" name="Title 1">
+            <a:extLst>
+              <a:ext uri="{FF2B5EF4-FFF2-40B4-BE49-F238E27FC236}">
                 <a16:creationId xmlns:a16="http://schemas.microsoft.com/office/drawing/2014/main" id="{0B063696-FAEE-41CF-9EDA-2CBA63BE2825}"/>
               </a:ext>
             </a:extLst>
@@ -15575,7 +15990,7 @@
   <mc:AlternateContent xmlns:mc="http://schemas.openxmlformats.org/markup-compatibility/2006">
     <mc:Choice xmlns:p14="http://schemas.microsoft.com/office/powerpoint/2010/main" Requires="p14">
       <p:transition spd="slow">
-        <p14:flip dir="l"/>
+        <p14:flip dir="r"/>
       </p:transition>
     </mc:Choice>
     <mc:Fallback>

--- a/Topic 4 - AE1.pptx
+++ b/Topic 4 - AE1.pptx
@@ -203,7 +203,7 @@
           <a:p>
             <a:fld id="{B90DA824-3E73-4680-A4FF-AE99833251FC}" type="datetimeFigureOut">
               <a:rPr lang="en-GB" smtClean="0"/>
-              <a:t>06/04/2018</a:t>
+              <a:t>10/04/2018</a:t>
             </a:fld>
             <a:endParaRPr lang="en-GB"/>
           </a:p>
@@ -635,7 +635,7 @@
           <a:noFill/>
           <a:extLst>
             <a:ext uri="{909E8E84-426E-40dd-AFC4-6F175D3DCCD1}">
-              <a14:hiddenFill xmlns="" xmlns:a14="http://schemas.microsoft.com/office/drawing/2010/main">
+              <a14:hiddenFill xmlns:a14="http://schemas.microsoft.com/office/drawing/2010/main" xmlns="">
                 <a:solidFill>
                   <a:srgbClr val="FFFFFF"/>
                 </a:solidFill>
@@ -694,7 +694,7 @@
             </a:ln>
             <a:extLst>
               <a:ext uri="{91240B29-F687-4f45-9708-019B960494DF}">
-                <a14:hiddenLine xmlns="" xmlns:a14="http://schemas.microsoft.com/office/drawing/2010/main" w="9525">
+                <a14:hiddenLine xmlns:a14="http://schemas.microsoft.com/office/drawing/2010/main" xmlns="" w="9525">
                   <a:solidFill>
                     <a:srgbClr val="000000"/>
                   </a:solidFill>
@@ -784,7 +784,7 @@
             </a:ln>
             <a:extLst>
               <a:ext uri="{91240B29-F687-4f45-9708-019B960494DF}">
-                <a14:hiddenLine xmlns="" xmlns:a14="http://schemas.microsoft.com/office/drawing/2010/main" w="9525">
+                <a14:hiddenLine xmlns:a14="http://schemas.microsoft.com/office/drawing/2010/main" xmlns="" w="9525">
                   <a:solidFill>
                     <a:srgbClr val="000000"/>
                   </a:solidFill>
@@ -874,7 +874,7 @@
             </a:ln>
             <a:extLst>
               <a:ext uri="{91240B29-F687-4f45-9708-019B960494DF}">
-                <a14:hiddenLine xmlns="" xmlns:a14="http://schemas.microsoft.com/office/drawing/2010/main" w="9525">
+                <a14:hiddenLine xmlns:a14="http://schemas.microsoft.com/office/drawing/2010/main" xmlns="" w="9525">
                   <a:solidFill>
                     <a:srgbClr val="000000"/>
                   </a:solidFill>
@@ -908,7 +908,7 @@
             </a:ln>
             <a:extLst>
               <a:ext uri="{91240B29-F687-4f45-9708-019B960494DF}">
-                <a14:hiddenLine xmlns="" xmlns:a14="http://schemas.microsoft.com/office/drawing/2010/main" w="9525">
+                <a14:hiddenLine xmlns:a14="http://schemas.microsoft.com/office/drawing/2010/main" xmlns="" w="9525">
                   <a:solidFill>
                     <a:srgbClr val="000000"/>
                   </a:solidFill>
@@ -998,7 +998,7 @@
             </a:ln>
             <a:extLst>
               <a:ext uri="{91240B29-F687-4f45-9708-019B960494DF}">
-                <a14:hiddenLine xmlns="" xmlns:a14="http://schemas.microsoft.com/office/drawing/2010/main" w="9525">
+                <a14:hiddenLine xmlns:a14="http://schemas.microsoft.com/office/drawing/2010/main" xmlns="" w="9525">
                   <a:solidFill>
                     <a:srgbClr val="000000"/>
                   </a:solidFill>
@@ -1060,7 +1060,7 @@
             </a:ln>
             <a:extLst>
               <a:ext uri="{91240B29-F687-4f45-9708-019B960494DF}">
-                <a14:hiddenLine xmlns="" xmlns:a14="http://schemas.microsoft.com/office/drawing/2010/main" w="9525">
+                <a14:hiddenLine xmlns:a14="http://schemas.microsoft.com/office/drawing/2010/main" xmlns="" w="9525">
                   <a:solidFill>
                     <a:srgbClr val="000000"/>
                   </a:solidFill>
@@ -1122,7 +1122,7 @@
             </a:ln>
             <a:extLst>
               <a:ext uri="{91240B29-F687-4f45-9708-019B960494DF}">
-                <a14:hiddenLine xmlns="" xmlns:a14="http://schemas.microsoft.com/office/drawing/2010/main" w="9525">
+                <a14:hiddenLine xmlns:a14="http://schemas.microsoft.com/office/drawing/2010/main" xmlns="" w="9525">
                   <a:solidFill>
                     <a:srgbClr val="000000"/>
                   </a:solidFill>
@@ -1212,7 +1212,7 @@
             </a:ln>
             <a:extLst>
               <a:ext uri="{91240B29-F687-4f45-9708-019B960494DF}">
-                <a14:hiddenLine xmlns="" xmlns:a14="http://schemas.microsoft.com/office/drawing/2010/main" w="9525">
+                <a14:hiddenLine xmlns:a14="http://schemas.microsoft.com/office/drawing/2010/main" xmlns="" w="9525">
                   <a:solidFill>
                     <a:srgbClr val="000000"/>
                   </a:solidFill>
@@ -1274,7 +1274,7 @@
             </a:ln>
             <a:extLst>
               <a:ext uri="{91240B29-F687-4f45-9708-019B960494DF}">
-                <a14:hiddenLine xmlns="" xmlns:a14="http://schemas.microsoft.com/office/drawing/2010/main" w="9525">
+                <a14:hiddenLine xmlns:a14="http://schemas.microsoft.com/office/drawing/2010/main" xmlns="" w="9525">
                   <a:solidFill>
                     <a:srgbClr val="000000"/>
                   </a:solidFill>
@@ -1336,7 +1336,7 @@
             </a:ln>
             <a:extLst>
               <a:ext uri="{91240B29-F687-4f45-9708-019B960494DF}">
-                <a14:hiddenLine xmlns="" xmlns:a14="http://schemas.microsoft.com/office/drawing/2010/main" w="9525">
+                <a14:hiddenLine xmlns:a14="http://schemas.microsoft.com/office/drawing/2010/main" xmlns="" w="9525">
                   <a:solidFill>
                     <a:srgbClr val="000000"/>
                   </a:solidFill>
@@ -1426,7 +1426,7 @@
             </a:ln>
             <a:extLst>
               <a:ext uri="{91240B29-F687-4f45-9708-019B960494DF}">
-                <a14:hiddenLine xmlns="" xmlns:a14="http://schemas.microsoft.com/office/drawing/2010/main" w="9525">
+                <a14:hiddenLine xmlns:a14="http://schemas.microsoft.com/office/drawing/2010/main" xmlns="" w="9525">
                   <a:solidFill>
                     <a:srgbClr val="000000"/>
                   </a:solidFill>
@@ -1516,7 +1516,7 @@
             </a:ln>
             <a:extLst>
               <a:ext uri="{91240B29-F687-4f45-9708-019B960494DF}">
-                <a14:hiddenLine xmlns="" xmlns:a14="http://schemas.microsoft.com/office/drawing/2010/main" w="9525">
+                <a14:hiddenLine xmlns:a14="http://schemas.microsoft.com/office/drawing/2010/main" xmlns="" w="9525">
                   <a:solidFill>
                     <a:srgbClr val="000000"/>
                   </a:solidFill>
@@ -1578,7 +1578,7 @@
             </a:ln>
             <a:extLst>
               <a:ext uri="{91240B29-F687-4f45-9708-019B960494DF}">
-                <a14:hiddenLine xmlns="" xmlns:a14="http://schemas.microsoft.com/office/drawing/2010/main" w="9525">
+                <a14:hiddenLine xmlns:a14="http://schemas.microsoft.com/office/drawing/2010/main" xmlns="" w="9525">
                   <a:solidFill>
                     <a:srgbClr val="000000"/>
                   </a:solidFill>
@@ -1688,7 +1688,7 @@
             </a:ln>
             <a:extLst>
               <a:ext uri="{91240B29-F687-4f45-9708-019B960494DF}">
-                <a14:hiddenLine xmlns="" xmlns:a14="http://schemas.microsoft.com/office/drawing/2010/main" w="9525">
+                <a14:hiddenLine xmlns:a14="http://schemas.microsoft.com/office/drawing/2010/main" xmlns="" w="9525">
                   <a:solidFill>
                     <a:srgbClr val="000000"/>
                   </a:solidFill>
@@ -1750,7 +1750,7 @@
             </a:ln>
             <a:extLst>
               <a:ext uri="{91240B29-F687-4f45-9708-019B960494DF}">
-                <a14:hiddenLine xmlns="" xmlns:a14="http://schemas.microsoft.com/office/drawing/2010/main" w="9525">
+                <a14:hiddenLine xmlns:a14="http://schemas.microsoft.com/office/drawing/2010/main" xmlns="" w="9525">
                   <a:solidFill>
                     <a:srgbClr val="000000"/>
                   </a:solidFill>
@@ -1840,7 +1840,7 @@
             </a:ln>
             <a:extLst>
               <a:ext uri="{91240B29-F687-4f45-9708-019B960494DF}">
-                <a14:hiddenLine xmlns="" xmlns:a14="http://schemas.microsoft.com/office/drawing/2010/main" w="9525">
+                <a14:hiddenLine xmlns:a14="http://schemas.microsoft.com/office/drawing/2010/main" xmlns="" w="9525">
                   <a:solidFill>
                     <a:srgbClr val="000000"/>
                   </a:solidFill>
@@ -1930,7 +1930,7 @@
             </a:ln>
             <a:extLst>
               <a:ext uri="{91240B29-F687-4f45-9708-019B960494DF}">
-                <a14:hiddenLine xmlns="" xmlns:a14="http://schemas.microsoft.com/office/drawing/2010/main" w="9525">
+                <a14:hiddenLine xmlns:a14="http://schemas.microsoft.com/office/drawing/2010/main" xmlns="" w="9525">
                   <a:solidFill>
                     <a:srgbClr val="000000"/>
                   </a:solidFill>
@@ -1992,7 +1992,7 @@
             </a:ln>
             <a:extLst>
               <a:ext uri="{91240B29-F687-4f45-9708-019B960494DF}">
-                <a14:hiddenLine xmlns="" xmlns:a14="http://schemas.microsoft.com/office/drawing/2010/main" w="9525">
+                <a14:hiddenLine xmlns:a14="http://schemas.microsoft.com/office/drawing/2010/main" xmlns="" w="9525">
                   <a:solidFill>
                     <a:srgbClr val="000000"/>
                   </a:solidFill>
@@ -2082,7 +2082,7 @@
             </a:ln>
             <a:extLst>
               <a:ext uri="{91240B29-F687-4f45-9708-019B960494DF}">
-                <a14:hiddenLine xmlns="" xmlns:a14="http://schemas.microsoft.com/office/drawing/2010/main" w="9525">
+                <a14:hiddenLine xmlns:a14="http://schemas.microsoft.com/office/drawing/2010/main" xmlns="" w="9525">
                   <a:solidFill>
                     <a:srgbClr val="000000"/>
                   </a:solidFill>
@@ -2172,7 +2172,7 @@
             </a:ln>
             <a:extLst>
               <a:ext uri="{91240B29-F687-4f45-9708-019B960494DF}">
-                <a14:hiddenLine xmlns="" xmlns:a14="http://schemas.microsoft.com/office/drawing/2010/main" w="9525">
+                <a14:hiddenLine xmlns:a14="http://schemas.microsoft.com/office/drawing/2010/main" xmlns="" w="9525">
                   <a:solidFill>
                     <a:srgbClr val="000000"/>
                   </a:solidFill>
@@ -2228,7 +2228,7 @@
             </a:ln>
             <a:extLst>
               <a:ext uri="{91240B29-F687-4f45-9708-019B960494DF}">
-                <a14:hiddenLine xmlns="" xmlns:a14="http://schemas.microsoft.com/office/drawing/2010/main" w="9525">
+                <a14:hiddenLine xmlns:a14="http://schemas.microsoft.com/office/drawing/2010/main" xmlns="" w="9525">
                   <a:solidFill>
                     <a:srgbClr val="000000"/>
                   </a:solidFill>
@@ -2318,7 +2318,7 @@
             </a:ln>
             <a:extLst>
               <a:ext uri="{91240B29-F687-4f45-9708-019B960494DF}">
-                <a14:hiddenLine xmlns="" xmlns:a14="http://schemas.microsoft.com/office/drawing/2010/main" w="9525">
+                <a14:hiddenLine xmlns:a14="http://schemas.microsoft.com/office/drawing/2010/main" xmlns="" w="9525">
                   <a:solidFill>
                     <a:srgbClr val="000000"/>
                   </a:solidFill>
@@ -2374,7 +2374,7 @@
             </a:ln>
             <a:extLst>
               <a:ext uri="{91240B29-F687-4f45-9708-019B960494DF}">
-                <a14:hiddenLine xmlns="" xmlns:a14="http://schemas.microsoft.com/office/drawing/2010/main" w="9525">
+                <a14:hiddenLine xmlns:a14="http://schemas.microsoft.com/office/drawing/2010/main" xmlns="" w="9525">
                   <a:solidFill>
                     <a:srgbClr val="000000"/>
                   </a:solidFill>
@@ -2464,7 +2464,7 @@
             </a:ln>
             <a:extLst>
               <a:ext uri="{91240B29-F687-4f45-9708-019B960494DF}">
-                <a14:hiddenLine xmlns="" xmlns:a14="http://schemas.microsoft.com/office/drawing/2010/main" w="9525">
+                <a14:hiddenLine xmlns:a14="http://schemas.microsoft.com/office/drawing/2010/main" xmlns="" w="9525">
                   <a:solidFill>
                     <a:srgbClr val="000000"/>
                   </a:solidFill>
@@ -2532,7 +2532,7 @@
             </a:ln>
             <a:extLst>
               <a:ext uri="{91240B29-F687-4f45-9708-019B960494DF}">
-                <a14:hiddenLine xmlns="" xmlns:a14="http://schemas.microsoft.com/office/drawing/2010/main" w="9525">
+                <a14:hiddenLine xmlns:a14="http://schemas.microsoft.com/office/drawing/2010/main" xmlns="" w="9525">
                   <a:solidFill>
                     <a:srgbClr val="000000"/>
                   </a:solidFill>
@@ -2622,7 +2622,7 @@
             </a:ln>
             <a:extLst>
               <a:ext uri="{91240B29-F687-4f45-9708-019B960494DF}">
-                <a14:hiddenLine xmlns="" xmlns:a14="http://schemas.microsoft.com/office/drawing/2010/main" w="9525">
+                <a14:hiddenLine xmlns:a14="http://schemas.microsoft.com/office/drawing/2010/main" xmlns="" w="9525">
                   <a:solidFill>
                     <a:srgbClr val="000000"/>
                   </a:solidFill>
@@ -2690,7 +2690,7 @@
             </a:ln>
             <a:extLst>
               <a:ext uri="{91240B29-F687-4f45-9708-019B960494DF}">
-                <a14:hiddenLine xmlns="" xmlns:a14="http://schemas.microsoft.com/office/drawing/2010/main" w="9525">
+                <a14:hiddenLine xmlns:a14="http://schemas.microsoft.com/office/drawing/2010/main" xmlns="" w="9525">
                   <a:solidFill>
                     <a:srgbClr val="000000"/>
                   </a:solidFill>
@@ -2780,7 +2780,7 @@
             </a:ln>
             <a:extLst>
               <a:ext uri="{91240B29-F687-4f45-9708-019B960494DF}">
-                <a14:hiddenLine xmlns="" xmlns:a14="http://schemas.microsoft.com/office/drawing/2010/main" w="9525">
+                <a14:hiddenLine xmlns:a14="http://schemas.microsoft.com/office/drawing/2010/main" xmlns="" w="9525">
                   <a:solidFill>
                     <a:srgbClr val="000000"/>
                   </a:solidFill>
@@ -2814,7 +2814,7 @@
             </a:ln>
             <a:extLst>
               <a:ext uri="{91240B29-F687-4f45-9708-019B960494DF}">
-                <a14:hiddenLine xmlns="" xmlns:a14="http://schemas.microsoft.com/office/drawing/2010/main" w="9525">
+                <a14:hiddenLine xmlns:a14="http://schemas.microsoft.com/office/drawing/2010/main" xmlns="" w="9525">
                   <a:solidFill>
                     <a:srgbClr val="000000"/>
                   </a:solidFill>
@@ -2904,7 +2904,7 @@
             </a:ln>
             <a:extLst>
               <a:ext uri="{91240B29-F687-4f45-9708-019B960494DF}">
-                <a14:hiddenLine xmlns="" xmlns:a14="http://schemas.microsoft.com/office/drawing/2010/main" w="9525">
+                <a14:hiddenLine xmlns:a14="http://schemas.microsoft.com/office/drawing/2010/main" xmlns="" w="9525">
                   <a:solidFill>
                     <a:srgbClr val="000000"/>
                   </a:solidFill>
@@ -2966,7 +2966,7 @@
             </a:ln>
             <a:extLst>
               <a:ext uri="{91240B29-F687-4f45-9708-019B960494DF}">
-                <a14:hiddenLine xmlns="" xmlns:a14="http://schemas.microsoft.com/office/drawing/2010/main" w="9525">
+                <a14:hiddenLine xmlns:a14="http://schemas.microsoft.com/office/drawing/2010/main" xmlns="" w="9525">
                   <a:solidFill>
                     <a:srgbClr val="000000"/>
                   </a:solidFill>
@@ -3028,7 +3028,7 @@
             </a:ln>
             <a:extLst>
               <a:ext uri="{91240B29-F687-4f45-9708-019B960494DF}">
-                <a14:hiddenLine xmlns="" xmlns:a14="http://schemas.microsoft.com/office/drawing/2010/main" w="9525">
+                <a14:hiddenLine xmlns:a14="http://schemas.microsoft.com/office/drawing/2010/main" xmlns="" w="9525">
                   <a:solidFill>
                     <a:srgbClr val="000000"/>
                   </a:solidFill>
@@ -3118,7 +3118,7 @@
             </a:ln>
             <a:extLst>
               <a:ext uri="{91240B29-F687-4f45-9708-019B960494DF}">
-                <a14:hiddenLine xmlns="" xmlns:a14="http://schemas.microsoft.com/office/drawing/2010/main" w="9525">
+                <a14:hiddenLine xmlns:a14="http://schemas.microsoft.com/office/drawing/2010/main" xmlns="" w="9525">
                   <a:solidFill>
                     <a:srgbClr val="000000"/>
                   </a:solidFill>
@@ -3186,7 +3186,7 @@
             </a:ln>
             <a:extLst>
               <a:ext uri="{91240B29-F687-4f45-9708-019B960494DF}">
-                <a14:hiddenLine xmlns="" xmlns:a14="http://schemas.microsoft.com/office/drawing/2010/main" w="9525">
+                <a14:hiddenLine xmlns:a14="http://schemas.microsoft.com/office/drawing/2010/main" xmlns="" w="9525">
                   <a:solidFill>
                     <a:srgbClr val="000000"/>
                   </a:solidFill>
@@ -3248,7 +3248,7 @@
             </a:ln>
             <a:extLst>
               <a:ext uri="{91240B29-F687-4f45-9708-019B960494DF}">
-                <a14:hiddenLine xmlns="" xmlns:a14="http://schemas.microsoft.com/office/drawing/2010/main" w="9525">
+                <a14:hiddenLine xmlns:a14="http://schemas.microsoft.com/office/drawing/2010/main" xmlns="" w="9525">
                   <a:solidFill>
                     <a:srgbClr val="000000"/>
                   </a:solidFill>
@@ -3338,7 +3338,7 @@
             </a:ln>
             <a:extLst>
               <a:ext uri="{91240B29-F687-4f45-9708-019B960494DF}">
-                <a14:hiddenLine xmlns="" xmlns:a14="http://schemas.microsoft.com/office/drawing/2010/main" w="9525">
+                <a14:hiddenLine xmlns:a14="http://schemas.microsoft.com/office/drawing/2010/main" xmlns="" w="9525">
                   <a:solidFill>
                     <a:srgbClr val="000000"/>
                   </a:solidFill>
@@ -3400,7 +3400,7 @@
             </a:ln>
             <a:extLst>
               <a:ext uri="{91240B29-F687-4f45-9708-019B960494DF}">
-                <a14:hiddenLine xmlns="" xmlns:a14="http://schemas.microsoft.com/office/drawing/2010/main" w="9525">
+                <a14:hiddenLine xmlns:a14="http://schemas.microsoft.com/office/drawing/2010/main" xmlns="" w="9525">
                   <a:solidFill>
                     <a:srgbClr val="000000"/>
                   </a:solidFill>
@@ -3490,7 +3490,7 @@
             </a:ln>
             <a:extLst>
               <a:ext uri="{91240B29-F687-4f45-9708-019B960494DF}">
-                <a14:hiddenLine xmlns="" xmlns:a14="http://schemas.microsoft.com/office/drawing/2010/main" w="9525">
+                <a14:hiddenLine xmlns:a14="http://schemas.microsoft.com/office/drawing/2010/main" xmlns="" w="9525">
                   <a:solidFill>
                     <a:srgbClr val="000000"/>
                   </a:solidFill>
@@ -3552,7 +3552,7 @@
             </a:ln>
             <a:extLst>
               <a:ext uri="{91240B29-F687-4f45-9708-019B960494DF}">
-                <a14:hiddenLine xmlns="" xmlns:a14="http://schemas.microsoft.com/office/drawing/2010/main" w="9525">
+                <a14:hiddenLine xmlns:a14="http://schemas.microsoft.com/office/drawing/2010/main" xmlns="" w="9525">
                   <a:solidFill>
                     <a:srgbClr val="000000"/>
                   </a:solidFill>
@@ -3642,7 +3642,7 @@
             </a:ln>
             <a:extLst>
               <a:ext uri="{91240B29-F687-4f45-9708-019B960494DF}">
-                <a14:hiddenLine xmlns="" xmlns:a14="http://schemas.microsoft.com/office/drawing/2010/main" w="9525">
+                <a14:hiddenLine xmlns:a14="http://schemas.microsoft.com/office/drawing/2010/main" xmlns="" w="9525">
                   <a:solidFill>
                     <a:srgbClr val="000000"/>
                   </a:solidFill>
@@ -3676,7 +3676,7 @@
             </a:ln>
             <a:extLst>
               <a:ext uri="{91240B29-F687-4f45-9708-019B960494DF}">
-                <a14:hiddenLine xmlns="" xmlns:a14="http://schemas.microsoft.com/office/drawing/2010/main" w="9525">
+                <a14:hiddenLine xmlns:a14="http://schemas.microsoft.com/office/drawing/2010/main" xmlns="" w="9525">
                   <a:solidFill>
                     <a:srgbClr val="000000"/>
                   </a:solidFill>
@@ -3741,7 +3741,7 @@
             </a:ln>
             <a:extLst>
               <a:ext uri="{91240B29-F687-4f45-9708-019B960494DF}">
-                <a14:hiddenLine xmlns="" xmlns:a14="http://schemas.microsoft.com/office/drawing/2010/main" w="9525">
+                <a14:hiddenLine xmlns:a14="http://schemas.microsoft.com/office/drawing/2010/main" xmlns="" w="9525">
                   <a:solidFill>
                     <a:srgbClr val="000000"/>
                   </a:solidFill>
@@ -3831,7 +3831,7 @@
             </a:ln>
             <a:extLst>
               <a:ext uri="{91240B29-F687-4f45-9708-019B960494DF}">
-                <a14:hiddenLine xmlns="" xmlns:a14="http://schemas.microsoft.com/office/drawing/2010/main" w="9525">
+                <a14:hiddenLine xmlns:a14="http://schemas.microsoft.com/office/drawing/2010/main" xmlns="" w="9525">
                   <a:solidFill>
                     <a:srgbClr val="000000"/>
                   </a:solidFill>
@@ -3893,7 +3893,7 @@
             </a:ln>
             <a:extLst>
               <a:ext uri="{91240B29-F687-4f45-9708-019B960494DF}">
-                <a14:hiddenLine xmlns="" xmlns:a14="http://schemas.microsoft.com/office/drawing/2010/main" w="9525">
+                <a14:hiddenLine xmlns:a14="http://schemas.microsoft.com/office/drawing/2010/main" xmlns="" w="9525">
                   <a:solidFill>
                     <a:srgbClr val="000000"/>
                   </a:solidFill>
@@ -3983,7 +3983,7 @@
             </a:ln>
             <a:extLst>
               <a:ext uri="{91240B29-F687-4f45-9708-019B960494DF}">
-                <a14:hiddenLine xmlns="" xmlns:a14="http://schemas.microsoft.com/office/drawing/2010/main" w="9525">
+                <a14:hiddenLine xmlns:a14="http://schemas.microsoft.com/office/drawing/2010/main" xmlns="" w="9525">
                   <a:solidFill>
                     <a:srgbClr val="000000"/>
                   </a:solidFill>
@@ -4073,7 +4073,7 @@
             </a:ln>
             <a:extLst>
               <a:ext uri="{91240B29-F687-4f45-9708-019B960494DF}">
-                <a14:hiddenLine xmlns="" xmlns:a14="http://schemas.microsoft.com/office/drawing/2010/main" w="9525">
+                <a14:hiddenLine xmlns:a14="http://schemas.microsoft.com/office/drawing/2010/main" xmlns="" w="9525">
                   <a:solidFill>
                     <a:srgbClr val="000000"/>
                   </a:solidFill>
@@ -4138,7 +4138,7 @@
             </a:ln>
             <a:extLst>
               <a:ext uri="{91240B29-F687-4f45-9708-019B960494DF}">
-                <a14:hiddenLine xmlns="" xmlns:a14="http://schemas.microsoft.com/office/drawing/2010/main" w="9525">
+                <a14:hiddenLine xmlns:a14="http://schemas.microsoft.com/office/drawing/2010/main" xmlns="" w="9525">
                   <a:solidFill>
                     <a:srgbClr val="000000"/>
                   </a:solidFill>
@@ -4200,7 +4200,7 @@
             </a:ln>
             <a:extLst>
               <a:ext uri="{91240B29-F687-4f45-9708-019B960494DF}">
-                <a14:hiddenLine xmlns="" xmlns:a14="http://schemas.microsoft.com/office/drawing/2010/main" w="9525">
+                <a14:hiddenLine xmlns:a14="http://schemas.microsoft.com/office/drawing/2010/main" xmlns="" w="9525">
                   <a:solidFill>
                     <a:srgbClr val="000000"/>
                   </a:solidFill>
@@ -4290,7 +4290,7 @@
             </a:ln>
             <a:extLst>
               <a:ext uri="{91240B29-F687-4f45-9708-019B960494DF}">
-                <a14:hiddenLine xmlns="" xmlns:a14="http://schemas.microsoft.com/office/drawing/2010/main" w="9525">
+                <a14:hiddenLine xmlns:a14="http://schemas.microsoft.com/office/drawing/2010/main" xmlns="" w="9525">
                   <a:solidFill>
                     <a:srgbClr val="000000"/>
                   </a:solidFill>
@@ -4380,7 +4380,7 @@
             </a:ln>
             <a:extLst>
               <a:ext uri="{91240B29-F687-4f45-9708-019B960494DF}">
-                <a14:hiddenLine xmlns="" xmlns:a14="http://schemas.microsoft.com/office/drawing/2010/main" w="9525">
+                <a14:hiddenLine xmlns:a14="http://schemas.microsoft.com/office/drawing/2010/main" xmlns="" w="9525">
                   <a:solidFill>
                     <a:srgbClr val="000000"/>
                   </a:solidFill>
@@ -4442,7 +4442,7 @@
             </a:ln>
             <a:extLst>
               <a:ext uri="{91240B29-F687-4f45-9708-019B960494DF}">
-                <a14:hiddenLine xmlns="" xmlns:a14="http://schemas.microsoft.com/office/drawing/2010/main" w="9525">
+                <a14:hiddenLine xmlns:a14="http://schemas.microsoft.com/office/drawing/2010/main" xmlns="" w="9525">
                   <a:solidFill>
                     <a:srgbClr val="000000"/>
                   </a:solidFill>
@@ -4562,7 +4562,7 @@
             </a:ln>
             <a:extLst>
               <a:ext uri="{91240B29-F687-4f45-9708-019B960494DF}">
-                <a14:hiddenLine xmlns="" xmlns:a14="http://schemas.microsoft.com/office/drawing/2010/main" w="9525">
+                <a14:hiddenLine xmlns:a14="http://schemas.microsoft.com/office/drawing/2010/main" xmlns="" w="9525">
                   <a:solidFill>
                     <a:srgbClr val="000000"/>
                   </a:solidFill>
@@ -4630,7 +4630,7 @@
             </a:ln>
             <a:extLst>
               <a:ext uri="{91240B29-F687-4f45-9708-019B960494DF}">
-                <a14:hiddenLine xmlns="" xmlns:a14="http://schemas.microsoft.com/office/drawing/2010/main" w="9525">
+                <a14:hiddenLine xmlns:a14="http://schemas.microsoft.com/office/drawing/2010/main" xmlns="" w="9525">
                   <a:solidFill>
                     <a:srgbClr val="000000"/>
                   </a:solidFill>
@@ -4720,7 +4720,7 @@
             </a:ln>
             <a:extLst>
               <a:ext uri="{91240B29-F687-4f45-9708-019B960494DF}">
-                <a14:hiddenLine xmlns="" xmlns:a14="http://schemas.microsoft.com/office/drawing/2010/main" w="9525">
+                <a14:hiddenLine xmlns:a14="http://schemas.microsoft.com/office/drawing/2010/main" xmlns="" w="9525">
                   <a:solidFill>
                     <a:srgbClr val="000000"/>
                   </a:solidFill>
@@ -4860,7 +4860,7 @@
           <a:p>
             <a:fld id="{1ABC9FED-39D6-411A-ACAB-B2AFC29FF4EB}" type="datetimeFigureOut">
               <a:rPr lang="en-GB" smtClean="0"/>
-              <a:t>06/04/2018</a:t>
+              <a:t>10/04/2018</a:t>
             </a:fld>
             <a:endParaRPr lang="en-GB"/>
           </a:p>
@@ -5139,7 +5139,7 @@
           <a:p>
             <a:fld id="{1ABC9FED-39D6-411A-ACAB-B2AFC29FF4EB}" type="datetimeFigureOut">
               <a:rPr lang="en-GB" smtClean="0"/>
-              <a:t>06/04/2018</a:t>
+              <a:t>10/04/2018</a:t>
             </a:fld>
             <a:endParaRPr lang="en-GB"/>
           </a:p>
@@ -5347,7 +5347,7 @@
           <a:p>
             <a:fld id="{1ABC9FED-39D6-411A-ACAB-B2AFC29FF4EB}" type="datetimeFigureOut">
               <a:rPr lang="en-GB" smtClean="0"/>
-              <a:t>06/04/2018</a:t>
+              <a:t>10/04/2018</a:t>
             </a:fld>
             <a:endParaRPr lang="en-GB"/>
           </a:p>
@@ -5622,7 +5622,7 @@
           <a:p>
             <a:fld id="{1ABC9FED-39D6-411A-ACAB-B2AFC29FF4EB}" type="datetimeFigureOut">
               <a:rPr lang="en-GB" smtClean="0"/>
-              <a:t>06/04/2018</a:t>
+              <a:t>10/04/2018</a:t>
             </a:fld>
             <a:endParaRPr lang="en-GB"/>
           </a:p>
@@ -6068,7 +6068,7 @@
           <a:p>
             <a:fld id="{1ABC9FED-39D6-411A-ACAB-B2AFC29FF4EB}" type="datetimeFigureOut">
               <a:rPr lang="en-GB" smtClean="0"/>
-              <a:t>06/04/2018</a:t>
+              <a:t>10/04/2018</a:t>
             </a:fld>
             <a:endParaRPr lang="en-GB"/>
           </a:p>
@@ -6626,7 +6626,7 @@
           <a:p>
             <a:fld id="{1ABC9FED-39D6-411A-ACAB-B2AFC29FF4EB}" type="datetimeFigureOut">
               <a:rPr lang="en-GB" smtClean="0"/>
-              <a:t>06/04/2018</a:t>
+              <a:t>10/04/2018</a:t>
             </a:fld>
             <a:endParaRPr lang="en-GB"/>
           </a:p>
@@ -7358,7 +7358,7 @@
           <a:p>
             <a:fld id="{1ABC9FED-39D6-411A-ACAB-B2AFC29FF4EB}" type="datetimeFigureOut">
               <a:rPr lang="en-GB" smtClean="0"/>
-              <a:t>06/04/2018</a:t>
+              <a:t>10/04/2018</a:t>
             </a:fld>
             <a:endParaRPr lang="en-GB"/>
           </a:p>
@@ -7540,7 +7540,7 @@
           <a:p>
             <a:fld id="{1ABC9FED-39D6-411A-ACAB-B2AFC29FF4EB}" type="datetimeFigureOut">
               <a:rPr lang="en-GB" smtClean="0"/>
-              <a:t>06/04/2018</a:t>
+              <a:t>10/04/2018</a:t>
             </a:fld>
             <a:endParaRPr lang="en-GB"/>
           </a:p>
@@ -7732,7 +7732,7 @@
           <a:p>
             <a:fld id="{1ABC9FED-39D6-411A-ACAB-B2AFC29FF4EB}" type="datetimeFigureOut">
               <a:rPr lang="en-GB" smtClean="0"/>
-              <a:t>06/04/2018</a:t>
+              <a:t>10/04/2018</a:t>
             </a:fld>
             <a:endParaRPr lang="en-GB"/>
           </a:p>
@@ -7914,7 +7914,7 @@
           <a:p>
             <a:fld id="{1ABC9FED-39D6-411A-ACAB-B2AFC29FF4EB}" type="datetimeFigureOut">
               <a:rPr lang="en-GB" smtClean="0"/>
-              <a:t>06/04/2018</a:t>
+              <a:t>10/04/2018</a:t>
             </a:fld>
             <a:endParaRPr lang="en-GB"/>
           </a:p>
@@ -8176,7 +8176,7 @@
           <a:p>
             <a:fld id="{1ABC9FED-39D6-411A-ACAB-B2AFC29FF4EB}" type="datetimeFigureOut">
               <a:rPr lang="en-GB" smtClean="0"/>
-              <a:t>06/04/2018</a:t>
+              <a:t>10/04/2018</a:t>
             </a:fld>
             <a:endParaRPr lang="en-GB"/>
           </a:p>
@@ -8420,7 +8420,7 @@
           <a:p>
             <a:fld id="{1ABC9FED-39D6-411A-ACAB-B2AFC29FF4EB}" type="datetimeFigureOut">
               <a:rPr lang="en-GB" smtClean="0"/>
-              <a:t>06/04/2018</a:t>
+              <a:t>10/04/2018</a:t>
             </a:fld>
             <a:endParaRPr lang="en-GB"/>
           </a:p>
@@ -8813,7 +8813,7 @@
           <a:p>
             <a:fld id="{1ABC9FED-39D6-411A-ACAB-B2AFC29FF4EB}" type="datetimeFigureOut">
               <a:rPr lang="en-GB" smtClean="0"/>
-              <a:t>06/04/2018</a:t>
+              <a:t>10/04/2018</a:t>
             </a:fld>
             <a:endParaRPr lang="en-GB"/>
           </a:p>
@@ -8943,7 +8943,7 @@
           <a:p>
             <a:fld id="{1ABC9FED-39D6-411A-ACAB-B2AFC29FF4EB}" type="datetimeFigureOut">
               <a:rPr lang="en-GB" smtClean="0"/>
-              <a:t>06/04/2018</a:t>
+              <a:t>10/04/2018</a:t>
             </a:fld>
             <a:endParaRPr lang="en-GB"/>
           </a:p>
@@ -9050,7 +9050,7 @@
           <a:p>
             <a:fld id="{1ABC9FED-39D6-411A-ACAB-B2AFC29FF4EB}" type="datetimeFigureOut">
               <a:rPr lang="en-GB" smtClean="0"/>
-              <a:t>06/04/2018</a:t>
+              <a:t>10/04/2018</a:t>
             </a:fld>
             <a:endParaRPr lang="en-GB"/>
           </a:p>
@@ -9311,7 +9311,7 @@
           <a:p>
             <a:fld id="{1ABC9FED-39D6-411A-ACAB-B2AFC29FF4EB}" type="datetimeFigureOut">
               <a:rPr lang="en-GB" smtClean="0"/>
-              <a:t>06/04/2018</a:t>
+              <a:t>10/04/2018</a:t>
             </a:fld>
             <a:endParaRPr lang="en-GB"/>
           </a:p>
@@ -9603,7 +9603,7 @@
           <a:p>
             <a:fld id="{1ABC9FED-39D6-411A-ACAB-B2AFC29FF4EB}" type="datetimeFigureOut">
               <a:rPr lang="en-GB" smtClean="0"/>
-              <a:t>06/04/2018</a:t>
+              <a:t>10/04/2018</a:t>
             </a:fld>
             <a:endParaRPr lang="en-GB"/>
           </a:p>
@@ -9738,7 +9738,7 @@
           <a:noFill/>
           <a:extLst>
             <a:ext uri="{909E8E84-426E-40dd-AFC4-6F175D3DCCD1}">
-              <a14:hiddenFill xmlns="" xmlns:a14="http://schemas.microsoft.com/office/drawing/2010/main">
+              <a14:hiddenFill xmlns:a14="http://schemas.microsoft.com/office/drawing/2010/main" xmlns="">
                 <a:solidFill>
                   <a:srgbClr val="FFFFFF"/>
                 </a:solidFill>
@@ -9812,7 +9812,7 @@
               </a:ln>
               <a:extLst>
                 <a:ext uri="{91240B29-F687-4f45-9708-019B960494DF}">
-                  <a14:hiddenLine xmlns="" xmlns:a14="http://schemas.microsoft.com/office/drawing/2010/main" w="9525">
+                  <a14:hiddenLine xmlns:a14="http://schemas.microsoft.com/office/drawing/2010/main" xmlns="" w="9525">
                     <a:solidFill>
                       <a:srgbClr val="000000"/>
                     </a:solidFill>
@@ -9902,7 +9902,7 @@
               </a:ln>
               <a:extLst>
                 <a:ext uri="{91240B29-F687-4f45-9708-019B960494DF}">
-                  <a14:hiddenLine xmlns="" xmlns:a14="http://schemas.microsoft.com/office/drawing/2010/main" w="9525">
+                  <a14:hiddenLine xmlns:a14="http://schemas.microsoft.com/office/drawing/2010/main" xmlns="" w="9525">
                     <a:solidFill>
                       <a:srgbClr val="000000"/>
                     </a:solidFill>
@@ -9992,7 +9992,7 @@
               </a:ln>
               <a:extLst>
                 <a:ext uri="{91240B29-F687-4f45-9708-019B960494DF}">
-                  <a14:hiddenLine xmlns="" xmlns:a14="http://schemas.microsoft.com/office/drawing/2010/main" w="9525">
+                  <a14:hiddenLine xmlns:a14="http://schemas.microsoft.com/office/drawing/2010/main" xmlns="" w="9525">
                     <a:solidFill>
                       <a:srgbClr val="000000"/>
                     </a:solidFill>
@@ -10054,7 +10054,7 @@
               </a:ln>
               <a:extLst>
                 <a:ext uri="{91240B29-F687-4f45-9708-019B960494DF}">
-                  <a14:hiddenLine xmlns="" xmlns:a14="http://schemas.microsoft.com/office/drawing/2010/main" w="9525">
+                  <a14:hiddenLine xmlns:a14="http://schemas.microsoft.com/office/drawing/2010/main" xmlns="" w="9525">
                     <a:solidFill>
                       <a:srgbClr val="000000"/>
                     </a:solidFill>
@@ -10144,7 +10144,7 @@
               </a:ln>
               <a:extLst>
                 <a:ext uri="{91240B29-F687-4f45-9708-019B960494DF}">
-                  <a14:hiddenLine xmlns="" xmlns:a14="http://schemas.microsoft.com/office/drawing/2010/main" w="9525">
+                  <a14:hiddenLine xmlns:a14="http://schemas.microsoft.com/office/drawing/2010/main" xmlns="" w="9525">
                     <a:solidFill>
                       <a:srgbClr val="000000"/>
                     </a:solidFill>
@@ -10206,7 +10206,7 @@
               </a:ln>
               <a:extLst>
                 <a:ext uri="{91240B29-F687-4f45-9708-019B960494DF}">
-                  <a14:hiddenLine xmlns="" xmlns:a14="http://schemas.microsoft.com/office/drawing/2010/main" w="9525">
+                  <a14:hiddenLine xmlns:a14="http://schemas.microsoft.com/office/drawing/2010/main" xmlns="" w="9525">
                     <a:solidFill>
                       <a:srgbClr val="000000"/>
                     </a:solidFill>
@@ -10268,7 +10268,7 @@
               </a:ln>
               <a:extLst>
                 <a:ext uri="{91240B29-F687-4f45-9708-019B960494DF}">
-                  <a14:hiddenLine xmlns="" xmlns:a14="http://schemas.microsoft.com/office/drawing/2010/main" w="9525">
+                  <a14:hiddenLine xmlns:a14="http://schemas.microsoft.com/office/drawing/2010/main" xmlns="" w="9525">
                     <a:solidFill>
                       <a:srgbClr val="000000"/>
                     </a:solidFill>
@@ -10358,7 +10358,7 @@
               </a:ln>
               <a:extLst>
                 <a:ext uri="{91240B29-F687-4f45-9708-019B960494DF}">
-                  <a14:hiddenLine xmlns="" xmlns:a14="http://schemas.microsoft.com/office/drawing/2010/main" w="9525">
+                  <a14:hiddenLine xmlns:a14="http://schemas.microsoft.com/office/drawing/2010/main" xmlns="" w="9525">
                     <a:solidFill>
                       <a:srgbClr val="000000"/>
                     </a:solidFill>
@@ -10448,7 +10448,7 @@
               </a:ln>
               <a:extLst>
                 <a:ext uri="{91240B29-F687-4f45-9708-019B960494DF}">
-                  <a14:hiddenLine xmlns="" xmlns:a14="http://schemas.microsoft.com/office/drawing/2010/main" w="9525">
+                  <a14:hiddenLine xmlns:a14="http://schemas.microsoft.com/office/drawing/2010/main" xmlns="" w="9525">
                     <a:solidFill>
                       <a:srgbClr val="000000"/>
                     </a:solidFill>
@@ -10510,7 +10510,7 @@
               </a:ln>
               <a:extLst>
                 <a:ext uri="{91240B29-F687-4f45-9708-019B960494DF}">
-                  <a14:hiddenLine xmlns="" xmlns:a14="http://schemas.microsoft.com/office/drawing/2010/main" w="9525">
+                  <a14:hiddenLine xmlns:a14="http://schemas.microsoft.com/office/drawing/2010/main" xmlns="" w="9525">
                     <a:solidFill>
                       <a:srgbClr val="000000"/>
                     </a:solidFill>
@@ -10620,7 +10620,7 @@
               </a:ln>
               <a:extLst>
                 <a:ext uri="{91240B29-F687-4f45-9708-019B960494DF}">
-                  <a14:hiddenLine xmlns="" xmlns:a14="http://schemas.microsoft.com/office/drawing/2010/main" w="9525">
+                  <a14:hiddenLine xmlns:a14="http://schemas.microsoft.com/office/drawing/2010/main" xmlns="" w="9525">
                     <a:solidFill>
                       <a:srgbClr val="000000"/>
                     </a:solidFill>
@@ -10704,7 +10704,7 @@
               </a:ln>
               <a:extLst>
                 <a:ext uri="{91240B29-F687-4f45-9708-019B960494DF}">
-                  <a14:hiddenLine xmlns="" xmlns:a14="http://schemas.microsoft.com/office/drawing/2010/main" w="9525">
+                  <a14:hiddenLine xmlns:a14="http://schemas.microsoft.com/office/drawing/2010/main" xmlns="" w="9525">
                     <a:solidFill>
                       <a:srgbClr val="000000"/>
                     </a:solidFill>
@@ -10766,7 +10766,7 @@
               </a:ln>
               <a:extLst>
                 <a:ext uri="{91240B29-F687-4f45-9708-019B960494DF}">
-                  <a14:hiddenLine xmlns="" xmlns:a14="http://schemas.microsoft.com/office/drawing/2010/main" w="9525">
+                  <a14:hiddenLine xmlns:a14="http://schemas.microsoft.com/office/drawing/2010/main" xmlns="" w="9525">
                     <a:solidFill>
                       <a:srgbClr val="000000"/>
                     </a:solidFill>
@@ -10828,7 +10828,7 @@
               </a:ln>
               <a:extLst>
                 <a:ext uri="{91240B29-F687-4f45-9708-019B960494DF}">
-                  <a14:hiddenLine xmlns="" xmlns:a14="http://schemas.microsoft.com/office/drawing/2010/main" w="9525">
+                  <a14:hiddenLine xmlns:a14="http://schemas.microsoft.com/office/drawing/2010/main" xmlns="" w="9525">
                     <a:solidFill>
                       <a:srgbClr val="000000"/>
                     </a:solidFill>
@@ -10918,7 +10918,7 @@
               </a:ln>
               <a:extLst>
                 <a:ext uri="{91240B29-F687-4f45-9708-019B960494DF}">
-                  <a14:hiddenLine xmlns="" xmlns:a14="http://schemas.microsoft.com/office/drawing/2010/main" w="9525">
+                  <a14:hiddenLine xmlns:a14="http://schemas.microsoft.com/office/drawing/2010/main" xmlns="" w="9525">
                     <a:solidFill>
                       <a:srgbClr val="000000"/>
                     </a:solidFill>
@@ -10952,7 +10952,7 @@
               </a:ln>
               <a:extLst>
                 <a:ext uri="{91240B29-F687-4f45-9708-019B960494DF}">
-                  <a14:hiddenLine xmlns="" xmlns:a14="http://schemas.microsoft.com/office/drawing/2010/main" w="9525">
+                  <a14:hiddenLine xmlns:a14="http://schemas.microsoft.com/office/drawing/2010/main" xmlns="" w="9525">
                     <a:solidFill>
                       <a:srgbClr val="000000"/>
                     </a:solidFill>
@@ -11017,7 +11017,7 @@
               </a:ln>
               <a:extLst>
                 <a:ext uri="{91240B29-F687-4f45-9708-019B960494DF}">
-                  <a14:hiddenLine xmlns="" xmlns:a14="http://schemas.microsoft.com/office/drawing/2010/main" w="9525">
+                  <a14:hiddenLine xmlns:a14="http://schemas.microsoft.com/office/drawing/2010/main" xmlns="" w="9525">
                     <a:solidFill>
                       <a:srgbClr val="000000"/>
                     </a:solidFill>
@@ -11107,7 +11107,7 @@
               </a:ln>
               <a:extLst>
                 <a:ext uri="{91240B29-F687-4f45-9708-019B960494DF}">
-                  <a14:hiddenLine xmlns="" xmlns:a14="http://schemas.microsoft.com/office/drawing/2010/main" w="9525">
+                  <a14:hiddenLine xmlns:a14="http://schemas.microsoft.com/office/drawing/2010/main" xmlns="" w="9525">
                     <a:solidFill>
                       <a:srgbClr val="000000"/>
                     </a:solidFill>
@@ -11169,7 +11169,7 @@
               </a:ln>
               <a:extLst>
                 <a:ext uri="{91240B29-F687-4f45-9708-019B960494DF}">
-                  <a14:hiddenLine xmlns="" xmlns:a14="http://schemas.microsoft.com/office/drawing/2010/main" w="9525">
+                  <a14:hiddenLine xmlns:a14="http://schemas.microsoft.com/office/drawing/2010/main" xmlns="" w="9525">
                     <a:solidFill>
                       <a:srgbClr val="000000"/>
                     </a:solidFill>
@@ -11259,7 +11259,7 @@
               </a:ln>
               <a:extLst>
                 <a:ext uri="{91240B29-F687-4f45-9708-019B960494DF}">
-                  <a14:hiddenLine xmlns="" xmlns:a14="http://schemas.microsoft.com/office/drawing/2010/main" w="9525">
+                  <a14:hiddenLine xmlns:a14="http://schemas.microsoft.com/office/drawing/2010/main" xmlns="" w="9525">
                     <a:solidFill>
                       <a:srgbClr val="000000"/>
                     </a:solidFill>
@@ -11324,7 +11324,7 @@
               </a:ln>
               <a:extLst>
                 <a:ext uri="{91240B29-F687-4f45-9708-019B960494DF}">
-                  <a14:hiddenLine xmlns="" xmlns:a14="http://schemas.microsoft.com/office/drawing/2010/main" w="9525">
+                  <a14:hiddenLine xmlns:a14="http://schemas.microsoft.com/office/drawing/2010/main" xmlns="" w="9525">
                     <a:solidFill>
                       <a:srgbClr val="000000"/>
                     </a:solidFill>
@@ -11386,7 +11386,7 @@
               </a:ln>
               <a:extLst>
                 <a:ext uri="{91240B29-F687-4f45-9708-019B960494DF}">
-                  <a14:hiddenLine xmlns="" xmlns:a14="http://schemas.microsoft.com/office/drawing/2010/main" w="9525">
+                  <a14:hiddenLine xmlns:a14="http://schemas.microsoft.com/office/drawing/2010/main" xmlns="" w="9525">
                     <a:solidFill>
                       <a:srgbClr val="000000"/>
                     </a:solidFill>
@@ -11476,7 +11476,7 @@
               </a:ln>
               <a:extLst>
                 <a:ext uri="{91240B29-F687-4f45-9708-019B960494DF}">
-                  <a14:hiddenLine xmlns="" xmlns:a14="http://schemas.microsoft.com/office/drawing/2010/main" w="9525">
+                  <a14:hiddenLine xmlns:a14="http://schemas.microsoft.com/office/drawing/2010/main" xmlns="" w="9525">
                     <a:solidFill>
                       <a:srgbClr val="000000"/>
                     </a:solidFill>
@@ -11566,7 +11566,7 @@
               </a:ln>
               <a:extLst>
                 <a:ext uri="{91240B29-F687-4f45-9708-019B960494DF}">
-                  <a14:hiddenLine xmlns="" xmlns:a14="http://schemas.microsoft.com/office/drawing/2010/main" w="9525">
+                  <a14:hiddenLine xmlns:a14="http://schemas.microsoft.com/office/drawing/2010/main" xmlns="" w="9525">
                     <a:solidFill>
                       <a:srgbClr val="000000"/>
                     </a:solidFill>
@@ -11631,7 +11631,7 @@
               </a:ln>
               <a:extLst>
                 <a:ext uri="{91240B29-F687-4f45-9708-019B960494DF}">
-                  <a14:hiddenLine xmlns="" xmlns:a14="http://schemas.microsoft.com/office/drawing/2010/main" w="9525">
+                  <a14:hiddenLine xmlns:a14="http://schemas.microsoft.com/office/drawing/2010/main" xmlns="" w="9525">
                     <a:solidFill>
                       <a:srgbClr val="000000"/>
                     </a:solidFill>
@@ -11751,7 +11751,7 @@
               </a:ln>
               <a:extLst>
                 <a:ext uri="{91240B29-F687-4f45-9708-019B960494DF}">
-                  <a14:hiddenLine xmlns="" xmlns:a14="http://schemas.microsoft.com/office/drawing/2010/main" w="9525">
+                  <a14:hiddenLine xmlns:a14="http://schemas.microsoft.com/office/drawing/2010/main" xmlns="" w="9525">
                     <a:solidFill>
                       <a:srgbClr val="000000"/>
                     </a:solidFill>
@@ -11832,7 +11832,7 @@
               </a:ln>
               <a:extLst>
                 <a:ext uri="{91240B29-F687-4f45-9708-019B960494DF}">
-                  <a14:hiddenLine xmlns="" xmlns:a14="http://schemas.microsoft.com/office/drawing/2010/main" w="9525">
+                  <a14:hiddenLine xmlns:a14="http://schemas.microsoft.com/office/drawing/2010/main" xmlns="" w="9525">
                     <a:solidFill>
                       <a:srgbClr val="000000"/>
                     </a:solidFill>
@@ -11947,7 +11947,7 @@
               </a:ln>
               <a:extLst>
                 <a:ext uri="{91240B29-F687-4f45-9708-019B960494DF}">
-                  <a14:hiddenLine xmlns="" xmlns:a14="http://schemas.microsoft.com/office/drawing/2010/main" w="9525">
+                  <a14:hiddenLine xmlns:a14="http://schemas.microsoft.com/office/drawing/2010/main" xmlns="" w="9525">
                     <a:solidFill>
                       <a:srgbClr val="000000"/>
                     </a:solidFill>
@@ -12037,7 +12037,7 @@
               </a:ln>
               <a:extLst>
                 <a:ext uri="{91240B29-F687-4f45-9708-019B960494DF}">
-                  <a14:hiddenLine xmlns="" xmlns:a14="http://schemas.microsoft.com/office/drawing/2010/main" w="9525">
+                  <a14:hiddenLine xmlns:a14="http://schemas.microsoft.com/office/drawing/2010/main" xmlns="" w="9525">
                     <a:solidFill>
                       <a:srgbClr val="000000"/>
                     </a:solidFill>
@@ -12102,7 +12102,7 @@
               </a:ln>
               <a:extLst>
                 <a:ext uri="{91240B29-F687-4f45-9708-019B960494DF}">
-                  <a14:hiddenLine xmlns="" xmlns:a14="http://schemas.microsoft.com/office/drawing/2010/main" w="9525">
+                  <a14:hiddenLine xmlns:a14="http://schemas.microsoft.com/office/drawing/2010/main" xmlns="" w="9525">
                     <a:solidFill>
                       <a:srgbClr val="000000"/>
                     </a:solidFill>
@@ -12192,7 +12192,7 @@
               </a:ln>
               <a:extLst>
                 <a:ext uri="{91240B29-F687-4f45-9708-019B960494DF}">
-                  <a14:hiddenLine xmlns="" xmlns:a14="http://schemas.microsoft.com/office/drawing/2010/main" w="9525">
+                  <a14:hiddenLine xmlns:a14="http://schemas.microsoft.com/office/drawing/2010/main" xmlns="" w="9525">
                     <a:solidFill>
                       <a:srgbClr val="000000"/>
                     </a:solidFill>
@@ -12260,7 +12260,7 @@
               </a:ln>
               <a:extLst>
                 <a:ext uri="{91240B29-F687-4f45-9708-019B960494DF}">
-                  <a14:hiddenLine xmlns="" xmlns:a14="http://schemas.microsoft.com/office/drawing/2010/main" w="9525">
+                  <a14:hiddenLine xmlns:a14="http://schemas.microsoft.com/office/drawing/2010/main" xmlns="" w="9525">
                     <a:solidFill>
                       <a:srgbClr val="000000"/>
                     </a:solidFill>
@@ -12350,7 +12350,7 @@
               </a:ln>
               <a:extLst>
                 <a:ext uri="{91240B29-F687-4f45-9708-019B960494DF}">
-                  <a14:hiddenLine xmlns="" xmlns:a14="http://schemas.microsoft.com/office/drawing/2010/main" w="9525">
+                  <a14:hiddenLine xmlns:a14="http://schemas.microsoft.com/office/drawing/2010/main" xmlns="" w="9525">
                     <a:solidFill>
                       <a:srgbClr val="000000"/>
                     </a:solidFill>
@@ -12418,7 +12418,7 @@
               </a:ln>
               <a:extLst>
                 <a:ext uri="{91240B29-F687-4f45-9708-019B960494DF}">
-                  <a14:hiddenLine xmlns="" xmlns:a14="http://schemas.microsoft.com/office/drawing/2010/main" w="9525">
+                  <a14:hiddenLine xmlns:a14="http://schemas.microsoft.com/office/drawing/2010/main" xmlns="" w="9525">
                     <a:solidFill>
                       <a:srgbClr val="000000"/>
                     </a:solidFill>
@@ -12508,7 +12508,7 @@
               </a:ln>
               <a:extLst>
                 <a:ext uri="{91240B29-F687-4f45-9708-019B960494DF}">
-                  <a14:hiddenLine xmlns="" xmlns:a14="http://schemas.microsoft.com/office/drawing/2010/main" w="9525">
+                  <a14:hiddenLine xmlns:a14="http://schemas.microsoft.com/office/drawing/2010/main" xmlns="" w="9525">
                     <a:solidFill>
                       <a:srgbClr val="000000"/>
                     </a:solidFill>
@@ -12542,7 +12542,7 @@
               </a:ln>
               <a:extLst>
                 <a:ext uri="{91240B29-F687-4f45-9708-019B960494DF}">
-                  <a14:hiddenLine xmlns="" xmlns:a14="http://schemas.microsoft.com/office/drawing/2010/main" w="9525">
+                  <a14:hiddenLine xmlns:a14="http://schemas.microsoft.com/office/drawing/2010/main" xmlns="" w="9525">
                     <a:solidFill>
                       <a:srgbClr val="000000"/>
                     </a:solidFill>
@@ -12682,7 +12682,7 @@
           <a:p>
             <a:fld id="{1ABC9FED-39D6-411A-ACAB-B2AFC29FF4EB}" type="datetimeFigureOut">
               <a:rPr lang="en-GB" smtClean="0"/>
-              <a:t>06/04/2018</a:t>
+              <a:t>10/04/2018</a:t>
             </a:fld>
             <a:endParaRPr lang="en-GB"/>
           </a:p>
@@ -13229,6 +13229,13 @@
       </p:transition>
     </mc:Fallback>
   </mc:AlternateContent>
+  <p:timing>
+    <p:tnLst>
+      <p:par>
+        <p:cTn id="1" dur="indefinite" restart="never" nodeType="tmRoot"/>
+      </p:par>
+    </p:tnLst>
+  </p:timing>
 </p:sld>
 </file>
 
@@ -13324,22 +13331,30 @@
             </a:r>
           </a:p>
           <a:p>
+            <a:endParaRPr lang="en-GB" dirty="0" smtClean="0"/>
+          </a:p>
+          <a:p>
             <a:endParaRPr lang="en-GB" dirty="0"/>
           </a:p>
           <a:p>
             <a:r>
-              <a:rPr lang="en-GB" dirty="0"/>
-              <a:t>They are used to gather a simple idea about what each class does within the project environment.</a:t>
+              <a:rPr lang="en-GB" dirty="0" smtClean="0"/>
+              <a:t>Gathers simple idea about classes’ functionality.</a:t>
             </a:r>
-          </a:p>
-          <a:p>
             <a:endParaRPr lang="en-GB" dirty="0"/>
           </a:p>
           <a:p>
+            <a:endParaRPr lang="en-GB" dirty="0" smtClean="0"/>
+          </a:p>
+          <a:p>
+            <a:endParaRPr lang="en-GB" dirty="0"/>
+          </a:p>
+          <a:p>
             <a:r>
-              <a:rPr lang="en-GB" dirty="0"/>
-              <a:t>We’ll be covering on how these were used to assign responsibilities to the classes and how they aided the design and development of the software development exercise.</a:t>
+              <a:rPr lang="en-GB" dirty="0" smtClean="0"/>
+              <a:t>Talking about how they were used.</a:t>
             </a:r>
+            <a:endParaRPr lang="en-GB" dirty="0"/>
           </a:p>
           <a:p>
             <a:endParaRPr lang="en-GB" dirty="0"/>
@@ -13527,7 +13542,7 @@
                                         <p:tgtEl>
                                           <p:spTgt spid="3">
                                             <p:txEl>
-                                              <p:pRg st="2" end="2"/>
+                                              <p:pRg st="3" end="3"/>
                                             </p:txEl>
                                           </p:spTgt>
                                         </p:tgtEl>
@@ -13545,7 +13560,7 @@
                                         <p:tgtEl>
                                           <p:spTgt spid="3">
                                             <p:txEl>
-                                              <p:pRg st="2" end="2"/>
+                                              <p:pRg st="3" end="3"/>
                                             </p:txEl>
                                           </p:spTgt>
                                         </p:tgtEl>
@@ -13588,7 +13603,7 @@
                                         <p:tgtEl>
                                           <p:spTgt spid="3">
                                             <p:txEl>
-                                              <p:pRg st="4" end="4"/>
+                                              <p:pRg st="6" end="6"/>
                                             </p:txEl>
                                           </p:spTgt>
                                         </p:tgtEl>
@@ -13606,7 +13621,7 @@
                                         <p:tgtEl>
                                           <p:spTgt spid="3">
                                             <p:txEl>
-                                              <p:pRg st="4" end="4"/>
+                                              <p:pRg st="6" end="6"/>
                                             </p:txEl>
                                           </p:spTgt>
                                         </p:tgtEl>
@@ -13815,9 +13830,18 @@
               </a:lnSpc>
             </a:pPr>
             <a:r>
-              <a:rPr lang="en-GB" sz="2200" dirty="0"/>
-              <a:t>The team studied the requirements of this project from the user stories.</a:t>
+              <a:rPr lang="en-GB" sz="2200" dirty="0" smtClean="0"/>
+              <a:t>Derived from user stories.</a:t>
             </a:r>
+            <a:endParaRPr lang="en-GB" sz="2200" dirty="0"/>
+          </a:p>
+          <a:p>
+            <a:pPr>
+              <a:lnSpc>
+                <a:spcPct val="110000"/>
+              </a:lnSpc>
+            </a:pPr>
+            <a:endParaRPr lang="en-GB" sz="2200" dirty="0" smtClean="0"/>
           </a:p>
           <a:p>
             <a:pPr>
@@ -13834,9 +13858,18 @@
               </a:lnSpc>
             </a:pPr>
             <a:r>
-              <a:rPr lang="en-GB" sz="2200" dirty="0"/>
-              <a:t>A basic outline of the classes and its functions was drawn on each team members’ minds.</a:t>
+              <a:rPr lang="en-GB" sz="2200" dirty="0" smtClean="0"/>
+              <a:t>An outline was drawn.</a:t>
             </a:r>
+            <a:endParaRPr lang="en-GB" sz="2200" dirty="0"/>
+          </a:p>
+          <a:p>
+            <a:pPr>
+              <a:lnSpc>
+                <a:spcPct val="110000"/>
+              </a:lnSpc>
+            </a:pPr>
+            <a:endParaRPr lang="en-GB" sz="2200" dirty="0" smtClean="0"/>
           </a:p>
           <a:p>
             <a:pPr>
@@ -14098,7 +14131,7 @@
                                         <p:tgtEl>
                                           <p:spTgt spid="3">
                                             <p:txEl>
-                                              <p:pRg st="2" end="2"/>
+                                              <p:pRg st="3" end="3"/>
                                             </p:txEl>
                                           </p:spTgt>
                                         </p:tgtEl>
@@ -14116,7 +14149,7 @@
                                         <p:tgtEl>
                                           <p:spTgt spid="3">
                                             <p:txEl>
-                                              <p:pRg st="2" end="2"/>
+                                              <p:pRg st="3" end="3"/>
                                             </p:txEl>
                                           </p:spTgt>
                                         </p:tgtEl>
@@ -14159,7 +14192,7 @@
                                         <p:tgtEl>
                                           <p:spTgt spid="3">
                                             <p:txEl>
-                                              <p:pRg st="4" end="4"/>
+                                              <p:pRg st="6" end="6"/>
                                             </p:txEl>
                                           </p:spTgt>
                                         </p:tgtEl>
@@ -14177,7 +14210,7 @@
                                         <p:tgtEl>
                                           <p:spTgt spid="3">
                                             <p:txEl>
-                                              <p:pRg st="4" end="4"/>
+                                              <p:pRg st="6" end="6"/>
                                             </p:txEl>
                                           </p:spTgt>
                                         </p:tgtEl>
@@ -14391,9 +14424,10 @@
           </a:p>
           <a:p>
             <a:r>
-              <a:rPr lang="en-US" dirty="0"/>
-              <a:t>Responsibilities were assigned based on the functions they were planned to do.</a:t>
+              <a:rPr lang="en-US" dirty="0" smtClean="0"/>
+              <a:t>Responsibilities were assigned based on their functions.</a:t>
             </a:r>
+            <a:endParaRPr lang="en-US" dirty="0"/>
           </a:p>
           <a:p>
             <a:endParaRPr lang="en-US" dirty="0"/>
@@ -14401,16 +14435,32 @@
           <a:p>
             <a:r>
               <a:rPr lang="en-US" dirty="0"/>
-              <a:t>Form Class is responsible for processing user commands and pop up messages.</a:t>
+              <a:t>Form </a:t>
             </a:r>
-          </a:p>
-          <a:p>
-            <a:endParaRPr lang="en-US" dirty="0"/>
-          </a:p>
-          <a:p>
+            <a:r>
+              <a:rPr lang="en-US" dirty="0" smtClean="0"/>
+              <a:t>Class - Responsible </a:t>
+            </a:r>
             <a:r>
               <a:rPr lang="en-US" dirty="0"/>
-              <a:t>Database Class is responsible for managing member details and making bookings.</a:t>
+              <a:t>for processing user commands and pop up messages.</a:t>
+            </a:r>
+          </a:p>
+          <a:p>
+            <a:endParaRPr lang="en-US" dirty="0"/>
+          </a:p>
+          <a:p>
+            <a:r>
+              <a:rPr lang="en-US" dirty="0"/>
+              <a:t>Database </a:t>
+            </a:r>
+            <a:r>
+              <a:rPr lang="en-US" dirty="0" smtClean="0"/>
+              <a:t>Class - Responsible </a:t>
+            </a:r>
+            <a:r>
+              <a:rPr lang="en-US" dirty="0"/>
+              <a:t>for managing member details and making bookings.</a:t>
             </a:r>
           </a:p>
         </p:txBody>
@@ -15131,32 +15181,35 @@
         </p:spPr>
         <p:txBody>
           <a:bodyPr>
-            <a:normAutofit fontScale="92500" lnSpcReduction="10000"/>
+            <a:normAutofit/>
           </a:bodyPr>
           <a:lstStyle/>
           <a:p>
             <a:r>
-              <a:rPr lang="en-US" dirty="0"/>
-              <a:t>With the help of the CRC Cards, the team was able to create the class diagram.</a:t>
+              <a:rPr lang="en-US" dirty="0" smtClean="0"/>
+              <a:t>Helped create the class diagram.</a:t>
             </a:r>
-          </a:p>
-          <a:p>
             <a:endParaRPr lang="en-US" dirty="0"/>
           </a:p>
           <a:p>
+            <a:endParaRPr lang="en-US" dirty="0"/>
+          </a:p>
+          <a:p>
             <a:r>
-              <a:rPr lang="en-US" dirty="0"/>
-              <a:t>The assigned responsibilities helped the team to understand each class better and it eased the workload.</a:t>
+              <a:rPr lang="en-US" dirty="0" smtClean="0"/>
+              <a:t>Responsibilities helped to understand their purpose better.</a:t>
             </a:r>
-          </a:p>
-          <a:p>
             <a:endParaRPr lang="en-US" dirty="0"/>
           </a:p>
           <a:p>
+            <a:endParaRPr lang="en-US" dirty="0"/>
+          </a:p>
+          <a:p>
             <a:r>
-              <a:rPr lang="en-US" dirty="0"/>
-              <a:t>The collaborations also helped the team to understand how each class is going to interact with another.</a:t>
+              <a:rPr lang="en-US" dirty="0" smtClean="0"/>
+              <a:t>Collaborations helped to understand their interactions better.</a:t>
             </a:r>
+            <a:endParaRPr lang="en-US" dirty="0"/>
           </a:p>
         </p:txBody>
       </p:sp>
@@ -15298,41 +15351,6 @@
                                   </p:childTnLst>
                                 </p:cTn>
                               </p:par>
-                              <p:par>
-                                <p:cTn id="13" presetID="14" presetClass="entr" presetSubtype="10" fill="hold" nodeType="withEffect">
-                                  <p:stCondLst>
-                                    <p:cond delay="0"/>
-                                  </p:stCondLst>
-                                  <p:childTnLst>
-                                    <p:set>
-                                      <p:cBhvr>
-                                        <p:cTn id="14" dur="1" fill="hold">
-                                          <p:stCondLst>
-                                            <p:cond delay="0"/>
-                                          </p:stCondLst>
-                                        </p:cTn>
-                                        <p:tgtEl>
-                                          <p:spTgt spid="7"/>
-                                        </p:tgtEl>
-                                        <p:attrNameLst>
-                                          <p:attrName>style.visibility</p:attrName>
-                                        </p:attrNameLst>
-                                      </p:cBhvr>
-                                      <p:to>
-                                        <p:strVal val="visible"/>
-                                      </p:to>
-                                    </p:set>
-                                    <p:animEffect transition="in" filter="randombar(horizontal)">
-                                      <p:cBhvr>
-                                        <p:cTn id="15" dur="500"/>
-                                        <p:tgtEl>
-                                          <p:spTgt spid="7"/>
-                                        </p:tgtEl>
-                                      </p:cBhvr>
-                                    </p:animEffect>
-                                  </p:childTnLst>
-                                </p:cTn>
-                              </p:par>
                             </p:childTnLst>
                           </p:cTn>
                         </p:par>
@@ -15340,26 +15358,26 @@
                     </p:cTn>
                   </p:par>
                   <p:par>
-                    <p:cTn id="16" fill="hold">
+                    <p:cTn id="13" fill="hold">
                       <p:stCondLst>
                         <p:cond delay="indefinite"/>
                       </p:stCondLst>
                       <p:childTnLst>
                         <p:par>
-                          <p:cTn id="17" fill="hold">
+                          <p:cTn id="14" fill="hold">
                             <p:stCondLst>
                               <p:cond delay="0"/>
                             </p:stCondLst>
                             <p:childTnLst>
                               <p:par>
-                                <p:cTn id="18" presetID="14" presetClass="entr" presetSubtype="10" fill="hold" grpId="0" nodeType="clickEffect">
+                                <p:cTn id="15" presetID="14" presetClass="entr" presetSubtype="10" fill="hold" grpId="0" nodeType="clickEffect">
                                   <p:stCondLst>
                                     <p:cond delay="0"/>
                                   </p:stCondLst>
                                   <p:childTnLst>
                                     <p:set>
                                       <p:cBhvr>
-                                        <p:cTn id="19" dur="1" fill="hold">
+                                        <p:cTn id="16" dur="1" fill="hold">
                                           <p:stCondLst>
                                             <p:cond delay="0"/>
                                           </p:stCondLst>
@@ -15381,13 +15399,48 @@
                                     </p:set>
                                     <p:animEffect transition="in" filter="randombar(horizontal)">
                                       <p:cBhvr>
-                                        <p:cTn id="20" dur="500"/>
+                                        <p:cTn id="17" dur="500"/>
                                         <p:tgtEl>
                                           <p:spTgt spid="10">
                                             <p:txEl>
                                               <p:pRg st="2" end="2"/>
                                             </p:txEl>
                                           </p:spTgt>
+                                        </p:tgtEl>
+                                      </p:cBhvr>
+                                    </p:animEffect>
+                                  </p:childTnLst>
+                                </p:cTn>
+                              </p:par>
+                              <p:par>
+                                <p:cTn id="18" presetID="14" presetClass="entr" presetSubtype="10" fill="hold" nodeType="withEffect">
+                                  <p:stCondLst>
+                                    <p:cond delay="0"/>
+                                  </p:stCondLst>
+                                  <p:childTnLst>
+                                    <p:set>
+                                      <p:cBhvr>
+                                        <p:cTn id="19" dur="1" fill="hold">
+                                          <p:stCondLst>
+                                            <p:cond delay="0"/>
+                                          </p:stCondLst>
+                                        </p:cTn>
+                                        <p:tgtEl>
+                                          <p:spTgt spid="7"/>
+                                        </p:tgtEl>
+                                        <p:attrNameLst>
+                                          <p:attrName>style.visibility</p:attrName>
+                                        </p:attrNameLst>
+                                      </p:cBhvr>
+                                      <p:to>
+                                        <p:strVal val="visible"/>
+                                      </p:to>
+                                    </p:set>
+                                    <p:animEffect transition="in" filter="randombar(horizontal)">
+                                      <p:cBhvr>
+                                        <p:cTn id="20" dur="500"/>
+                                        <p:tgtEl>
+                                          <p:spTgt spid="7"/>
                                         </p:tgtEl>
                                       </p:cBhvr>
                                     </p:animEffect>
@@ -15567,27 +15620,36 @@
           <a:lstStyle/>
           <a:p>
             <a:r>
-              <a:rPr lang="en-GB" dirty="0"/>
-              <a:t>CRC cards were very easy to create due to its simplistic design.</a:t>
+              <a:rPr lang="en-GB" dirty="0" smtClean="0"/>
+              <a:t>Easy to create due to simple design.</a:t>
             </a:r>
-          </a:p>
-          <a:p>
             <a:endParaRPr lang="en-GB" dirty="0"/>
           </a:p>
           <a:p>
+            <a:endParaRPr lang="en-GB" dirty="0"/>
+          </a:p>
+          <a:p>
+            <a:endParaRPr lang="en-GB" dirty="0"/>
+          </a:p>
+          <a:p>
             <a:r>
-              <a:rPr lang="en-GB" dirty="0"/>
-              <a:t>They were able to convey more info and easily understandable at the same time.</a:t>
+              <a:rPr lang="en-GB" dirty="0" smtClean="0"/>
+              <a:t>Convey more info and easily understandable.</a:t>
             </a:r>
-          </a:p>
-          <a:p>
             <a:endParaRPr lang="en-GB" dirty="0"/>
           </a:p>
           <a:p>
+            <a:endParaRPr lang="en-GB" dirty="0" smtClean="0"/>
+          </a:p>
+          <a:p>
+            <a:endParaRPr lang="en-GB" dirty="0"/>
+          </a:p>
+          <a:p>
             <a:r>
-              <a:rPr lang="en-GB" dirty="0"/>
-              <a:t>They were used so that the team will be to create the UML Class Diagram and implement classes in the software product easily.</a:t>
+              <a:rPr lang="en-GB" dirty="0" smtClean="0"/>
+              <a:t>Implement classes into the software easily.</a:t>
             </a:r>
+            <a:endParaRPr lang="en-GB" dirty="0"/>
           </a:p>
           <a:p>
             <a:endParaRPr lang="en-GB" dirty="0"/>
@@ -15619,13 +15681,13 @@
   <p:clrMapOvr>
     <a:masterClrMapping/>
   </p:clrMapOvr>
-  <mc:AlternateContent xmlns:mc="http://schemas.openxmlformats.org/markup-compatibility/2006">
-    <mc:Choice xmlns:p14="http://schemas.microsoft.com/office/powerpoint/2010/main" Requires="p14">
+  <mc:AlternateContent xmlns:mc="http://schemas.openxmlformats.org/markup-compatibility/2006" xmlns:p14="http://schemas.microsoft.com/office/powerpoint/2010/main">
+    <mc:Choice Requires="p14">
       <p:transition spd="slow">
         <p14:flip dir="l"/>
       </p:transition>
     </mc:Choice>
-    <mc:Fallback>
+    <mc:Fallback xmlns="">
       <p:transition spd="slow">
         <p:fade/>
       </p:transition>
@@ -15781,7 +15843,7 @@
                                         <p:tgtEl>
                                           <p:spTgt spid="3">
                                             <p:txEl>
-                                              <p:pRg st="2" end="2"/>
+                                              <p:pRg st="3" end="3"/>
                                             </p:txEl>
                                           </p:spTgt>
                                         </p:tgtEl>
@@ -15799,7 +15861,7 @@
                                         <p:tgtEl>
                                           <p:spTgt spid="3">
                                             <p:txEl>
-                                              <p:pRg st="2" end="2"/>
+                                              <p:pRg st="3" end="3"/>
                                             </p:txEl>
                                           </p:spTgt>
                                         </p:tgtEl>
@@ -15842,7 +15904,7 @@
                                         <p:tgtEl>
                                           <p:spTgt spid="3">
                                             <p:txEl>
-                                              <p:pRg st="4" end="4"/>
+                                              <p:pRg st="6" end="6"/>
                                             </p:txEl>
                                           </p:spTgt>
                                         </p:tgtEl>
@@ -15860,7 +15922,7 @@
                                         <p:tgtEl>
                                           <p:spTgt spid="3">
                                             <p:txEl>
-                                              <p:pRg st="4" end="4"/>
+                                              <p:pRg st="6" end="6"/>
                                             </p:txEl>
                                           </p:spTgt>
                                         </p:tgtEl>
@@ -15987,18 +16049,25 @@
   <p:clrMapOvr>
     <a:masterClrMapping/>
   </p:clrMapOvr>
-  <mc:AlternateContent xmlns:mc="http://schemas.openxmlformats.org/markup-compatibility/2006">
-    <mc:Choice xmlns:p14="http://schemas.microsoft.com/office/powerpoint/2010/main" Requires="p14">
+  <mc:AlternateContent xmlns:mc="http://schemas.openxmlformats.org/markup-compatibility/2006" xmlns:p14="http://schemas.microsoft.com/office/powerpoint/2010/main">
+    <mc:Choice Requires="p14">
       <p:transition spd="slow">
         <p14:flip dir="r"/>
       </p:transition>
     </mc:Choice>
-    <mc:Fallback>
+    <mc:Fallback xmlns="">
       <p:transition spd="slow">
         <p:fade/>
       </p:transition>
     </mc:Fallback>
   </mc:AlternateContent>
+  <p:timing>
+    <p:tnLst>
+      <p:par>
+        <p:cTn id="1" dur="indefinite" restart="never" nodeType="tmRoot"/>
+      </p:par>
+    </p:tnLst>
+  </p:timing>
 </p:sld>
 </file>
 
